--- a/宣道詩/(宣道詩230)耶穌明白.pptx
+++ b/宣道詩/(宣道詩230)耶穌明白.pptx
@@ -2,7 +2,7 @@
 <file path=ppt/presentation.xml><?xml version="1.0" encoding="utf-8"?>
 <p:presentation xmlns:a="http://schemas.openxmlformats.org/drawingml/2006/main" xmlns:r="http://schemas.openxmlformats.org/officeDocument/2006/relationships" xmlns:p="http://schemas.openxmlformats.org/presentationml/2006/main" saveSubsetFonts="1">
   <p:sldMasterIdLst>
-    <p:sldMasterId id="2147483660" r:id="rId1"/>
+    <p:sldMasterId id="2147483672" r:id="rId1"/>
   </p:sldMasterIdLst>
   <p:sldIdLst>
     <p:sldId id="256" r:id="rId2"/>
@@ -14,7 +14,7 @@
     <p:sldId id="259" r:id="rId8"/>
     <p:sldId id="260" r:id="rId9"/>
   </p:sldIdLst>
-  <p:sldSz cx="9144000" cy="6858000" type="screen4x3"/>
+  <p:sldSz cx="12192000" cy="6858000"/>
   <p:notesSz cx="6858000" cy="9144000"/>
   <p:defaultTextStyle>
     <a:defPPr>
@@ -111,6 +111,22 @@
       </a:defRPr>
     </a:lvl9pPr>
   </p:defaultTextStyle>
+  <p:extLst>
+    <p:ext uri="{EFAFB233-063F-42B5-8137-9DF3F51BA10A}">
+      <p15:sldGuideLst xmlns:p15="http://schemas.microsoft.com/office/powerpoint/2012/main">
+        <p15:guide id="1" orient="horz" pos="2160" userDrawn="1">
+          <p15:clr>
+            <a:srgbClr val="A4A3A4"/>
+          </p15:clr>
+        </p15:guide>
+        <p15:guide id="2" pos="3840" userDrawn="1">
+          <p15:clr>
+            <a:srgbClr val="A4A3A4"/>
+          </p15:clr>
+        </p15:guide>
+      </p15:sldGuideLst>
+    </p:ext>
+  </p:extLst>
 </p:presentation>
 </file>
 
@@ -133,7 +149,7 @@
       </p:grpSpPr>
       <p:sp>
         <p:nvSpPr>
-          <p:cNvPr id="2" name="Title 1"/>
+          <p:cNvPr id="2" name="標題 1"/>
           <p:cNvSpPr>
             <a:spLocks noGrp="1"/>
           </p:cNvSpPr>
@@ -143,8 +159,8 @@
         </p:nvSpPr>
         <p:spPr>
           <a:xfrm>
-            <a:off x="685800" y="2130425"/>
-            <a:ext cx="7772400" cy="1470025"/>
+            <a:off x="914400" y="2130427"/>
+            <a:ext cx="10363200" cy="1470025"/>
           </a:xfrm>
         </p:spPr>
         <p:txBody>
@@ -152,16 +168,16 @@
           <a:lstStyle/>
           <a:p>
             <a:r>
-              <a:rPr lang="zh-TW" altLang="en-US" smtClean="0"/>
-              <a:t>按一下以編輯母片標題樣式</a:t>
-            </a:r>
-            <a:endParaRPr lang="en-US"/>
-          </a:p>
-        </p:txBody>
-      </p:sp>
-      <p:sp>
-        <p:nvSpPr>
-          <p:cNvPr id="3" name="Subtitle 2"/>
+              <a:rPr lang="en-US" altLang="zh-TW" smtClean="0"/>
+              <a:t>Click to edit Master title style</a:t>
+            </a:r>
+            <a:endParaRPr lang="zh-TW" altLang="en-US"/>
+          </a:p>
+        </p:txBody>
+      </p:sp>
+      <p:sp>
+        <p:nvSpPr>
+          <p:cNvPr id="3" name="副標題 2"/>
           <p:cNvSpPr>
             <a:spLocks noGrp="1"/>
           </p:cNvSpPr>
@@ -171,8 +187,8 @@
         </p:nvSpPr>
         <p:spPr>
           <a:xfrm>
-            <a:off x="1371600" y="3886200"/>
-            <a:ext cx="6400800" cy="1752600"/>
+            <a:off x="1828800" y="3886200"/>
+            <a:ext cx="8534400" cy="1752600"/>
           </a:xfrm>
         </p:spPr>
         <p:txBody>
@@ -271,16 +287,16 @@
           </a:lstStyle>
           <a:p>
             <a:r>
-              <a:rPr lang="zh-TW" altLang="en-US" smtClean="0"/>
-              <a:t>按一下以編輯母片副標題樣式</a:t>
-            </a:r>
-            <a:endParaRPr lang="en-US"/>
-          </a:p>
-        </p:txBody>
-      </p:sp>
-      <p:sp>
-        <p:nvSpPr>
-          <p:cNvPr id="4" name="Date Placeholder 3"/>
+              <a:rPr lang="en-US" altLang="zh-TW" smtClean="0"/>
+              <a:t>Click to edit Master subtitle style</a:t>
+            </a:r>
+            <a:endParaRPr lang="zh-TW" altLang="en-US"/>
+          </a:p>
+        </p:txBody>
+      </p:sp>
+      <p:sp>
+        <p:nvSpPr>
+          <p:cNvPr id="4" name="日期版面配置區 3"/>
           <p:cNvSpPr>
             <a:spLocks noGrp="1"/>
           </p:cNvSpPr>
@@ -291,16 +307,12 @@
         <p:spPr/>
         <p:txBody>
           <a:bodyPr/>
-          <a:lstStyle>
-            <a:lvl1pPr>
-              <a:defRPr/>
-            </a:lvl1pPr>
-          </a:lstStyle>
+          <a:lstStyle/>
           <a:p>
             <a:fld id="{F6AA2124-0E48-4C20-AF48-66096F66EEAF}" type="datetimeFigureOut">
               <a:rPr lang="zh-TW" altLang="en-US" smtClean="0"/>
               <a:pPr/>
-              <a:t>2016/10/16</a:t>
+              <a:t>2020/7/18</a:t>
             </a:fld>
             <a:endParaRPr lang="zh-TW" altLang="en-US"/>
           </a:p>
@@ -308,7 +320,7 @@
       </p:sp>
       <p:sp>
         <p:nvSpPr>
-          <p:cNvPr id="5" name="Footer Placeholder 4"/>
+          <p:cNvPr id="5" name="頁尾版面配置區 4"/>
           <p:cNvSpPr>
             <a:spLocks noGrp="1"/>
           </p:cNvSpPr>
@@ -319,19 +331,15 @@
         <p:spPr/>
         <p:txBody>
           <a:bodyPr/>
-          <a:lstStyle>
-            <a:lvl1pPr>
-              <a:defRPr/>
-            </a:lvl1pPr>
-          </a:lstStyle>
-          <a:p>
-            <a:endParaRPr lang="zh-TW" altLang="en-US"/>
-          </a:p>
-        </p:txBody>
-      </p:sp>
-      <p:sp>
-        <p:nvSpPr>
-          <p:cNvPr id="6" name="Slide Number Placeholder 5"/>
+          <a:lstStyle/>
+          <a:p>
+            <a:endParaRPr lang="zh-TW" altLang="en-US"/>
+          </a:p>
+        </p:txBody>
+      </p:sp>
+      <p:sp>
+        <p:nvSpPr>
+          <p:cNvPr id="6" name="投影片編號版面配置區 5"/>
           <p:cNvSpPr>
             <a:spLocks noGrp="1"/>
           </p:cNvSpPr>
@@ -342,11 +350,7 @@
         <p:spPr/>
         <p:txBody>
           <a:bodyPr/>
-          <a:lstStyle>
-            <a:lvl1pPr>
-              <a:defRPr/>
-            </a:lvl1pPr>
-          </a:lstStyle>
+          <a:lstStyle/>
           <a:p>
             <a:fld id="{F0415420-705F-4A77-836D-8743807B3E66}" type="slidenum">
               <a:rPr lang="zh-TW" altLang="en-US" smtClean="0"/>
@@ -358,6 +362,11 @@
         </p:txBody>
       </p:sp>
     </p:spTree>
+    <p:extLst>
+      <p:ext uri="{BB962C8B-B14F-4D97-AF65-F5344CB8AC3E}">
+        <p14:creationId xmlns:p14="http://schemas.microsoft.com/office/powerpoint/2010/main" val="1906220781"/>
+      </p:ext>
+    </p:extLst>
   </p:cSld>
   <p:clrMapOvr>
     <a:masterClrMapping/>
@@ -384,7 +393,7 @@
       </p:grpSpPr>
       <p:sp>
         <p:nvSpPr>
-          <p:cNvPr id="2" name="Title 1"/>
+          <p:cNvPr id="2" name="標題 1"/>
           <p:cNvSpPr>
             <a:spLocks noGrp="1"/>
           </p:cNvSpPr>
@@ -398,16 +407,16 @@
           <a:lstStyle/>
           <a:p>
             <a:r>
-              <a:rPr lang="zh-TW" altLang="en-US" smtClean="0"/>
-              <a:t>按一下以編輯母片標題樣式</a:t>
-            </a:r>
-            <a:endParaRPr lang="en-US"/>
-          </a:p>
-        </p:txBody>
-      </p:sp>
-      <p:sp>
-        <p:nvSpPr>
-          <p:cNvPr id="3" name="Vertical Text Placeholder 2"/>
+              <a:rPr lang="en-US" altLang="zh-TW" smtClean="0"/>
+              <a:t>Click to edit Master title style</a:t>
+            </a:r>
+            <a:endParaRPr lang="zh-TW" altLang="en-US"/>
+          </a:p>
+        </p:txBody>
+      </p:sp>
+      <p:sp>
+        <p:nvSpPr>
+          <p:cNvPr id="3" name="直排文字版面配置區 2"/>
           <p:cNvSpPr>
             <a:spLocks noGrp="1"/>
           </p:cNvSpPr>
@@ -422,44 +431,44 @@
           <a:p>
             <a:pPr lvl="0"/>
             <a:r>
-              <a:rPr lang="zh-TW" altLang="en-US" smtClean="0"/>
-              <a:t>按一下以編輯母片文字樣式</a:t>
+              <a:rPr lang="en-US" altLang="zh-TW" smtClean="0"/>
+              <a:t>Edit Master text styles</a:t>
             </a:r>
           </a:p>
           <a:p>
             <a:pPr lvl="1"/>
             <a:r>
-              <a:rPr lang="zh-TW" altLang="en-US" smtClean="0"/>
-              <a:t>第二層</a:t>
+              <a:rPr lang="en-US" altLang="zh-TW" smtClean="0"/>
+              <a:t>Second level</a:t>
             </a:r>
           </a:p>
           <a:p>
             <a:pPr lvl="2"/>
             <a:r>
-              <a:rPr lang="zh-TW" altLang="en-US" smtClean="0"/>
-              <a:t>第三層</a:t>
+              <a:rPr lang="en-US" altLang="zh-TW" smtClean="0"/>
+              <a:t>Third level</a:t>
             </a:r>
           </a:p>
           <a:p>
             <a:pPr lvl="3"/>
             <a:r>
-              <a:rPr lang="zh-TW" altLang="en-US" smtClean="0"/>
-              <a:t>第四層</a:t>
+              <a:rPr lang="en-US" altLang="zh-TW" smtClean="0"/>
+              <a:t>Fourth level</a:t>
             </a:r>
           </a:p>
           <a:p>
             <a:pPr lvl="4"/>
             <a:r>
-              <a:rPr lang="zh-TW" altLang="en-US" smtClean="0"/>
-              <a:t>第五層</a:t>
-            </a:r>
-            <a:endParaRPr lang="en-US"/>
-          </a:p>
-        </p:txBody>
-      </p:sp>
-      <p:sp>
-        <p:nvSpPr>
-          <p:cNvPr id="4" name="Date Placeholder 3"/>
+              <a:rPr lang="en-US" altLang="zh-TW" smtClean="0"/>
+              <a:t>Fifth level</a:t>
+            </a:r>
+            <a:endParaRPr lang="zh-TW" altLang="en-US"/>
+          </a:p>
+        </p:txBody>
+      </p:sp>
+      <p:sp>
+        <p:nvSpPr>
+          <p:cNvPr id="4" name="日期版面配置區 3"/>
           <p:cNvSpPr>
             <a:spLocks noGrp="1"/>
           </p:cNvSpPr>
@@ -470,16 +479,12 @@
         <p:spPr/>
         <p:txBody>
           <a:bodyPr/>
-          <a:lstStyle>
-            <a:lvl1pPr>
-              <a:defRPr/>
-            </a:lvl1pPr>
-          </a:lstStyle>
+          <a:lstStyle/>
           <a:p>
             <a:fld id="{F6AA2124-0E48-4C20-AF48-66096F66EEAF}" type="datetimeFigureOut">
               <a:rPr lang="zh-TW" altLang="en-US" smtClean="0"/>
               <a:pPr/>
-              <a:t>2016/10/16</a:t>
+              <a:t>2020/7/18</a:t>
             </a:fld>
             <a:endParaRPr lang="zh-TW" altLang="en-US"/>
           </a:p>
@@ -487,7 +492,7 @@
       </p:sp>
       <p:sp>
         <p:nvSpPr>
-          <p:cNvPr id="5" name="Footer Placeholder 4"/>
+          <p:cNvPr id="5" name="頁尾版面配置區 4"/>
           <p:cNvSpPr>
             <a:spLocks noGrp="1"/>
           </p:cNvSpPr>
@@ -498,19 +503,15 @@
         <p:spPr/>
         <p:txBody>
           <a:bodyPr/>
-          <a:lstStyle>
-            <a:lvl1pPr>
-              <a:defRPr/>
-            </a:lvl1pPr>
-          </a:lstStyle>
-          <a:p>
-            <a:endParaRPr lang="zh-TW" altLang="en-US"/>
-          </a:p>
-        </p:txBody>
-      </p:sp>
-      <p:sp>
-        <p:nvSpPr>
-          <p:cNvPr id="6" name="Slide Number Placeholder 5"/>
+          <a:lstStyle/>
+          <a:p>
+            <a:endParaRPr lang="zh-TW" altLang="en-US"/>
+          </a:p>
+        </p:txBody>
+      </p:sp>
+      <p:sp>
+        <p:nvSpPr>
+          <p:cNvPr id="6" name="投影片編號版面配置區 5"/>
           <p:cNvSpPr>
             <a:spLocks noGrp="1"/>
           </p:cNvSpPr>
@@ -521,11 +522,7 @@
         <p:spPr/>
         <p:txBody>
           <a:bodyPr/>
-          <a:lstStyle>
-            <a:lvl1pPr>
-              <a:defRPr/>
-            </a:lvl1pPr>
-          </a:lstStyle>
+          <a:lstStyle/>
           <a:p>
             <a:fld id="{F0415420-705F-4A77-836D-8743807B3E66}" type="slidenum">
               <a:rPr lang="zh-TW" altLang="en-US" smtClean="0"/>
@@ -537,6 +534,11 @@
         </p:txBody>
       </p:sp>
     </p:spTree>
+    <p:extLst>
+      <p:ext uri="{BB962C8B-B14F-4D97-AF65-F5344CB8AC3E}">
+        <p14:creationId xmlns:p14="http://schemas.microsoft.com/office/powerpoint/2010/main" val="3789888293"/>
+      </p:ext>
+    </p:extLst>
   </p:cSld>
   <p:clrMapOvr>
     <a:masterClrMapping/>
@@ -563,7 +565,7 @@
       </p:grpSpPr>
       <p:sp>
         <p:nvSpPr>
-          <p:cNvPr id="2" name="Vertical Title 1"/>
+          <p:cNvPr id="2" name="直排標題 1"/>
           <p:cNvSpPr>
             <a:spLocks noGrp="1"/>
           </p:cNvSpPr>
@@ -573,8 +575,8 @@
         </p:nvSpPr>
         <p:spPr>
           <a:xfrm>
-            <a:off x="6629400" y="274638"/>
-            <a:ext cx="2057400" cy="5851525"/>
+            <a:off x="8839200" y="274640"/>
+            <a:ext cx="2743200" cy="5851525"/>
           </a:xfrm>
         </p:spPr>
         <p:txBody>
@@ -582,16 +584,16 @@
           <a:lstStyle/>
           <a:p>
             <a:r>
-              <a:rPr lang="zh-TW" altLang="en-US" smtClean="0"/>
-              <a:t>按一下以編輯母片標題樣式</a:t>
-            </a:r>
-            <a:endParaRPr lang="en-US"/>
-          </a:p>
-        </p:txBody>
-      </p:sp>
-      <p:sp>
-        <p:nvSpPr>
-          <p:cNvPr id="3" name="Vertical Text Placeholder 2"/>
+              <a:rPr lang="en-US" altLang="zh-TW" smtClean="0"/>
+              <a:t>Click to edit Master title style</a:t>
+            </a:r>
+            <a:endParaRPr lang="zh-TW" altLang="en-US"/>
+          </a:p>
+        </p:txBody>
+      </p:sp>
+      <p:sp>
+        <p:nvSpPr>
+          <p:cNvPr id="3" name="直排文字版面配置區 2"/>
           <p:cNvSpPr>
             <a:spLocks noGrp="1"/>
           </p:cNvSpPr>
@@ -601,8 +603,8 @@
         </p:nvSpPr>
         <p:spPr>
           <a:xfrm>
-            <a:off x="457200" y="274638"/>
-            <a:ext cx="6019800" cy="5851525"/>
+            <a:off x="609600" y="274640"/>
+            <a:ext cx="8026400" cy="5851525"/>
           </a:xfrm>
         </p:spPr>
         <p:txBody>
@@ -611,44 +613,44 @@
           <a:p>
             <a:pPr lvl="0"/>
             <a:r>
-              <a:rPr lang="zh-TW" altLang="en-US" smtClean="0"/>
-              <a:t>按一下以編輯母片文字樣式</a:t>
+              <a:rPr lang="en-US" altLang="zh-TW" smtClean="0"/>
+              <a:t>Edit Master text styles</a:t>
             </a:r>
           </a:p>
           <a:p>
             <a:pPr lvl="1"/>
             <a:r>
-              <a:rPr lang="zh-TW" altLang="en-US" smtClean="0"/>
-              <a:t>第二層</a:t>
+              <a:rPr lang="en-US" altLang="zh-TW" smtClean="0"/>
+              <a:t>Second level</a:t>
             </a:r>
           </a:p>
           <a:p>
             <a:pPr lvl="2"/>
             <a:r>
-              <a:rPr lang="zh-TW" altLang="en-US" smtClean="0"/>
-              <a:t>第三層</a:t>
+              <a:rPr lang="en-US" altLang="zh-TW" smtClean="0"/>
+              <a:t>Third level</a:t>
             </a:r>
           </a:p>
           <a:p>
             <a:pPr lvl="3"/>
             <a:r>
-              <a:rPr lang="zh-TW" altLang="en-US" smtClean="0"/>
-              <a:t>第四層</a:t>
+              <a:rPr lang="en-US" altLang="zh-TW" smtClean="0"/>
+              <a:t>Fourth level</a:t>
             </a:r>
           </a:p>
           <a:p>
             <a:pPr lvl="4"/>
             <a:r>
-              <a:rPr lang="zh-TW" altLang="en-US" smtClean="0"/>
-              <a:t>第五層</a:t>
-            </a:r>
-            <a:endParaRPr lang="en-US"/>
-          </a:p>
-        </p:txBody>
-      </p:sp>
-      <p:sp>
-        <p:nvSpPr>
-          <p:cNvPr id="4" name="Date Placeholder 3"/>
+              <a:rPr lang="en-US" altLang="zh-TW" smtClean="0"/>
+              <a:t>Fifth level</a:t>
+            </a:r>
+            <a:endParaRPr lang="zh-TW" altLang="en-US"/>
+          </a:p>
+        </p:txBody>
+      </p:sp>
+      <p:sp>
+        <p:nvSpPr>
+          <p:cNvPr id="4" name="日期版面配置區 3"/>
           <p:cNvSpPr>
             <a:spLocks noGrp="1"/>
           </p:cNvSpPr>
@@ -659,16 +661,12 @@
         <p:spPr/>
         <p:txBody>
           <a:bodyPr/>
-          <a:lstStyle>
-            <a:lvl1pPr>
-              <a:defRPr/>
-            </a:lvl1pPr>
-          </a:lstStyle>
+          <a:lstStyle/>
           <a:p>
             <a:fld id="{F6AA2124-0E48-4C20-AF48-66096F66EEAF}" type="datetimeFigureOut">
               <a:rPr lang="zh-TW" altLang="en-US" smtClean="0"/>
               <a:pPr/>
-              <a:t>2016/10/16</a:t>
+              <a:t>2020/7/18</a:t>
             </a:fld>
             <a:endParaRPr lang="zh-TW" altLang="en-US"/>
           </a:p>
@@ -676,7 +674,7 @@
       </p:sp>
       <p:sp>
         <p:nvSpPr>
-          <p:cNvPr id="5" name="Footer Placeholder 4"/>
+          <p:cNvPr id="5" name="頁尾版面配置區 4"/>
           <p:cNvSpPr>
             <a:spLocks noGrp="1"/>
           </p:cNvSpPr>
@@ -687,19 +685,15 @@
         <p:spPr/>
         <p:txBody>
           <a:bodyPr/>
-          <a:lstStyle>
-            <a:lvl1pPr>
-              <a:defRPr/>
-            </a:lvl1pPr>
-          </a:lstStyle>
-          <a:p>
-            <a:endParaRPr lang="zh-TW" altLang="en-US"/>
-          </a:p>
-        </p:txBody>
-      </p:sp>
-      <p:sp>
-        <p:nvSpPr>
-          <p:cNvPr id="6" name="Slide Number Placeholder 5"/>
+          <a:lstStyle/>
+          <a:p>
+            <a:endParaRPr lang="zh-TW" altLang="en-US"/>
+          </a:p>
+        </p:txBody>
+      </p:sp>
+      <p:sp>
+        <p:nvSpPr>
+          <p:cNvPr id="6" name="投影片編號版面配置區 5"/>
           <p:cNvSpPr>
             <a:spLocks noGrp="1"/>
           </p:cNvSpPr>
@@ -710,11 +704,7 @@
         <p:spPr/>
         <p:txBody>
           <a:bodyPr/>
-          <a:lstStyle>
-            <a:lvl1pPr>
-              <a:defRPr/>
-            </a:lvl1pPr>
-          </a:lstStyle>
+          <a:lstStyle/>
           <a:p>
             <a:fld id="{F0415420-705F-4A77-836D-8743807B3E66}" type="slidenum">
               <a:rPr lang="zh-TW" altLang="en-US" smtClean="0"/>
@@ -726,6 +716,11 @@
         </p:txBody>
       </p:sp>
     </p:spTree>
+    <p:extLst>
+      <p:ext uri="{BB962C8B-B14F-4D97-AF65-F5344CB8AC3E}">
+        <p14:creationId xmlns:p14="http://schemas.microsoft.com/office/powerpoint/2010/main" val="927372662"/>
+      </p:ext>
+    </p:extLst>
   </p:cSld>
   <p:clrMapOvr>
     <a:masterClrMapping/>
@@ -752,7 +747,7 @@
       </p:grpSpPr>
       <p:sp>
         <p:nvSpPr>
-          <p:cNvPr id="2" name="Title 1"/>
+          <p:cNvPr id="2" name="標題 1"/>
           <p:cNvSpPr>
             <a:spLocks noGrp="1"/>
           </p:cNvSpPr>
@@ -766,16 +761,16 @@
           <a:lstStyle/>
           <a:p>
             <a:r>
-              <a:rPr lang="zh-TW" altLang="en-US" smtClean="0"/>
-              <a:t>按一下以編輯母片標題樣式</a:t>
-            </a:r>
-            <a:endParaRPr lang="en-US"/>
-          </a:p>
-        </p:txBody>
-      </p:sp>
-      <p:sp>
-        <p:nvSpPr>
-          <p:cNvPr id="3" name="Content Placeholder 2"/>
+              <a:rPr lang="en-US" altLang="zh-TW" smtClean="0"/>
+              <a:t>Click to edit Master title style</a:t>
+            </a:r>
+            <a:endParaRPr lang="zh-TW" altLang="en-US"/>
+          </a:p>
+        </p:txBody>
+      </p:sp>
+      <p:sp>
+        <p:nvSpPr>
+          <p:cNvPr id="3" name="內容版面配置區 2"/>
           <p:cNvSpPr>
             <a:spLocks noGrp="1"/>
           </p:cNvSpPr>
@@ -790,44 +785,44 @@
           <a:p>
             <a:pPr lvl="0"/>
             <a:r>
-              <a:rPr lang="zh-TW" altLang="en-US" smtClean="0"/>
-              <a:t>按一下以編輯母片文字樣式</a:t>
+              <a:rPr lang="en-US" altLang="zh-TW" smtClean="0"/>
+              <a:t>Edit Master text styles</a:t>
             </a:r>
           </a:p>
           <a:p>
             <a:pPr lvl="1"/>
             <a:r>
-              <a:rPr lang="zh-TW" altLang="en-US" smtClean="0"/>
-              <a:t>第二層</a:t>
+              <a:rPr lang="en-US" altLang="zh-TW" smtClean="0"/>
+              <a:t>Second level</a:t>
             </a:r>
           </a:p>
           <a:p>
             <a:pPr lvl="2"/>
             <a:r>
-              <a:rPr lang="zh-TW" altLang="en-US" smtClean="0"/>
-              <a:t>第三層</a:t>
+              <a:rPr lang="en-US" altLang="zh-TW" smtClean="0"/>
+              <a:t>Third level</a:t>
             </a:r>
           </a:p>
           <a:p>
             <a:pPr lvl="3"/>
             <a:r>
-              <a:rPr lang="zh-TW" altLang="en-US" smtClean="0"/>
-              <a:t>第四層</a:t>
+              <a:rPr lang="en-US" altLang="zh-TW" smtClean="0"/>
+              <a:t>Fourth level</a:t>
             </a:r>
           </a:p>
           <a:p>
             <a:pPr lvl="4"/>
             <a:r>
-              <a:rPr lang="zh-TW" altLang="en-US" smtClean="0"/>
-              <a:t>第五層</a:t>
-            </a:r>
-            <a:endParaRPr lang="en-US"/>
-          </a:p>
-        </p:txBody>
-      </p:sp>
-      <p:sp>
-        <p:nvSpPr>
-          <p:cNvPr id="4" name="Date Placeholder 3"/>
+              <a:rPr lang="en-US" altLang="zh-TW" smtClean="0"/>
+              <a:t>Fifth level</a:t>
+            </a:r>
+            <a:endParaRPr lang="zh-TW" altLang="en-US"/>
+          </a:p>
+        </p:txBody>
+      </p:sp>
+      <p:sp>
+        <p:nvSpPr>
+          <p:cNvPr id="4" name="日期版面配置區 3"/>
           <p:cNvSpPr>
             <a:spLocks noGrp="1"/>
           </p:cNvSpPr>
@@ -838,16 +833,12 @@
         <p:spPr/>
         <p:txBody>
           <a:bodyPr/>
-          <a:lstStyle>
-            <a:lvl1pPr>
-              <a:defRPr/>
-            </a:lvl1pPr>
-          </a:lstStyle>
+          <a:lstStyle/>
           <a:p>
             <a:fld id="{F6AA2124-0E48-4C20-AF48-66096F66EEAF}" type="datetimeFigureOut">
               <a:rPr lang="zh-TW" altLang="en-US" smtClean="0"/>
               <a:pPr/>
-              <a:t>2016/10/16</a:t>
+              <a:t>2020/7/18</a:t>
             </a:fld>
             <a:endParaRPr lang="zh-TW" altLang="en-US"/>
           </a:p>
@@ -855,7 +846,7 @@
       </p:sp>
       <p:sp>
         <p:nvSpPr>
-          <p:cNvPr id="5" name="Footer Placeholder 4"/>
+          <p:cNvPr id="5" name="頁尾版面配置區 4"/>
           <p:cNvSpPr>
             <a:spLocks noGrp="1"/>
           </p:cNvSpPr>
@@ -866,19 +857,15 @@
         <p:spPr/>
         <p:txBody>
           <a:bodyPr/>
-          <a:lstStyle>
-            <a:lvl1pPr>
-              <a:defRPr/>
-            </a:lvl1pPr>
-          </a:lstStyle>
-          <a:p>
-            <a:endParaRPr lang="zh-TW" altLang="en-US"/>
-          </a:p>
-        </p:txBody>
-      </p:sp>
-      <p:sp>
-        <p:nvSpPr>
-          <p:cNvPr id="6" name="Slide Number Placeholder 5"/>
+          <a:lstStyle/>
+          <a:p>
+            <a:endParaRPr lang="zh-TW" altLang="en-US"/>
+          </a:p>
+        </p:txBody>
+      </p:sp>
+      <p:sp>
+        <p:nvSpPr>
+          <p:cNvPr id="6" name="投影片編號版面配置區 5"/>
           <p:cNvSpPr>
             <a:spLocks noGrp="1"/>
           </p:cNvSpPr>
@@ -889,11 +876,7 @@
         <p:spPr/>
         <p:txBody>
           <a:bodyPr/>
-          <a:lstStyle>
-            <a:lvl1pPr>
-              <a:defRPr/>
-            </a:lvl1pPr>
-          </a:lstStyle>
+          <a:lstStyle/>
           <a:p>
             <a:fld id="{F0415420-705F-4A77-836D-8743807B3E66}" type="slidenum">
               <a:rPr lang="zh-TW" altLang="en-US" smtClean="0"/>
@@ -905,6 +888,11 @@
         </p:txBody>
       </p:sp>
     </p:spTree>
+    <p:extLst>
+      <p:ext uri="{BB962C8B-B14F-4D97-AF65-F5344CB8AC3E}">
+        <p14:creationId xmlns:p14="http://schemas.microsoft.com/office/powerpoint/2010/main" val="3690940119"/>
+      </p:ext>
+    </p:extLst>
   </p:cSld>
   <p:clrMapOvr>
     <a:masterClrMapping/>
@@ -931,7 +919,7 @@
       </p:grpSpPr>
       <p:sp>
         <p:nvSpPr>
-          <p:cNvPr id="2" name="Title 1"/>
+          <p:cNvPr id="2" name="標題 1"/>
           <p:cNvSpPr>
             <a:spLocks noGrp="1"/>
           </p:cNvSpPr>
@@ -941,8 +929,8 @@
         </p:nvSpPr>
         <p:spPr>
           <a:xfrm>
-            <a:off x="722313" y="4406900"/>
-            <a:ext cx="7772400" cy="1362075"/>
+            <a:off x="963084" y="4406902"/>
+            <a:ext cx="10363200" cy="1362075"/>
           </a:xfrm>
         </p:spPr>
         <p:txBody>
@@ -954,16 +942,16 @@
           </a:lstStyle>
           <a:p>
             <a:r>
-              <a:rPr lang="zh-TW" altLang="en-US" smtClean="0"/>
-              <a:t>按一下以編輯母片標題樣式</a:t>
-            </a:r>
-            <a:endParaRPr lang="en-US"/>
-          </a:p>
-        </p:txBody>
-      </p:sp>
-      <p:sp>
-        <p:nvSpPr>
-          <p:cNvPr id="3" name="Text Placeholder 2"/>
+              <a:rPr lang="en-US" altLang="zh-TW" smtClean="0"/>
+              <a:t>Click to edit Master title style</a:t>
+            </a:r>
+            <a:endParaRPr lang="zh-TW" altLang="en-US"/>
+          </a:p>
+        </p:txBody>
+      </p:sp>
+      <p:sp>
+        <p:nvSpPr>
+          <p:cNvPr id="3" name="文字版面配置區 2"/>
           <p:cNvSpPr>
             <a:spLocks noGrp="1"/>
           </p:cNvSpPr>
@@ -973,8 +961,8 @@
         </p:nvSpPr>
         <p:spPr>
           <a:xfrm>
-            <a:off x="722313" y="2906713"/>
-            <a:ext cx="7772400" cy="1500187"/>
+            <a:off x="963084" y="2906713"/>
+            <a:ext cx="10363200" cy="1500187"/>
           </a:xfrm>
         </p:spPr>
         <p:txBody>
@@ -1074,15 +1062,15 @@
           <a:p>
             <a:pPr lvl="0"/>
             <a:r>
-              <a:rPr lang="zh-TW" altLang="en-US" smtClean="0"/>
-              <a:t>按一下以編輯母片文字樣式</a:t>
-            </a:r>
-          </a:p>
-        </p:txBody>
-      </p:sp>
-      <p:sp>
-        <p:nvSpPr>
-          <p:cNvPr id="4" name="Date Placeholder 3"/>
+              <a:rPr lang="en-US" altLang="zh-TW" smtClean="0"/>
+              <a:t>Edit Master text styles</a:t>
+            </a:r>
+          </a:p>
+        </p:txBody>
+      </p:sp>
+      <p:sp>
+        <p:nvSpPr>
+          <p:cNvPr id="4" name="日期版面配置區 3"/>
           <p:cNvSpPr>
             <a:spLocks noGrp="1"/>
           </p:cNvSpPr>
@@ -1093,16 +1081,12 @@
         <p:spPr/>
         <p:txBody>
           <a:bodyPr/>
-          <a:lstStyle>
-            <a:lvl1pPr>
-              <a:defRPr/>
-            </a:lvl1pPr>
-          </a:lstStyle>
+          <a:lstStyle/>
           <a:p>
             <a:fld id="{F6AA2124-0E48-4C20-AF48-66096F66EEAF}" type="datetimeFigureOut">
               <a:rPr lang="zh-TW" altLang="en-US" smtClean="0"/>
               <a:pPr/>
-              <a:t>2016/10/16</a:t>
+              <a:t>2020/7/18</a:t>
             </a:fld>
             <a:endParaRPr lang="zh-TW" altLang="en-US"/>
           </a:p>
@@ -1110,7 +1094,7 @@
       </p:sp>
       <p:sp>
         <p:nvSpPr>
-          <p:cNvPr id="5" name="Footer Placeholder 4"/>
+          <p:cNvPr id="5" name="頁尾版面配置區 4"/>
           <p:cNvSpPr>
             <a:spLocks noGrp="1"/>
           </p:cNvSpPr>
@@ -1121,19 +1105,15 @@
         <p:spPr/>
         <p:txBody>
           <a:bodyPr/>
-          <a:lstStyle>
-            <a:lvl1pPr>
-              <a:defRPr/>
-            </a:lvl1pPr>
-          </a:lstStyle>
-          <a:p>
-            <a:endParaRPr lang="zh-TW" altLang="en-US"/>
-          </a:p>
-        </p:txBody>
-      </p:sp>
-      <p:sp>
-        <p:nvSpPr>
-          <p:cNvPr id="6" name="Slide Number Placeholder 5"/>
+          <a:lstStyle/>
+          <a:p>
+            <a:endParaRPr lang="zh-TW" altLang="en-US"/>
+          </a:p>
+        </p:txBody>
+      </p:sp>
+      <p:sp>
+        <p:nvSpPr>
+          <p:cNvPr id="6" name="投影片編號版面配置區 5"/>
           <p:cNvSpPr>
             <a:spLocks noGrp="1"/>
           </p:cNvSpPr>
@@ -1144,11 +1124,7 @@
         <p:spPr/>
         <p:txBody>
           <a:bodyPr/>
-          <a:lstStyle>
-            <a:lvl1pPr>
-              <a:defRPr/>
-            </a:lvl1pPr>
-          </a:lstStyle>
+          <a:lstStyle/>
           <a:p>
             <a:fld id="{F0415420-705F-4A77-836D-8743807B3E66}" type="slidenum">
               <a:rPr lang="zh-TW" altLang="en-US" smtClean="0"/>
@@ -1160,6 +1136,11 @@
         </p:txBody>
       </p:sp>
     </p:spTree>
+    <p:extLst>
+      <p:ext uri="{BB962C8B-B14F-4D97-AF65-F5344CB8AC3E}">
+        <p14:creationId xmlns:p14="http://schemas.microsoft.com/office/powerpoint/2010/main" val="3206928367"/>
+      </p:ext>
+    </p:extLst>
   </p:cSld>
   <p:clrMapOvr>
     <a:masterClrMapping/>
@@ -1186,7 +1167,7 @@
       </p:grpSpPr>
       <p:sp>
         <p:nvSpPr>
-          <p:cNvPr id="2" name="Title 1"/>
+          <p:cNvPr id="2" name="標題 1"/>
           <p:cNvSpPr>
             <a:spLocks noGrp="1"/>
           </p:cNvSpPr>
@@ -1200,16 +1181,16 @@
           <a:lstStyle/>
           <a:p>
             <a:r>
-              <a:rPr lang="zh-TW" altLang="en-US" smtClean="0"/>
-              <a:t>按一下以編輯母片標題樣式</a:t>
-            </a:r>
-            <a:endParaRPr lang="en-US"/>
-          </a:p>
-        </p:txBody>
-      </p:sp>
-      <p:sp>
-        <p:nvSpPr>
-          <p:cNvPr id="3" name="Content Placeholder 2"/>
+              <a:rPr lang="en-US" altLang="zh-TW" smtClean="0"/>
+              <a:t>Click to edit Master title style</a:t>
+            </a:r>
+            <a:endParaRPr lang="zh-TW" altLang="en-US"/>
+          </a:p>
+        </p:txBody>
+      </p:sp>
+      <p:sp>
+        <p:nvSpPr>
+          <p:cNvPr id="3" name="內容版面配置區 2"/>
           <p:cNvSpPr>
             <a:spLocks noGrp="1"/>
           </p:cNvSpPr>
@@ -1219,8 +1200,8 @@
         </p:nvSpPr>
         <p:spPr>
           <a:xfrm>
-            <a:off x="457200" y="1600200"/>
-            <a:ext cx="4038600" cy="4525963"/>
+            <a:off x="609600" y="1600202"/>
+            <a:ext cx="5384800" cy="4525963"/>
           </a:xfrm>
         </p:spPr>
         <p:txBody>
@@ -1257,44 +1238,44 @@
           <a:p>
             <a:pPr lvl="0"/>
             <a:r>
-              <a:rPr lang="zh-TW" altLang="en-US" smtClean="0"/>
-              <a:t>按一下以編輯母片文字樣式</a:t>
+              <a:rPr lang="en-US" altLang="zh-TW" smtClean="0"/>
+              <a:t>Edit Master text styles</a:t>
             </a:r>
           </a:p>
           <a:p>
             <a:pPr lvl="1"/>
             <a:r>
-              <a:rPr lang="zh-TW" altLang="en-US" smtClean="0"/>
-              <a:t>第二層</a:t>
+              <a:rPr lang="en-US" altLang="zh-TW" smtClean="0"/>
+              <a:t>Second level</a:t>
             </a:r>
           </a:p>
           <a:p>
             <a:pPr lvl="2"/>
             <a:r>
-              <a:rPr lang="zh-TW" altLang="en-US" smtClean="0"/>
-              <a:t>第三層</a:t>
+              <a:rPr lang="en-US" altLang="zh-TW" smtClean="0"/>
+              <a:t>Third level</a:t>
             </a:r>
           </a:p>
           <a:p>
             <a:pPr lvl="3"/>
             <a:r>
-              <a:rPr lang="zh-TW" altLang="en-US" smtClean="0"/>
-              <a:t>第四層</a:t>
+              <a:rPr lang="en-US" altLang="zh-TW" smtClean="0"/>
+              <a:t>Fourth level</a:t>
             </a:r>
           </a:p>
           <a:p>
             <a:pPr lvl="4"/>
             <a:r>
-              <a:rPr lang="zh-TW" altLang="en-US" smtClean="0"/>
-              <a:t>第五層</a:t>
-            </a:r>
-            <a:endParaRPr lang="en-US"/>
-          </a:p>
-        </p:txBody>
-      </p:sp>
-      <p:sp>
-        <p:nvSpPr>
-          <p:cNvPr id="4" name="Content Placeholder 3"/>
+              <a:rPr lang="en-US" altLang="zh-TW" smtClean="0"/>
+              <a:t>Fifth level</a:t>
+            </a:r>
+            <a:endParaRPr lang="zh-TW" altLang="en-US"/>
+          </a:p>
+        </p:txBody>
+      </p:sp>
+      <p:sp>
+        <p:nvSpPr>
+          <p:cNvPr id="4" name="內容版面配置區 3"/>
           <p:cNvSpPr>
             <a:spLocks noGrp="1"/>
           </p:cNvSpPr>
@@ -1304,8 +1285,8 @@
         </p:nvSpPr>
         <p:spPr>
           <a:xfrm>
-            <a:off x="4648200" y="1600200"/>
-            <a:ext cx="4038600" cy="4525963"/>
+            <a:off x="6197600" y="1600202"/>
+            <a:ext cx="5384800" cy="4525963"/>
           </a:xfrm>
         </p:spPr>
         <p:txBody>
@@ -1342,44 +1323,44 @@
           <a:p>
             <a:pPr lvl="0"/>
             <a:r>
-              <a:rPr lang="zh-TW" altLang="en-US" smtClean="0"/>
-              <a:t>按一下以編輯母片文字樣式</a:t>
+              <a:rPr lang="en-US" altLang="zh-TW" smtClean="0"/>
+              <a:t>Edit Master text styles</a:t>
             </a:r>
           </a:p>
           <a:p>
             <a:pPr lvl="1"/>
             <a:r>
-              <a:rPr lang="zh-TW" altLang="en-US" smtClean="0"/>
-              <a:t>第二層</a:t>
+              <a:rPr lang="en-US" altLang="zh-TW" smtClean="0"/>
+              <a:t>Second level</a:t>
             </a:r>
           </a:p>
           <a:p>
             <a:pPr lvl="2"/>
             <a:r>
-              <a:rPr lang="zh-TW" altLang="en-US" smtClean="0"/>
-              <a:t>第三層</a:t>
+              <a:rPr lang="en-US" altLang="zh-TW" smtClean="0"/>
+              <a:t>Third level</a:t>
             </a:r>
           </a:p>
           <a:p>
             <a:pPr lvl="3"/>
             <a:r>
-              <a:rPr lang="zh-TW" altLang="en-US" smtClean="0"/>
-              <a:t>第四層</a:t>
+              <a:rPr lang="en-US" altLang="zh-TW" smtClean="0"/>
+              <a:t>Fourth level</a:t>
             </a:r>
           </a:p>
           <a:p>
             <a:pPr lvl="4"/>
             <a:r>
-              <a:rPr lang="zh-TW" altLang="en-US" smtClean="0"/>
-              <a:t>第五層</a:t>
-            </a:r>
-            <a:endParaRPr lang="en-US"/>
-          </a:p>
-        </p:txBody>
-      </p:sp>
-      <p:sp>
-        <p:nvSpPr>
-          <p:cNvPr id="5" name="Date Placeholder 3"/>
+              <a:rPr lang="en-US" altLang="zh-TW" smtClean="0"/>
+              <a:t>Fifth level</a:t>
+            </a:r>
+            <a:endParaRPr lang="zh-TW" altLang="en-US"/>
+          </a:p>
+        </p:txBody>
+      </p:sp>
+      <p:sp>
+        <p:nvSpPr>
+          <p:cNvPr id="5" name="日期版面配置區 4"/>
           <p:cNvSpPr>
             <a:spLocks noGrp="1"/>
           </p:cNvSpPr>
@@ -1390,16 +1371,12 @@
         <p:spPr/>
         <p:txBody>
           <a:bodyPr/>
-          <a:lstStyle>
-            <a:lvl1pPr>
-              <a:defRPr/>
-            </a:lvl1pPr>
-          </a:lstStyle>
+          <a:lstStyle/>
           <a:p>
             <a:fld id="{F6AA2124-0E48-4C20-AF48-66096F66EEAF}" type="datetimeFigureOut">
               <a:rPr lang="zh-TW" altLang="en-US" smtClean="0"/>
               <a:pPr/>
-              <a:t>2016/10/16</a:t>
+              <a:t>2020/7/18</a:t>
             </a:fld>
             <a:endParaRPr lang="zh-TW" altLang="en-US"/>
           </a:p>
@@ -1407,7 +1384,7 @@
       </p:sp>
       <p:sp>
         <p:nvSpPr>
-          <p:cNvPr id="6" name="Footer Placeholder 4"/>
+          <p:cNvPr id="6" name="頁尾版面配置區 5"/>
           <p:cNvSpPr>
             <a:spLocks noGrp="1"/>
           </p:cNvSpPr>
@@ -1418,19 +1395,15 @@
         <p:spPr/>
         <p:txBody>
           <a:bodyPr/>
-          <a:lstStyle>
-            <a:lvl1pPr>
-              <a:defRPr/>
-            </a:lvl1pPr>
-          </a:lstStyle>
-          <a:p>
-            <a:endParaRPr lang="zh-TW" altLang="en-US"/>
-          </a:p>
-        </p:txBody>
-      </p:sp>
-      <p:sp>
-        <p:nvSpPr>
-          <p:cNvPr id="7" name="Slide Number Placeholder 5"/>
+          <a:lstStyle/>
+          <a:p>
+            <a:endParaRPr lang="zh-TW" altLang="en-US"/>
+          </a:p>
+        </p:txBody>
+      </p:sp>
+      <p:sp>
+        <p:nvSpPr>
+          <p:cNvPr id="7" name="投影片編號版面配置區 6"/>
           <p:cNvSpPr>
             <a:spLocks noGrp="1"/>
           </p:cNvSpPr>
@@ -1441,11 +1414,7 @@
         <p:spPr/>
         <p:txBody>
           <a:bodyPr/>
-          <a:lstStyle>
-            <a:lvl1pPr>
-              <a:defRPr/>
-            </a:lvl1pPr>
-          </a:lstStyle>
+          <a:lstStyle/>
           <a:p>
             <a:fld id="{F0415420-705F-4A77-836D-8743807B3E66}" type="slidenum">
               <a:rPr lang="zh-TW" altLang="en-US" smtClean="0"/>
@@ -1457,6 +1426,11 @@
         </p:txBody>
       </p:sp>
     </p:spTree>
+    <p:extLst>
+      <p:ext uri="{BB962C8B-B14F-4D97-AF65-F5344CB8AC3E}">
+        <p14:creationId xmlns:p14="http://schemas.microsoft.com/office/powerpoint/2010/main" val="2388031441"/>
+      </p:ext>
+    </p:extLst>
   </p:cSld>
   <p:clrMapOvr>
     <a:masterClrMapping/>
@@ -1483,7 +1457,7 @@
       </p:grpSpPr>
       <p:sp>
         <p:nvSpPr>
-          <p:cNvPr id="2" name="Title 1"/>
+          <p:cNvPr id="2" name="標題 1"/>
           <p:cNvSpPr>
             <a:spLocks noGrp="1"/>
           </p:cNvSpPr>
@@ -1501,16 +1475,16 @@
           </a:lstStyle>
           <a:p>
             <a:r>
-              <a:rPr lang="zh-TW" altLang="en-US" smtClean="0"/>
-              <a:t>按一下以編輯母片標題樣式</a:t>
-            </a:r>
-            <a:endParaRPr lang="en-US"/>
-          </a:p>
-        </p:txBody>
-      </p:sp>
-      <p:sp>
-        <p:nvSpPr>
-          <p:cNvPr id="3" name="Text Placeholder 2"/>
+              <a:rPr lang="en-US" altLang="zh-TW" smtClean="0"/>
+              <a:t>Click to edit Master title style</a:t>
+            </a:r>
+            <a:endParaRPr lang="zh-TW" altLang="en-US"/>
+          </a:p>
+        </p:txBody>
+      </p:sp>
+      <p:sp>
+        <p:nvSpPr>
+          <p:cNvPr id="3" name="文字版面配置區 2"/>
           <p:cNvSpPr>
             <a:spLocks noGrp="1"/>
           </p:cNvSpPr>
@@ -1520,8 +1494,8 @@
         </p:nvSpPr>
         <p:spPr>
           <a:xfrm>
-            <a:off x="457200" y="1535113"/>
-            <a:ext cx="4040188" cy="639762"/>
+            <a:off x="609600" y="1535114"/>
+            <a:ext cx="5386917" cy="639763"/>
           </a:xfrm>
         </p:spPr>
         <p:txBody>
@@ -1567,15 +1541,15 @@
           <a:p>
             <a:pPr lvl="0"/>
             <a:r>
-              <a:rPr lang="zh-TW" altLang="en-US" smtClean="0"/>
-              <a:t>按一下以編輯母片文字樣式</a:t>
-            </a:r>
-          </a:p>
-        </p:txBody>
-      </p:sp>
-      <p:sp>
-        <p:nvSpPr>
-          <p:cNvPr id="4" name="Content Placeholder 3"/>
+              <a:rPr lang="en-US" altLang="zh-TW" smtClean="0"/>
+              <a:t>Edit Master text styles</a:t>
+            </a:r>
+          </a:p>
+        </p:txBody>
+      </p:sp>
+      <p:sp>
+        <p:nvSpPr>
+          <p:cNvPr id="4" name="內容版面配置區 3"/>
           <p:cNvSpPr>
             <a:spLocks noGrp="1"/>
           </p:cNvSpPr>
@@ -1585,8 +1559,8 @@
         </p:nvSpPr>
         <p:spPr>
           <a:xfrm>
-            <a:off x="457200" y="2174875"/>
-            <a:ext cx="4040188" cy="3951288"/>
+            <a:off x="609600" y="2174875"/>
+            <a:ext cx="5386917" cy="3951288"/>
           </a:xfrm>
         </p:spPr>
         <p:txBody>
@@ -1623,44 +1597,44 @@
           <a:p>
             <a:pPr lvl="0"/>
             <a:r>
-              <a:rPr lang="zh-TW" altLang="en-US" smtClean="0"/>
-              <a:t>按一下以編輯母片文字樣式</a:t>
+              <a:rPr lang="en-US" altLang="zh-TW" smtClean="0"/>
+              <a:t>Edit Master text styles</a:t>
             </a:r>
           </a:p>
           <a:p>
             <a:pPr lvl="1"/>
             <a:r>
-              <a:rPr lang="zh-TW" altLang="en-US" smtClean="0"/>
-              <a:t>第二層</a:t>
+              <a:rPr lang="en-US" altLang="zh-TW" smtClean="0"/>
+              <a:t>Second level</a:t>
             </a:r>
           </a:p>
           <a:p>
             <a:pPr lvl="2"/>
             <a:r>
-              <a:rPr lang="zh-TW" altLang="en-US" smtClean="0"/>
-              <a:t>第三層</a:t>
+              <a:rPr lang="en-US" altLang="zh-TW" smtClean="0"/>
+              <a:t>Third level</a:t>
             </a:r>
           </a:p>
           <a:p>
             <a:pPr lvl="3"/>
             <a:r>
-              <a:rPr lang="zh-TW" altLang="en-US" smtClean="0"/>
-              <a:t>第四層</a:t>
+              <a:rPr lang="en-US" altLang="zh-TW" smtClean="0"/>
+              <a:t>Fourth level</a:t>
             </a:r>
           </a:p>
           <a:p>
             <a:pPr lvl="4"/>
             <a:r>
-              <a:rPr lang="zh-TW" altLang="en-US" smtClean="0"/>
-              <a:t>第五層</a:t>
-            </a:r>
-            <a:endParaRPr lang="en-US"/>
-          </a:p>
-        </p:txBody>
-      </p:sp>
-      <p:sp>
-        <p:nvSpPr>
-          <p:cNvPr id="5" name="Text Placeholder 4"/>
+              <a:rPr lang="en-US" altLang="zh-TW" smtClean="0"/>
+              <a:t>Fifth level</a:t>
+            </a:r>
+            <a:endParaRPr lang="zh-TW" altLang="en-US"/>
+          </a:p>
+        </p:txBody>
+      </p:sp>
+      <p:sp>
+        <p:nvSpPr>
+          <p:cNvPr id="5" name="文字版面配置區 4"/>
           <p:cNvSpPr>
             <a:spLocks noGrp="1"/>
           </p:cNvSpPr>
@@ -1670,8 +1644,8 @@
         </p:nvSpPr>
         <p:spPr>
           <a:xfrm>
-            <a:off x="4645025" y="1535113"/>
-            <a:ext cx="4041775" cy="639762"/>
+            <a:off x="6193370" y="1535114"/>
+            <a:ext cx="5389033" cy="639763"/>
           </a:xfrm>
         </p:spPr>
         <p:txBody>
@@ -1717,15 +1691,15 @@
           <a:p>
             <a:pPr lvl="0"/>
             <a:r>
-              <a:rPr lang="zh-TW" altLang="en-US" smtClean="0"/>
-              <a:t>按一下以編輯母片文字樣式</a:t>
-            </a:r>
-          </a:p>
-        </p:txBody>
-      </p:sp>
-      <p:sp>
-        <p:nvSpPr>
-          <p:cNvPr id="6" name="Content Placeholder 5"/>
+              <a:rPr lang="en-US" altLang="zh-TW" smtClean="0"/>
+              <a:t>Edit Master text styles</a:t>
+            </a:r>
+          </a:p>
+        </p:txBody>
+      </p:sp>
+      <p:sp>
+        <p:nvSpPr>
+          <p:cNvPr id="6" name="內容版面配置區 5"/>
           <p:cNvSpPr>
             <a:spLocks noGrp="1"/>
           </p:cNvSpPr>
@@ -1735,8 +1709,8 @@
         </p:nvSpPr>
         <p:spPr>
           <a:xfrm>
-            <a:off x="4645025" y="2174875"/>
-            <a:ext cx="4041775" cy="3951288"/>
+            <a:off x="6193370" y="2174875"/>
+            <a:ext cx="5389033" cy="3951288"/>
           </a:xfrm>
         </p:spPr>
         <p:txBody>
@@ -1773,44 +1747,44 @@
           <a:p>
             <a:pPr lvl="0"/>
             <a:r>
-              <a:rPr lang="zh-TW" altLang="en-US" smtClean="0"/>
-              <a:t>按一下以編輯母片文字樣式</a:t>
+              <a:rPr lang="en-US" altLang="zh-TW" smtClean="0"/>
+              <a:t>Edit Master text styles</a:t>
             </a:r>
           </a:p>
           <a:p>
             <a:pPr lvl="1"/>
             <a:r>
-              <a:rPr lang="zh-TW" altLang="en-US" smtClean="0"/>
-              <a:t>第二層</a:t>
+              <a:rPr lang="en-US" altLang="zh-TW" smtClean="0"/>
+              <a:t>Second level</a:t>
             </a:r>
           </a:p>
           <a:p>
             <a:pPr lvl="2"/>
             <a:r>
-              <a:rPr lang="zh-TW" altLang="en-US" smtClean="0"/>
-              <a:t>第三層</a:t>
+              <a:rPr lang="en-US" altLang="zh-TW" smtClean="0"/>
+              <a:t>Third level</a:t>
             </a:r>
           </a:p>
           <a:p>
             <a:pPr lvl="3"/>
             <a:r>
-              <a:rPr lang="zh-TW" altLang="en-US" smtClean="0"/>
-              <a:t>第四層</a:t>
+              <a:rPr lang="en-US" altLang="zh-TW" smtClean="0"/>
+              <a:t>Fourth level</a:t>
             </a:r>
           </a:p>
           <a:p>
             <a:pPr lvl="4"/>
             <a:r>
-              <a:rPr lang="zh-TW" altLang="en-US" smtClean="0"/>
-              <a:t>第五層</a:t>
-            </a:r>
-            <a:endParaRPr lang="en-US"/>
-          </a:p>
-        </p:txBody>
-      </p:sp>
-      <p:sp>
-        <p:nvSpPr>
-          <p:cNvPr id="7" name="Date Placeholder 3"/>
+              <a:rPr lang="en-US" altLang="zh-TW" smtClean="0"/>
+              <a:t>Fifth level</a:t>
+            </a:r>
+            <a:endParaRPr lang="zh-TW" altLang="en-US"/>
+          </a:p>
+        </p:txBody>
+      </p:sp>
+      <p:sp>
+        <p:nvSpPr>
+          <p:cNvPr id="7" name="日期版面配置區 6"/>
           <p:cNvSpPr>
             <a:spLocks noGrp="1"/>
           </p:cNvSpPr>
@@ -1821,16 +1795,12 @@
         <p:spPr/>
         <p:txBody>
           <a:bodyPr/>
-          <a:lstStyle>
-            <a:lvl1pPr>
-              <a:defRPr/>
-            </a:lvl1pPr>
-          </a:lstStyle>
+          <a:lstStyle/>
           <a:p>
             <a:fld id="{F6AA2124-0E48-4C20-AF48-66096F66EEAF}" type="datetimeFigureOut">
               <a:rPr lang="zh-TW" altLang="en-US" smtClean="0"/>
               <a:pPr/>
-              <a:t>2016/10/16</a:t>
+              <a:t>2020/7/18</a:t>
             </a:fld>
             <a:endParaRPr lang="zh-TW" altLang="en-US"/>
           </a:p>
@@ -1838,7 +1808,7 @@
       </p:sp>
       <p:sp>
         <p:nvSpPr>
-          <p:cNvPr id="8" name="Footer Placeholder 4"/>
+          <p:cNvPr id="8" name="頁尾版面配置區 7"/>
           <p:cNvSpPr>
             <a:spLocks noGrp="1"/>
           </p:cNvSpPr>
@@ -1849,19 +1819,15 @@
         <p:spPr/>
         <p:txBody>
           <a:bodyPr/>
-          <a:lstStyle>
-            <a:lvl1pPr>
-              <a:defRPr/>
-            </a:lvl1pPr>
-          </a:lstStyle>
-          <a:p>
-            <a:endParaRPr lang="zh-TW" altLang="en-US"/>
-          </a:p>
-        </p:txBody>
-      </p:sp>
-      <p:sp>
-        <p:nvSpPr>
-          <p:cNvPr id="9" name="Slide Number Placeholder 5"/>
+          <a:lstStyle/>
+          <a:p>
+            <a:endParaRPr lang="zh-TW" altLang="en-US"/>
+          </a:p>
+        </p:txBody>
+      </p:sp>
+      <p:sp>
+        <p:nvSpPr>
+          <p:cNvPr id="9" name="投影片編號版面配置區 8"/>
           <p:cNvSpPr>
             <a:spLocks noGrp="1"/>
           </p:cNvSpPr>
@@ -1872,11 +1838,7 @@
         <p:spPr/>
         <p:txBody>
           <a:bodyPr/>
-          <a:lstStyle>
-            <a:lvl1pPr>
-              <a:defRPr/>
-            </a:lvl1pPr>
-          </a:lstStyle>
+          <a:lstStyle/>
           <a:p>
             <a:fld id="{F0415420-705F-4A77-836D-8743807B3E66}" type="slidenum">
               <a:rPr lang="zh-TW" altLang="en-US" smtClean="0"/>
@@ -1888,6 +1850,11 @@
         </p:txBody>
       </p:sp>
     </p:spTree>
+    <p:extLst>
+      <p:ext uri="{BB962C8B-B14F-4D97-AF65-F5344CB8AC3E}">
+        <p14:creationId xmlns:p14="http://schemas.microsoft.com/office/powerpoint/2010/main" val="328829919"/>
+      </p:ext>
+    </p:extLst>
   </p:cSld>
   <p:clrMapOvr>
     <a:masterClrMapping/>
@@ -1914,7 +1881,7 @@
       </p:grpSpPr>
       <p:sp>
         <p:nvSpPr>
-          <p:cNvPr id="2" name="Title 1"/>
+          <p:cNvPr id="2" name="標題 1"/>
           <p:cNvSpPr>
             <a:spLocks noGrp="1"/>
           </p:cNvSpPr>
@@ -1928,16 +1895,16 @@
           <a:lstStyle/>
           <a:p>
             <a:r>
-              <a:rPr lang="zh-TW" altLang="en-US" smtClean="0"/>
-              <a:t>按一下以編輯母片標題樣式</a:t>
-            </a:r>
-            <a:endParaRPr lang="en-US"/>
-          </a:p>
-        </p:txBody>
-      </p:sp>
-      <p:sp>
-        <p:nvSpPr>
-          <p:cNvPr id="3" name="Date Placeholder 3"/>
+              <a:rPr lang="en-US" altLang="zh-TW" smtClean="0"/>
+              <a:t>Click to edit Master title style</a:t>
+            </a:r>
+            <a:endParaRPr lang="zh-TW" altLang="en-US"/>
+          </a:p>
+        </p:txBody>
+      </p:sp>
+      <p:sp>
+        <p:nvSpPr>
+          <p:cNvPr id="3" name="日期版面配置區 2"/>
           <p:cNvSpPr>
             <a:spLocks noGrp="1"/>
           </p:cNvSpPr>
@@ -1948,16 +1915,12 @@
         <p:spPr/>
         <p:txBody>
           <a:bodyPr/>
-          <a:lstStyle>
-            <a:lvl1pPr>
-              <a:defRPr/>
-            </a:lvl1pPr>
-          </a:lstStyle>
+          <a:lstStyle/>
           <a:p>
             <a:fld id="{F6AA2124-0E48-4C20-AF48-66096F66EEAF}" type="datetimeFigureOut">
               <a:rPr lang="zh-TW" altLang="en-US" smtClean="0"/>
               <a:pPr/>
-              <a:t>2016/10/16</a:t>
+              <a:t>2020/7/18</a:t>
             </a:fld>
             <a:endParaRPr lang="zh-TW" altLang="en-US"/>
           </a:p>
@@ -1965,7 +1928,7 @@
       </p:sp>
       <p:sp>
         <p:nvSpPr>
-          <p:cNvPr id="4" name="Footer Placeholder 4"/>
+          <p:cNvPr id="4" name="頁尾版面配置區 3"/>
           <p:cNvSpPr>
             <a:spLocks noGrp="1"/>
           </p:cNvSpPr>
@@ -1976,19 +1939,15 @@
         <p:spPr/>
         <p:txBody>
           <a:bodyPr/>
-          <a:lstStyle>
-            <a:lvl1pPr>
-              <a:defRPr/>
-            </a:lvl1pPr>
-          </a:lstStyle>
-          <a:p>
-            <a:endParaRPr lang="zh-TW" altLang="en-US"/>
-          </a:p>
-        </p:txBody>
-      </p:sp>
-      <p:sp>
-        <p:nvSpPr>
-          <p:cNvPr id="5" name="Slide Number Placeholder 5"/>
+          <a:lstStyle/>
+          <a:p>
+            <a:endParaRPr lang="zh-TW" altLang="en-US"/>
+          </a:p>
+        </p:txBody>
+      </p:sp>
+      <p:sp>
+        <p:nvSpPr>
+          <p:cNvPr id="5" name="投影片編號版面配置區 4"/>
           <p:cNvSpPr>
             <a:spLocks noGrp="1"/>
           </p:cNvSpPr>
@@ -1999,11 +1958,7 @@
         <p:spPr/>
         <p:txBody>
           <a:bodyPr/>
-          <a:lstStyle>
-            <a:lvl1pPr>
-              <a:defRPr/>
-            </a:lvl1pPr>
-          </a:lstStyle>
+          <a:lstStyle/>
           <a:p>
             <a:fld id="{F0415420-705F-4A77-836D-8743807B3E66}" type="slidenum">
               <a:rPr lang="zh-TW" altLang="en-US" smtClean="0"/>
@@ -2015,6 +1970,11 @@
         </p:txBody>
       </p:sp>
     </p:spTree>
+    <p:extLst>
+      <p:ext uri="{BB962C8B-B14F-4D97-AF65-F5344CB8AC3E}">
+        <p14:creationId xmlns:p14="http://schemas.microsoft.com/office/powerpoint/2010/main" val="2195598615"/>
+      </p:ext>
+    </p:extLst>
   </p:cSld>
   <p:clrMapOvr>
     <a:masterClrMapping/>
@@ -2041,7 +2001,7 @@
       </p:grpSpPr>
       <p:sp>
         <p:nvSpPr>
-          <p:cNvPr id="2" name="Date Placeholder 3"/>
+          <p:cNvPr id="2" name="日期版面配置區 1"/>
           <p:cNvSpPr>
             <a:spLocks noGrp="1"/>
           </p:cNvSpPr>
@@ -2052,16 +2012,12 @@
         <p:spPr/>
         <p:txBody>
           <a:bodyPr/>
-          <a:lstStyle>
-            <a:lvl1pPr>
-              <a:defRPr/>
-            </a:lvl1pPr>
-          </a:lstStyle>
+          <a:lstStyle/>
           <a:p>
             <a:fld id="{F6AA2124-0E48-4C20-AF48-66096F66EEAF}" type="datetimeFigureOut">
               <a:rPr lang="zh-TW" altLang="en-US" smtClean="0"/>
               <a:pPr/>
-              <a:t>2016/10/16</a:t>
+              <a:t>2020/7/18</a:t>
             </a:fld>
             <a:endParaRPr lang="zh-TW" altLang="en-US"/>
           </a:p>
@@ -2069,7 +2025,7 @@
       </p:sp>
       <p:sp>
         <p:nvSpPr>
-          <p:cNvPr id="3" name="Footer Placeholder 4"/>
+          <p:cNvPr id="3" name="頁尾版面配置區 2"/>
           <p:cNvSpPr>
             <a:spLocks noGrp="1"/>
           </p:cNvSpPr>
@@ -2080,19 +2036,15 @@
         <p:spPr/>
         <p:txBody>
           <a:bodyPr/>
-          <a:lstStyle>
-            <a:lvl1pPr>
-              <a:defRPr/>
-            </a:lvl1pPr>
-          </a:lstStyle>
-          <a:p>
-            <a:endParaRPr lang="zh-TW" altLang="en-US"/>
-          </a:p>
-        </p:txBody>
-      </p:sp>
-      <p:sp>
-        <p:nvSpPr>
-          <p:cNvPr id="4" name="Slide Number Placeholder 5"/>
+          <a:lstStyle/>
+          <a:p>
+            <a:endParaRPr lang="zh-TW" altLang="en-US"/>
+          </a:p>
+        </p:txBody>
+      </p:sp>
+      <p:sp>
+        <p:nvSpPr>
+          <p:cNvPr id="4" name="投影片編號版面配置區 3"/>
           <p:cNvSpPr>
             <a:spLocks noGrp="1"/>
           </p:cNvSpPr>
@@ -2103,11 +2055,7 @@
         <p:spPr/>
         <p:txBody>
           <a:bodyPr/>
-          <a:lstStyle>
-            <a:lvl1pPr>
-              <a:defRPr/>
-            </a:lvl1pPr>
-          </a:lstStyle>
+          <a:lstStyle/>
           <a:p>
             <a:fld id="{F0415420-705F-4A77-836D-8743807B3E66}" type="slidenum">
               <a:rPr lang="zh-TW" altLang="en-US" smtClean="0"/>
@@ -2119,6 +2067,11 @@
         </p:txBody>
       </p:sp>
     </p:spTree>
+    <p:extLst>
+      <p:ext uri="{BB962C8B-B14F-4D97-AF65-F5344CB8AC3E}">
+        <p14:creationId xmlns:p14="http://schemas.microsoft.com/office/powerpoint/2010/main" val="1668798365"/>
+      </p:ext>
+    </p:extLst>
   </p:cSld>
   <p:clrMapOvr>
     <a:masterClrMapping/>
@@ -2145,7 +2098,7 @@
       </p:grpSpPr>
       <p:sp>
         <p:nvSpPr>
-          <p:cNvPr id="2" name="Title 1"/>
+          <p:cNvPr id="2" name="標題 1"/>
           <p:cNvSpPr>
             <a:spLocks noGrp="1"/>
           </p:cNvSpPr>
@@ -2155,8 +2108,8 @@
         </p:nvSpPr>
         <p:spPr>
           <a:xfrm>
-            <a:off x="457200" y="273050"/>
-            <a:ext cx="3008313" cy="1162050"/>
+            <a:off x="609603" y="273050"/>
+            <a:ext cx="4011084" cy="1162051"/>
           </a:xfrm>
         </p:spPr>
         <p:txBody>
@@ -2168,16 +2121,16 @@
           </a:lstStyle>
           <a:p>
             <a:r>
-              <a:rPr lang="zh-TW" altLang="en-US" smtClean="0"/>
-              <a:t>按一下以編輯母片標題樣式</a:t>
-            </a:r>
-            <a:endParaRPr lang="en-US"/>
-          </a:p>
-        </p:txBody>
-      </p:sp>
-      <p:sp>
-        <p:nvSpPr>
-          <p:cNvPr id="3" name="Content Placeholder 2"/>
+              <a:rPr lang="en-US" altLang="zh-TW" smtClean="0"/>
+              <a:t>Click to edit Master title style</a:t>
+            </a:r>
+            <a:endParaRPr lang="zh-TW" altLang="en-US"/>
+          </a:p>
+        </p:txBody>
+      </p:sp>
+      <p:sp>
+        <p:nvSpPr>
+          <p:cNvPr id="3" name="內容版面配置區 2"/>
           <p:cNvSpPr>
             <a:spLocks noGrp="1"/>
           </p:cNvSpPr>
@@ -2187,8 +2140,8 @@
         </p:nvSpPr>
         <p:spPr>
           <a:xfrm>
-            <a:off x="3575050" y="273050"/>
-            <a:ext cx="5111750" cy="5853113"/>
+            <a:off x="4766733" y="273053"/>
+            <a:ext cx="6815667" cy="5853113"/>
           </a:xfrm>
         </p:spPr>
         <p:txBody>
@@ -2225,44 +2178,44 @@
           <a:p>
             <a:pPr lvl="0"/>
             <a:r>
-              <a:rPr lang="zh-TW" altLang="en-US" smtClean="0"/>
-              <a:t>按一下以編輯母片文字樣式</a:t>
+              <a:rPr lang="en-US" altLang="zh-TW" smtClean="0"/>
+              <a:t>Edit Master text styles</a:t>
             </a:r>
           </a:p>
           <a:p>
             <a:pPr lvl="1"/>
             <a:r>
-              <a:rPr lang="zh-TW" altLang="en-US" smtClean="0"/>
-              <a:t>第二層</a:t>
+              <a:rPr lang="en-US" altLang="zh-TW" smtClean="0"/>
+              <a:t>Second level</a:t>
             </a:r>
           </a:p>
           <a:p>
             <a:pPr lvl="2"/>
             <a:r>
-              <a:rPr lang="zh-TW" altLang="en-US" smtClean="0"/>
-              <a:t>第三層</a:t>
+              <a:rPr lang="en-US" altLang="zh-TW" smtClean="0"/>
+              <a:t>Third level</a:t>
             </a:r>
           </a:p>
           <a:p>
             <a:pPr lvl="3"/>
             <a:r>
-              <a:rPr lang="zh-TW" altLang="en-US" smtClean="0"/>
-              <a:t>第四層</a:t>
+              <a:rPr lang="en-US" altLang="zh-TW" smtClean="0"/>
+              <a:t>Fourth level</a:t>
             </a:r>
           </a:p>
           <a:p>
             <a:pPr lvl="4"/>
             <a:r>
-              <a:rPr lang="zh-TW" altLang="en-US" smtClean="0"/>
-              <a:t>第五層</a:t>
-            </a:r>
-            <a:endParaRPr lang="en-US"/>
-          </a:p>
-        </p:txBody>
-      </p:sp>
-      <p:sp>
-        <p:nvSpPr>
-          <p:cNvPr id="4" name="Text Placeholder 3"/>
+              <a:rPr lang="en-US" altLang="zh-TW" smtClean="0"/>
+              <a:t>Fifth level</a:t>
+            </a:r>
+            <a:endParaRPr lang="zh-TW" altLang="en-US"/>
+          </a:p>
+        </p:txBody>
+      </p:sp>
+      <p:sp>
+        <p:nvSpPr>
+          <p:cNvPr id="4" name="文字版面配置區 3"/>
           <p:cNvSpPr>
             <a:spLocks noGrp="1"/>
           </p:cNvSpPr>
@@ -2272,8 +2225,8 @@
         </p:nvSpPr>
         <p:spPr>
           <a:xfrm>
-            <a:off x="457200" y="1435100"/>
-            <a:ext cx="3008313" cy="4691063"/>
+            <a:off x="609603" y="1435103"/>
+            <a:ext cx="4011084" cy="4691063"/>
           </a:xfrm>
         </p:spPr>
         <p:txBody>
@@ -2319,15 +2272,15 @@
           <a:p>
             <a:pPr lvl="0"/>
             <a:r>
-              <a:rPr lang="zh-TW" altLang="en-US" smtClean="0"/>
-              <a:t>按一下以編輯母片文字樣式</a:t>
-            </a:r>
-          </a:p>
-        </p:txBody>
-      </p:sp>
-      <p:sp>
-        <p:nvSpPr>
-          <p:cNvPr id="5" name="Date Placeholder 3"/>
+              <a:rPr lang="en-US" altLang="zh-TW" smtClean="0"/>
+              <a:t>Edit Master text styles</a:t>
+            </a:r>
+          </a:p>
+        </p:txBody>
+      </p:sp>
+      <p:sp>
+        <p:nvSpPr>
+          <p:cNvPr id="5" name="日期版面配置區 4"/>
           <p:cNvSpPr>
             <a:spLocks noGrp="1"/>
           </p:cNvSpPr>
@@ -2338,16 +2291,12 @@
         <p:spPr/>
         <p:txBody>
           <a:bodyPr/>
-          <a:lstStyle>
-            <a:lvl1pPr>
-              <a:defRPr/>
-            </a:lvl1pPr>
-          </a:lstStyle>
+          <a:lstStyle/>
           <a:p>
             <a:fld id="{F6AA2124-0E48-4C20-AF48-66096F66EEAF}" type="datetimeFigureOut">
               <a:rPr lang="zh-TW" altLang="en-US" smtClean="0"/>
               <a:pPr/>
-              <a:t>2016/10/16</a:t>
+              <a:t>2020/7/18</a:t>
             </a:fld>
             <a:endParaRPr lang="zh-TW" altLang="en-US"/>
           </a:p>
@@ -2355,7 +2304,7 @@
       </p:sp>
       <p:sp>
         <p:nvSpPr>
-          <p:cNvPr id="6" name="Footer Placeholder 4"/>
+          <p:cNvPr id="6" name="頁尾版面配置區 5"/>
           <p:cNvSpPr>
             <a:spLocks noGrp="1"/>
           </p:cNvSpPr>
@@ -2366,19 +2315,15 @@
         <p:spPr/>
         <p:txBody>
           <a:bodyPr/>
-          <a:lstStyle>
-            <a:lvl1pPr>
-              <a:defRPr/>
-            </a:lvl1pPr>
-          </a:lstStyle>
-          <a:p>
-            <a:endParaRPr lang="zh-TW" altLang="en-US"/>
-          </a:p>
-        </p:txBody>
-      </p:sp>
-      <p:sp>
-        <p:nvSpPr>
-          <p:cNvPr id="7" name="Slide Number Placeholder 5"/>
+          <a:lstStyle/>
+          <a:p>
+            <a:endParaRPr lang="zh-TW" altLang="en-US"/>
+          </a:p>
+        </p:txBody>
+      </p:sp>
+      <p:sp>
+        <p:nvSpPr>
+          <p:cNvPr id="7" name="投影片編號版面配置區 6"/>
           <p:cNvSpPr>
             <a:spLocks noGrp="1"/>
           </p:cNvSpPr>
@@ -2389,11 +2334,7 @@
         <p:spPr/>
         <p:txBody>
           <a:bodyPr/>
-          <a:lstStyle>
-            <a:lvl1pPr>
-              <a:defRPr/>
-            </a:lvl1pPr>
-          </a:lstStyle>
+          <a:lstStyle/>
           <a:p>
             <a:fld id="{F0415420-705F-4A77-836D-8743807B3E66}" type="slidenum">
               <a:rPr lang="zh-TW" altLang="en-US" smtClean="0"/>
@@ -2405,6 +2346,11 @@
         </p:txBody>
       </p:sp>
     </p:spTree>
+    <p:extLst>
+      <p:ext uri="{BB962C8B-B14F-4D97-AF65-F5344CB8AC3E}">
+        <p14:creationId xmlns:p14="http://schemas.microsoft.com/office/powerpoint/2010/main" val="1492301964"/>
+      </p:ext>
+    </p:extLst>
   </p:cSld>
   <p:clrMapOvr>
     <a:masterClrMapping/>
@@ -2431,7 +2377,7 @@
       </p:grpSpPr>
       <p:sp>
         <p:nvSpPr>
-          <p:cNvPr id="2" name="Title 1"/>
+          <p:cNvPr id="2" name="標題 1"/>
           <p:cNvSpPr>
             <a:spLocks noGrp="1"/>
           </p:cNvSpPr>
@@ -2441,8 +2387,8 @@
         </p:nvSpPr>
         <p:spPr>
           <a:xfrm>
-            <a:off x="1792288" y="4800600"/>
-            <a:ext cx="5486400" cy="566738"/>
+            <a:off x="2389717" y="4800601"/>
+            <a:ext cx="7315200" cy="566739"/>
           </a:xfrm>
         </p:spPr>
         <p:txBody>
@@ -2454,16 +2400,16 @@
           </a:lstStyle>
           <a:p>
             <a:r>
-              <a:rPr lang="zh-TW" altLang="en-US" smtClean="0"/>
-              <a:t>按一下以編輯母片標題樣式</a:t>
-            </a:r>
-            <a:endParaRPr lang="en-US"/>
-          </a:p>
-        </p:txBody>
-      </p:sp>
-      <p:sp>
-        <p:nvSpPr>
-          <p:cNvPr id="3" name="Picture Placeholder 2"/>
+              <a:rPr lang="en-US" altLang="zh-TW" smtClean="0"/>
+              <a:t>Click to edit Master title style</a:t>
+            </a:r>
+            <a:endParaRPr lang="zh-TW" altLang="en-US"/>
+          </a:p>
+        </p:txBody>
+      </p:sp>
+      <p:sp>
+        <p:nvSpPr>
+          <p:cNvPr id="3" name="圖片版面配置區 2"/>
           <p:cNvSpPr>
             <a:spLocks noGrp="1"/>
           </p:cNvSpPr>
@@ -2473,14 +2419,12 @@
         </p:nvSpPr>
         <p:spPr>
           <a:xfrm>
-            <a:off x="1792288" y="612775"/>
-            <a:ext cx="5486400" cy="4114800"/>
+            <a:off x="2389717" y="612775"/>
+            <a:ext cx="7315200" cy="4114800"/>
           </a:xfrm>
         </p:spPr>
         <p:txBody>
-          <a:bodyPr rtlCol="0">
-            <a:normAutofit/>
-          </a:bodyPr>
+          <a:bodyPr/>
           <a:lstStyle>
             <a:lvl1pPr marL="0" indent="0">
               <a:buNone/>
@@ -2520,18 +2464,17 @@
             </a:lvl9pPr>
           </a:lstStyle>
           <a:p>
-            <a:pPr lvl="0"/>
-            <a:r>
-              <a:rPr lang="zh-TW" altLang="en-US" noProof="0" smtClean="0"/>
-              <a:t>按一下圖示以新增圖片</a:t>
-            </a:r>
-            <a:endParaRPr lang="en-US" noProof="0"/>
-          </a:p>
-        </p:txBody>
-      </p:sp>
-      <p:sp>
-        <p:nvSpPr>
-          <p:cNvPr id="4" name="Text Placeholder 3"/>
+            <a:r>
+              <a:rPr lang="en-US" altLang="zh-TW" smtClean="0"/>
+              <a:t>Click icon to add picture</a:t>
+            </a:r>
+            <a:endParaRPr lang="zh-TW" altLang="en-US"/>
+          </a:p>
+        </p:txBody>
+      </p:sp>
+      <p:sp>
+        <p:nvSpPr>
+          <p:cNvPr id="4" name="文字版面配置區 3"/>
           <p:cNvSpPr>
             <a:spLocks noGrp="1"/>
           </p:cNvSpPr>
@@ -2541,8 +2484,8 @@
         </p:nvSpPr>
         <p:spPr>
           <a:xfrm>
-            <a:off x="1792288" y="5367338"/>
-            <a:ext cx="5486400" cy="804862"/>
+            <a:off x="2389717" y="5367339"/>
+            <a:ext cx="7315200" cy="804863"/>
           </a:xfrm>
         </p:spPr>
         <p:txBody>
@@ -2588,15 +2531,15 @@
           <a:p>
             <a:pPr lvl="0"/>
             <a:r>
-              <a:rPr lang="zh-TW" altLang="en-US" smtClean="0"/>
-              <a:t>按一下以編輯母片文字樣式</a:t>
-            </a:r>
-          </a:p>
-        </p:txBody>
-      </p:sp>
-      <p:sp>
-        <p:nvSpPr>
-          <p:cNvPr id="5" name="Date Placeholder 3"/>
+              <a:rPr lang="en-US" altLang="zh-TW" smtClean="0"/>
+              <a:t>Edit Master text styles</a:t>
+            </a:r>
+          </a:p>
+        </p:txBody>
+      </p:sp>
+      <p:sp>
+        <p:nvSpPr>
+          <p:cNvPr id="5" name="日期版面配置區 4"/>
           <p:cNvSpPr>
             <a:spLocks noGrp="1"/>
           </p:cNvSpPr>
@@ -2607,16 +2550,12 @@
         <p:spPr/>
         <p:txBody>
           <a:bodyPr/>
-          <a:lstStyle>
-            <a:lvl1pPr>
-              <a:defRPr/>
-            </a:lvl1pPr>
-          </a:lstStyle>
+          <a:lstStyle/>
           <a:p>
             <a:fld id="{F6AA2124-0E48-4C20-AF48-66096F66EEAF}" type="datetimeFigureOut">
               <a:rPr lang="zh-TW" altLang="en-US" smtClean="0"/>
               <a:pPr/>
-              <a:t>2016/10/16</a:t>
+              <a:t>2020/7/18</a:t>
             </a:fld>
             <a:endParaRPr lang="zh-TW" altLang="en-US"/>
           </a:p>
@@ -2624,7 +2563,7 @@
       </p:sp>
       <p:sp>
         <p:nvSpPr>
-          <p:cNvPr id="6" name="Footer Placeholder 4"/>
+          <p:cNvPr id="6" name="頁尾版面配置區 5"/>
           <p:cNvSpPr>
             <a:spLocks noGrp="1"/>
           </p:cNvSpPr>
@@ -2635,19 +2574,15 @@
         <p:spPr/>
         <p:txBody>
           <a:bodyPr/>
-          <a:lstStyle>
-            <a:lvl1pPr>
-              <a:defRPr/>
-            </a:lvl1pPr>
-          </a:lstStyle>
-          <a:p>
-            <a:endParaRPr lang="zh-TW" altLang="en-US"/>
-          </a:p>
-        </p:txBody>
-      </p:sp>
-      <p:sp>
-        <p:nvSpPr>
-          <p:cNvPr id="7" name="Slide Number Placeholder 5"/>
+          <a:lstStyle/>
+          <a:p>
+            <a:endParaRPr lang="zh-TW" altLang="en-US"/>
+          </a:p>
+        </p:txBody>
+      </p:sp>
+      <p:sp>
+        <p:nvSpPr>
+          <p:cNvPr id="7" name="投影片編號版面配置區 6"/>
           <p:cNvSpPr>
             <a:spLocks noGrp="1"/>
           </p:cNvSpPr>
@@ -2658,11 +2593,7 @@
         <p:spPr/>
         <p:txBody>
           <a:bodyPr/>
-          <a:lstStyle>
-            <a:lvl1pPr>
-              <a:defRPr/>
-            </a:lvl1pPr>
-          </a:lstStyle>
+          <a:lstStyle/>
           <a:p>
             <a:fld id="{F0415420-705F-4A77-836D-8743807B3E66}" type="slidenum">
               <a:rPr lang="zh-TW" altLang="en-US" smtClean="0"/>
@@ -2674,6 +2605,11 @@
         </p:txBody>
       </p:sp>
     </p:spTree>
+    <p:extLst>
+      <p:ext uri="{BB962C8B-B14F-4D97-AF65-F5344CB8AC3E}">
+        <p14:creationId xmlns:p14="http://schemas.microsoft.com/office/powerpoint/2010/main" val="3951001445"/>
+      </p:ext>
+    </p:extLst>
   </p:cSld>
   <p:clrMapOvr>
     <a:masterClrMapping/>
@@ -2687,13 +2623,9 @@
     <p:bg>
       <p:bgPr>
         <a:blipFill dpi="0" rotWithShape="1">
-          <a:blip r:embed="rId13">
-            <a:lum/>
-          </a:blip>
+          <a:blip r:embed="rId13"/>
           <a:srcRect/>
-          <a:stretch>
-            <a:fillRect l="-21000" r="-21000"/>
-          </a:stretch>
+          <a:tile tx="0" ty="0" sx="100000" sy="100000" flip="none" algn="tl"/>
         </a:blipFill>
         <a:effectLst/>
       </p:bgPr>
@@ -2714,155 +2646,128 @@
       </p:grpSpPr>
       <p:sp>
         <p:nvSpPr>
-          <p:cNvPr id="1026" name="Title Placeholder 1"/>
+          <p:cNvPr id="2" name="標題版面配置區 1"/>
           <p:cNvSpPr>
             <a:spLocks noGrp="1"/>
           </p:cNvSpPr>
           <p:nvPr>
             <p:ph type="title"/>
-          </p:nvPr>
-        </p:nvSpPr>
-        <p:spPr bwMode="auto">
-          <a:xfrm>
-            <a:off x="457200" y="274638"/>
-            <a:ext cx="8229600" cy="1143000"/>
-          </a:xfrm>
-          <a:prstGeom prst="rect">
-            <a:avLst/>
-          </a:prstGeom>
-          <a:noFill/>
-          <a:ln w="9525">
-            <a:noFill/>
-            <a:miter lim="800000"/>
-            <a:headEnd/>
-            <a:tailEnd/>
-          </a:ln>
-        </p:spPr>
-        <p:txBody>
-          <a:bodyPr vert="horz" wrap="square" lIns="91440" tIns="45720" rIns="91440" bIns="45720" numCol="1" anchor="ctr" anchorCtr="0" compatLnSpc="1">
-            <a:prstTxWarp prst="textNoShape">
-              <a:avLst/>
-            </a:prstTxWarp>
-          </a:bodyPr>
-          <a:lstStyle/>
-          <a:p>
-            <a:pPr lvl="0"/>
-            <a:r>
-              <a:rPr lang="zh-TW" altLang="en-US" smtClean="0"/>
-              <a:t>按一下以編輯母片標題樣式</a:t>
-            </a:r>
-            <a:endParaRPr lang="en-US" altLang="zh-TW" smtClean="0"/>
-          </a:p>
-        </p:txBody>
-      </p:sp>
-      <p:sp>
-        <p:nvSpPr>
-          <p:cNvPr id="1027" name="Text Placeholder 2"/>
-          <p:cNvSpPr>
-            <a:spLocks noGrp="1"/>
-          </p:cNvSpPr>
-          <p:nvPr>
-            <p:ph type="body" idx="1"/>
-          </p:nvPr>
-        </p:nvSpPr>
-        <p:spPr bwMode="auto">
-          <a:xfrm>
-            <a:off x="457200" y="1600200"/>
-            <a:ext cx="8229600" cy="4525963"/>
-          </a:xfrm>
-          <a:prstGeom prst="rect">
-            <a:avLst/>
-          </a:prstGeom>
-          <a:noFill/>
-          <a:ln w="9525">
-            <a:noFill/>
-            <a:miter lim="800000"/>
-            <a:headEnd/>
-            <a:tailEnd/>
-          </a:ln>
-        </p:spPr>
-        <p:txBody>
-          <a:bodyPr vert="horz" wrap="square" lIns="91440" tIns="45720" rIns="91440" bIns="45720" numCol="1" anchor="t" anchorCtr="0" compatLnSpc="1">
-            <a:prstTxWarp prst="textNoShape">
-              <a:avLst/>
-            </a:prstTxWarp>
-          </a:bodyPr>
-          <a:lstStyle/>
-          <a:p>
-            <a:pPr lvl="0"/>
-            <a:r>
-              <a:rPr lang="zh-TW" altLang="en-US" smtClean="0"/>
-              <a:t>按一下以編輯母片文字樣式</a:t>
-            </a:r>
-          </a:p>
-          <a:p>
-            <a:pPr lvl="1"/>
-            <a:r>
-              <a:rPr lang="zh-TW" altLang="en-US" smtClean="0"/>
-              <a:t>第二層</a:t>
-            </a:r>
-          </a:p>
-          <a:p>
-            <a:pPr lvl="2"/>
-            <a:r>
-              <a:rPr lang="zh-TW" altLang="en-US" smtClean="0"/>
-              <a:t>第三層</a:t>
-            </a:r>
-          </a:p>
-          <a:p>
-            <a:pPr lvl="3"/>
-            <a:r>
-              <a:rPr lang="zh-TW" altLang="en-US" smtClean="0"/>
-              <a:t>第四層</a:t>
-            </a:r>
-          </a:p>
-          <a:p>
-            <a:pPr lvl="4"/>
-            <a:r>
-              <a:rPr lang="zh-TW" altLang="en-US" smtClean="0"/>
-              <a:t>第五層</a:t>
-            </a:r>
-            <a:endParaRPr lang="en-US" altLang="zh-TW" smtClean="0"/>
-          </a:p>
-        </p:txBody>
-      </p:sp>
-      <p:sp>
-        <p:nvSpPr>
-          <p:cNvPr id="4" name="Date Placeholder 3"/>
-          <p:cNvSpPr>
-            <a:spLocks noGrp="1"/>
-          </p:cNvSpPr>
-          <p:nvPr>
-            <p:ph type="dt" sz="half" idx="2"/>
           </p:nvPr>
         </p:nvSpPr>
         <p:spPr>
           <a:xfrm>
-            <a:off x="457200" y="6356350"/>
-            <a:ext cx="2133600" cy="365125"/>
+            <a:off x="609600" y="274639"/>
+            <a:ext cx="10972800" cy="1143000"/>
           </a:xfrm>
           <a:prstGeom prst="rect">
             <a:avLst/>
           </a:prstGeom>
         </p:spPr>
         <p:txBody>
+          <a:bodyPr vert="horz" lIns="91440" tIns="45720" rIns="91440" bIns="45720" rtlCol="0" anchor="ctr">
+            <a:normAutofit/>
+          </a:bodyPr>
+          <a:lstStyle/>
+          <a:p>
+            <a:r>
+              <a:rPr lang="zh-TW" altLang="en-US" smtClean="0"/>
+              <a:t>按一下以編輯母片標題樣式</a:t>
+            </a:r>
+            <a:endParaRPr lang="zh-TW" altLang="en-US"/>
+          </a:p>
+        </p:txBody>
+      </p:sp>
+      <p:sp>
+        <p:nvSpPr>
+          <p:cNvPr id="3" name="文字版面配置區 2"/>
+          <p:cNvSpPr>
+            <a:spLocks noGrp="1"/>
+          </p:cNvSpPr>
+          <p:nvPr>
+            <p:ph type="body" idx="1"/>
+          </p:nvPr>
+        </p:nvSpPr>
+        <p:spPr>
+          <a:xfrm>
+            <a:off x="609600" y="1600202"/>
+            <a:ext cx="10972800" cy="4525963"/>
+          </a:xfrm>
+          <a:prstGeom prst="rect">
+            <a:avLst/>
+          </a:prstGeom>
+        </p:spPr>
+        <p:txBody>
+          <a:bodyPr vert="horz" lIns="91440" tIns="45720" rIns="91440" bIns="45720" rtlCol="0">
+            <a:normAutofit/>
+          </a:bodyPr>
+          <a:lstStyle/>
+          <a:p>
+            <a:pPr lvl="0"/>
+            <a:r>
+              <a:rPr lang="zh-TW" altLang="en-US" smtClean="0"/>
+              <a:t>按一下以編輯母片文字樣式</a:t>
+            </a:r>
+          </a:p>
+          <a:p>
+            <a:pPr lvl="1"/>
+            <a:r>
+              <a:rPr lang="zh-TW" altLang="en-US" smtClean="0"/>
+              <a:t>第二層</a:t>
+            </a:r>
+          </a:p>
+          <a:p>
+            <a:pPr lvl="2"/>
+            <a:r>
+              <a:rPr lang="zh-TW" altLang="en-US" smtClean="0"/>
+              <a:t>第三層</a:t>
+            </a:r>
+          </a:p>
+          <a:p>
+            <a:pPr lvl="3"/>
+            <a:r>
+              <a:rPr lang="zh-TW" altLang="en-US" smtClean="0"/>
+              <a:t>第四層</a:t>
+            </a:r>
+          </a:p>
+          <a:p>
+            <a:pPr lvl="4"/>
+            <a:r>
+              <a:rPr lang="zh-TW" altLang="en-US" smtClean="0"/>
+              <a:t>第五層</a:t>
+            </a:r>
+            <a:endParaRPr lang="zh-TW" altLang="en-US"/>
+          </a:p>
+        </p:txBody>
+      </p:sp>
+      <p:sp>
+        <p:nvSpPr>
+          <p:cNvPr id="4" name="日期版面配置區 3"/>
+          <p:cNvSpPr>
+            <a:spLocks noGrp="1"/>
+          </p:cNvSpPr>
+          <p:nvPr>
+            <p:ph type="dt" sz="half" idx="2"/>
+          </p:nvPr>
+        </p:nvSpPr>
+        <p:spPr>
+          <a:xfrm>
+            <a:off x="609600" y="6356352"/>
+            <a:ext cx="2844800" cy="365125"/>
+          </a:xfrm>
+          <a:prstGeom prst="rect">
+            <a:avLst/>
+          </a:prstGeom>
+        </p:spPr>
+        <p:txBody>
           <a:bodyPr vert="horz" lIns="91440" tIns="45720" rIns="91440" bIns="45720" rtlCol="0" anchor="ctr"/>
           <a:lstStyle>
-            <a:lvl1pPr algn="l" fontAlgn="auto">
-              <a:spcBef>
-                <a:spcPts val="0"/>
-              </a:spcBef>
-              <a:spcAft>
-                <a:spcPts val="0"/>
-              </a:spcAft>
-              <a:defRPr kumimoji="0" sz="1200" smtClean="0">
+            <a:lvl1pPr algn="l">
+              <a:defRPr sz="1200">
                 <a:solidFill>
                   <a:schemeClr val="tx1">
                     <a:tint val="75000"/>
                   </a:schemeClr>
                 </a:solidFill>
-                <a:latin typeface="+mn-lt"/>
-                <a:ea typeface="+mn-ea"/>
               </a:defRPr>
             </a:lvl1pPr>
           </a:lstStyle>
@@ -2870,7 +2775,7 @@
             <a:fld id="{F6AA2124-0E48-4C20-AF48-66096F66EEAF}" type="datetimeFigureOut">
               <a:rPr lang="zh-TW" altLang="en-US" smtClean="0"/>
               <a:pPr/>
-              <a:t>2016/10/16</a:t>
+              <a:t>2020/7/18</a:t>
             </a:fld>
             <a:endParaRPr lang="zh-TW" altLang="en-US"/>
           </a:p>
@@ -2878,7 +2783,7 @@
       </p:sp>
       <p:sp>
         <p:nvSpPr>
-          <p:cNvPr id="5" name="Footer Placeholder 4"/>
+          <p:cNvPr id="5" name="頁尾版面配置區 4"/>
           <p:cNvSpPr>
             <a:spLocks noGrp="1"/>
           </p:cNvSpPr>
@@ -2888,8 +2793,8 @@
         </p:nvSpPr>
         <p:spPr>
           <a:xfrm>
-            <a:off x="3124200" y="6356350"/>
-            <a:ext cx="2895600" cy="365125"/>
+            <a:off x="4165600" y="6356352"/>
+            <a:ext cx="3860800" cy="365125"/>
           </a:xfrm>
           <a:prstGeom prst="rect">
             <a:avLst/>
@@ -2898,21 +2803,13 @@
         <p:txBody>
           <a:bodyPr vert="horz" lIns="91440" tIns="45720" rIns="91440" bIns="45720" rtlCol="0" anchor="ctr"/>
           <a:lstStyle>
-            <a:lvl1pPr algn="ctr" fontAlgn="auto">
-              <a:spcBef>
-                <a:spcPts val="0"/>
-              </a:spcBef>
-              <a:spcAft>
-                <a:spcPts val="0"/>
-              </a:spcAft>
-              <a:defRPr kumimoji="0" sz="1200">
+            <a:lvl1pPr algn="ctr">
+              <a:defRPr sz="1200">
                 <a:solidFill>
                   <a:schemeClr val="tx1">
                     <a:tint val="75000"/>
                   </a:schemeClr>
                 </a:solidFill>
-                <a:latin typeface="+mn-lt"/>
-                <a:ea typeface="+mn-ea"/>
               </a:defRPr>
             </a:lvl1pPr>
           </a:lstStyle>
@@ -2923,7 +2820,7 @@
       </p:sp>
       <p:sp>
         <p:nvSpPr>
-          <p:cNvPr id="6" name="Slide Number Placeholder 5"/>
+          <p:cNvPr id="6" name="投影片編號版面配置區 5"/>
           <p:cNvSpPr>
             <a:spLocks noGrp="1"/>
           </p:cNvSpPr>
@@ -2933,8 +2830,8 @@
         </p:nvSpPr>
         <p:spPr>
           <a:xfrm>
-            <a:off x="6553200" y="6356350"/>
-            <a:ext cx="2133600" cy="365125"/>
+            <a:off x="8737600" y="6356352"/>
+            <a:ext cx="2844800" cy="365125"/>
           </a:xfrm>
           <a:prstGeom prst="rect">
             <a:avLst/>
@@ -2943,21 +2840,13 @@
         <p:txBody>
           <a:bodyPr vert="horz" lIns="91440" tIns="45720" rIns="91440" bIns="45720" rtlCol="0" anchor="ctr"/>
           <a:lstStyle>
-            <a:lvl1pPr algn="r" fontAlgn="auto">
-              <a:spcBef>
-                <a:spcPts val="0"/>
-              </a:spcBef>
-              <a:spcAft>
-                <a:spcPts val="0"/>
-              </a:spcAft>
-              <a:defRPr kumimoji="0" sz="1200" smtClean="0">
+            <a:lvl1pPr algn="r">
+              <a:defRPr sz="1200">
                 <a:solidFill>
                   <a:schemeClr val="tx1">
                     <a:tint val="75000"/>
                   </a:schemeClr>
                 </a:solidFill>
-                <a:latin typeface="+mn-lt"/>
-                <a:ea typeface="+mn-ea"/>
               </a:defRPr>
             </a:lvl1pPr>
           </a:lstStyle>
@@ -2972,30 +2861,33 @@
         </p:txBody>
       </p:sp>
     </p:spTree>
+    <p:extLst>
+      <p:ext uri="{BB962C8B-B14F-4D97-AF65-F5344CB8AC3E}">
+        <p14:creationId xmlns:p14="http://schemas.microsoft.com/office/powerpoint/2010/main" val="232916568"/>
+      </p:ext>
+    </p:extLst>
   </p:cSld>
   <p:clrMap bg1="lt1" tx1="dk1" bg2="lt2" tx2="dk2" accent1="accent1" accent2="accent2" accent3="accent3" accent4="accent4" accent5="accent5" accent6="accent6" hlink="hlink" folHlink="folHlink"/>
   <p:sldLayoutIdLst>
-    <p:sldLayoutId id="2147483661" r:id="rId1"/>
-    <p:sldLayoutId id="2147483662" r:id="rId2"/>
-    <p:sldLayoutId id="2147483663" r:id="rId3"/>
-    <p:sldLayoutId id="2147483664" r:id="rId4"/>
-    <p:sldLayoutId id="2147483665" r:id="rId5"/>
-    <p:sldLayoutId id="2147483666" r:id="rId6"/>
-    <p:sldLayoutId id="2147483667" r:id="rId7"/>
-    <p:sldLayoutId id="2147483668" r:id="rId8"/>
-    <p:sldLayoutId id="2147483669" r:id="rId9"/>
-    <p:sldLayoutId id="2147483670" r:id="rId10"/>
-    <p:sldLayoutId id="2147483671" r:id="rId11"/>
+    <p:sldLayoutId id="2147483673" r:id="rId1"/>
+    <p:sldLayoutId id="2147483674" r:id="rId2"/>
+    <p:sldLayoutId id="2147483675" r:id="rId3"/>
+    <p:sldLayoutId id="2147483676" r:id="rId4"/>
+    <p:sldLayoutId id="2147483677" r:id="rId5"/>
+    <p:sldLayoutId id="2147483678" r:id="rId6"/>
+    <p:sldLayoutId id="2147483679" r:id="rId7"/>
+    <p:sldLayoutId id="2147483680" r:id="rId8"/>
+    <p:sldLayoutId id="2147483681" r:id="rId9"/>
+    <p:sldLayoutId id="2147483682" r:id="rId10"/>
+    <p:sldLayoutId id="2147483683" r:id="rId11"/>
   </p:sldLayoutIdLst>
   <p:txStyles>
     <p:titleStyle>
-      <a:lvl1pPr algn="ctr" rtl="0" eaLnBrk="1" fontAlgn="base" hangingPunct="1">
+      <a:lvl1pPr algn="ctr" defTabSz="914400" rtl="0" eaLnBrk="1" latinLnBrk="0" hangingPunct="1">
         <a:spcBef>
           <a:spcPct val="0"/>
         </a:spcBef>
-        <a:spcAft>
-          <a:spcPct val="0"/>
-        </a:spcAft>
+        <a:buNone/>
         <a:defRPr sz="4400" kern="1200">
           <a:solidFill>
             <a:schemeClr val="tx1"/>
@@ -3005,128 +2897,13 @@
           <a:cs typeface="+mj-cs"/>
         </a:defRPr>
       </a:lvl1pPr>
-      <a:lvl2pPr algn="ctr" rtl="0" eaLnBrk="1" fontAlgn="base" hangingPunct="1">
-        <a:spcBef>
-          <a:spcPct val="0"/>
-        </a:spcBef>
-        <a:spcAft>
-          <a:spcPct val="0"/>
-        </a:spcAft>
-        <a:defRPr sz="4400">
-          <a:solidFill>
-            <a:schemeClr val="tx1"/>
-          </a:solidFill>
-          <a:latin typeface="Calibri" pitchFamily="34" charset="0"/>
-        </a:defRPr>
-      </a:lvl2pPr>
-      <a:lvl3pPr algn="ctr" rtl="0" eaLnBrk="1" fontAlgn="base" hangingPunct="1">
-        <a:spcBef>
-          <a:spcPct val="0"/>
-        </a:spcBef>
-        <a:spcAft>
-          <a:spcPct val="0"/>
-        </a:spcAft>
-        <a:defRPr sz="4400">
-          <a:solidFill>
-            <a:schemeClr val="tx1"/>
-          </a:solidFill>
-          <a:latin typeface="Calibri" pitchFamily="34" charset="0"/>
-        </a:defRPr>
-      </a:lvl3pPr>
-      <a:lvl4pPr algn="ctr" rtl="0" eaLnBrk="1" fontAlgn="base" hangingPunct="1">
-        <a:spcBef>
-          <a:spcPct val="0"/>
-        </a:spcBef>
-        <a:spcAft>
-          <a:spcPct val="0"/>
-        </a:spcAft>
-        <a:defRPr sz="4400">
-          <a:solidFill>
-            <a:schemeClr val="tx1"/>
-          </a:solidFill>
-          <a:latin typeface="Calibri" pitchFamily="34" charset="0"/>
-        </a:defRPr>
-      </a:lvl4pPr>
-      <a:lvl5pPr algn="ctr" rtl="0" eaLnBrk="1" fontAlgn="base" hangingPunct="1">
-        <a:spcBef>
-          <a:spcPct val="0"/>
-        </a:spcBef>
-        <a:spcAft>
-          <a:spcPct val="0"/>
-        </a:spcAft>
-        <a:defRPr sz="4400">
-          <a:solidFill>
-            <a:schemeClr val="tx1"/>
-          </a:solidFill>
-          <a:latin typeface="Calibri" pitchFamily="34" charset="0"/>
-        </a:defRPr>
-      </a:lvl5pPr>
-      <a:lvl6pPr marL="457200" algn="ctr" rtl="0" eaLnBrk="1" fontAlgn="base" hangingPunct="1">
-        <a:spcBef>
-          <a:spcPct val="0"/>
-        </a:spcBef>
-        <a:spcAft>
-          <a:spcPct val="0"/>
-        </a:spcAft>
-        <a:defRPr sz="4400">
-          <a:solidFill>
-            <a:schemeClr val="tx1"/>
-          </a:solidFill>
-          <a:latin typeface="Calibri" pitchFamily="34" charset="0"/>
-        </a:defRPr>
-      </a:lvl6pPr>
-      <a:lvl7pPr marL="914400" algn="ctr" rtl="0" eaLnBrk="1" fontAlgn="base" hangingPunct="1">
-        <a:spcBef>
-          <a:spcPct val="0"/>
-        </a:spcBef>
-        <a:spcAft>
-          <a:spcPct val="0"/>
-        </a:spcAft>
-        <a:defRPr sz="4400">
-          <a:solidFill>
-            <a:schemeClr val="tx1"/>
-          </a:solidFill>
-          <a:latin typeface="Calibri" pitchFamily="34" charset="0"/>
-        </a:defRPr>
-      </a:lvl7pPr>
-      <a:lvl8pPr marL="1371600" algn="ctr" rtl="0" eaLnBrk="1" fontAlgn="base" hangingPunct="1">
-        <a:spcBef>
-          <a:spcPct val="0"/>
-        </a:spcBef>
-        <a:spcAft>
-          <a:spcPct val="0"/>
-        </a:spcAft>
-        <a:defRPr sz="4400">
-          <a:solidFill>
-            <a:schemeClr val="tx1"/>
-          </a:solidFill>
-          <a:latin typeface="Calibri" pitchFamily="34" charset="0"/>
-        </a:defRPr>
-      </a:lvl8pPr>
-      <a:lvl9pPr marL="1828800" algn="ctr" rtl="0" eaLnBrk="1" fontAlgn="base" hangingPunct="1">
-        <a:spcBef>
-          <a:spcPct val="0"/>
-        </a:spcBef>
-        <a:spcAft>
-          <a:spcPct val="0"/>
-        </a:spcAft>
-        <a:defRPr sz="4400">
-          <a:solidFill>
-            <a:schemeClr val="tx1"/>
-          </a:solidFill>
-          <a:latin typeface="Calibri" pitchFamily="34" charset="0"/>
-        </a:defRPr>
-      </a:lvl9pPr>
     </p:titleStyle>
     <p:bodyStyle>
-      <a:lvl1pPr marL="342900" indent="-342900" algn="l" rtl="0" eaLnBrk="1" fontAlgn="base" hangingPunct="1">
+      <a:lvl1pPr marL="342900" indent="-342900" algn="l" defTabSz="914400" rtl="0" eaLnBrk="1" latinLnBrk="0" hangingPunct="1">
         <a:spcBef>
           <a:spcPct val="20000"/>
         </a:spcBef>
-        <a:spcAft>
-          <a:spcPct val="0"/>
-        </a:spcAft>
-        <a:buFont typeface="Arial" charset="0"/>
+        <a:buFont typeface="Arial" pitchFamily="34" charset="0"/>
         <a:buChar char="•"/>
         <a:defRPr sz="3200" kern="1200">
           <a:solidFill>
@@ -3137,14 +2914,11 @@
           <a:cs typeface="+mn-cs"/>
         </a:defRPr>
       </a:lvl1pPr>
-      <a:lvl2pPr marL="742950" indent="-285750" algn="l" rtl="0" eaLnBrk="1" fontAlgn="base" hangingPunct="1">
+      <a:lvl2pPr marL="742950" indent="-285750" algn="l" defTabSz="914400" rtl="0" eaLnBrk="1" latinLnBrk="0" hangingPunct="1">
         <a:spcBef>
           <a:spcPct val="20000"/>
         </a:spcBef>
-        <a:spcAft>
-          <a:spcPct val="0"/>
-        </a:spcAft>
-        <a:buFont typeface="Arial" charset="0"/>
+        <a:buFont typeface="Arial" pitchFamily="34" charset="0"/>
         <a:buChar char="–"/>
         <a:defRPr sz="2800" kern="1200">
           <a:solidFill>
@@ -3155,14 +2929,11 @@
           <a:cs typeface="+mn-cs"/>
         </a:defRPr>
       </a:lvl2pPr>
-      <a:lvl3pPr marL="1143000" indent="-228600" algn="l" rtl="0" eaLnBrk="1" fontAlgn="base" hangingPunct="1">
+      <a:lvl3pPr marL="1143000" indent="-228600" algn="l" defTabSz="914400" rtl="0" eaLnBrk="1" latinLnBrk="0" hangingPunct="1">
         <a:spcBef>
           <a:spcPct val="20000"/>
         </a:spcBef>
-        <a:spcAft>
-          <a:spcPct val="0"/>
-        </a:spcAft>
-        <a:buFont typeface="Arial" charset="0"/>
+        <a:buFont typeface="Arial" pitchFamily="34" charset="0"/>
         <a:buChar char="•"/>
         <a:defRPr sz="2400" kern="1200">
           <a:solidFill>
@@ -3173,14 +2944,11 @@
           <a:cs typeface="+mn-cs"/>
         </a:defRPr>
       </a:lvl3pPr>
-      <a:lvl4pPr marL="1600200" indent="-228600" algn="l" rtl="0" eaLnBrk="1" fontAlgn="base" hangingPunct="1">
+      <a:lvl4pPr marL="1600200" indent="-228600" algn="l" defTabSz="914400" rtl="0" eaLnBrk="1" latinLnBrk="0" hangingPunct="1">
         <a:spcBef>
           <a:spcPct val="20000"/>
         </a:spcBef>
-        <a:spcAft>
-          <a:spcPct val="0"/>
-        </a:spcAft>
-        <a:buFont typeface="Arial" charset="0"/>
+        <a:buFont typeface="Arial" pitchFamily="34" charset="0"/>
         <a:buChar char="–"/>
         <a:defRPr sz="2000" kern="1200">
           <a:solidFill>
@@ -3191,14 +2959,11 @@
           <a:cs typeface="+mn-cs"/>
         </a:defRPr>
       </a:lvl4pPr>
-      <a:lvl5pPr marL="2057400" indent="-228600" algn="l" rtl="0" eaLnBrk="1" fontAlgn="base" hangingPunct="1">
+      <a:lvl5pPr marL="2057400" indent="-228600" algn="l" defTabSz="914400" rtl="0" eaLnBrk="1" latinLnBrk="0" hangingPunct="1">
         <a:spcBef>
           <a:spcPct val="20000"/>
         </a:spcBef>
-        <a:spcAft>
-          <a:spcPct val="0"/>
-        </a:spcAft>
-        <a:buFont typeface="Arial" charset="0"/>
+        <a:buFont typeface="Arial" pitchFamily="34" charset="0"/>
         <a:buChar char="»"/>
         <a:defRPr sz="2000" kern="1200">
           <a:solidFill>
@@ -3272,7 +3037,7 @@
     </p:bodyStyle>
     <p:otherStyle>
       <a:defPPr>
-        <a:defRPr lang="en-US"/>
+        <a:defRPr lang="zh-TW"/>
       </a:defPPr>
       <a:lvl1pPr marL="0" algn="l" defTabSz="914400" rtl="0" eaLnBrk="1" latinLnBrk="0" hangingPunct="1">
         <a:defRPr sz="1800" kern="1200">
@@ -3398,39 +3163,50 @@
         </p:nvSpPr>
         <p:spPr/>
         <p:txBody>
-          <a:bodyPr/>
-          <a:lstStyle/>
-          <a:p>
-            <a:r>
-              <a:rPr lang="zh-CN" altLang="en-US" dirty="0" smtClean="0"/>
-              <a:t>耶穌明白</a:t>
-            </a:r>
-            <a:endParaRPr lang="zh-TW" altLang="en-US" dirty="0"/>
-          </a:p>
-        </p:txBody>
-      </p:sp>
-      <p:sp>
-        <p:nvSpPr>
-          <p:cNvPr id="5" name="內容版面配置區 4"/>
-          <p:cNvSpPr>
-            <a:spLocks noGrp="1"/>
-          </p:cNvSpPr>
-          <p:nvPr>
-            <p:ph idx="1"/>
-          </p:nvPr>
-        </p:nvSpPr>
-        <p:spPr/>
-        <p:txBody>
           <a:bodyPr>
             <a:normAutofit/>
           </a:bodyPr>
           <a:lstStyle/>
           <a:p>
+            <a:r>
+              <a:rPr lang="zh-CN" altLang="en-US" sz="4800" b="1" dirty="0" smtClean="0">
+                <a:latin typeface="Microsoft JhengHei" panose="020B0604030504040204" pitchFamily="34" charset="-120"/>
+                <a:ea typeface="Microsoft JhengHei" panose="020B0604030504040204" pitchFamily="34" charset="-120"/>
+              </a:rPr>
+              <a:t>耶穌明白</a:t>
+            </a:r>
+            <a:endParaRPr lang="zh-TW" altLang="en-US" sz="4800" b="1" dirty="0">
+              <a:latin typeface="Microsoft JhengHei" panose="020B0604030504040204" pitchFamily="34" charset="-120"/>
+              <a:ea typeface="Microsoft JhengHei" panose="020B0604030504040204" pitchFamily="34" charset="-120"/>
+            </a:endParaRPr>
+          </a:p>
+        </p:txBody>
+      </p:sp>
+      <p:sp>
+        <p:nvSpPr>
+          <p:cNvPr id="5" name="內容版面配置區 4"/>
+          <p:cNvSpPr>
+            <a:spLocks noGrp="1"/>
+          </p:cNvSpPr>
+          <p:nvPr>
+            <p:ph idx="1"/>
+          </p:nvPr>
+        </p:nvSpPr>
+        <p:spPr/>
+        <p:txBody>
+          <a:bodyPr>
+            <a:normAutofit/>
+          </a:bodyPr>
+          <a:lstStyle/>
+          <a:p>
             <a:pPr lvl="0" algn="ctr">
               <a:buNone/>
             </a:pPr>
             <a:r>
-              <a:rPr lang="zh-TW" altLang="en-US" sz="5400" dirty="0"/>
+              <a:rPr lang="zh-TW" altLang="en-US" sz="5400" b="1" dirty="0">
+                <a:latin typeface="Microsoft JhengHei" panose="020B0604030504040204" pitchFamily="34" charset="-120"/>
+                <a:ea typeface="Microsoft JhengHei" panose="020B0604030504040204" pitchFamily="34" charset="-120"/>
+              </a:rPr>
               <a:t>放下你的重擔一分亦不存</a:t>
             </a:r>
           </a:p>
@@ -3439,25 +3215,40 @@
               <a:buNone/>
             </a:pPr>
             <a:r>
-              <a:rPr lang="zh-TW" altLang="en-US" sz="5400" dirty="0"/>
+              <a:rPr lang="zh-TW" altLang="en-US" sz="5400" b="1" dirty="0">
+                <a:latin typeface="Microsoft JhengHei" panose="020B0604030504040204" pitchFamily="34" charset="-120"/>
+                <a:ea typeface="Microsoft JhengHei" panose="020B0604030504040204" pitchFamily="34" charset="-120"/>
+              </a:rPr>
               <a:t>是否疲倦路中無人</a:t>
             </a:r>
             <a:r>
-              <a:rPr lang="zh-TW" altLang="en-US" sz="5400" dirty="0" smtClean="0"/>
+              <a:rPr lang="zh-TW" altLang="en-US" sz="5400" b="1" dirty="0">
+                <a:latin typeface="Microsoft JhengHei" panose="020B0604030504040204" pitchFamily="34" charset="-120"/>
+                <a:ea typeface="Microsoft JhengHei" panose="020B0604030504040204" pitchFamily="34" charset="-120"/>
+              </a:rPr>
               <a:t>施恩</a:t>
             </a:r>
-            <a:endParaRPr lang="en-US" altLang="zh-TW" sz="5400" dirty="0" smtClean="0"/>
+            <a:endParaRPr lang="en-US" altLang="zh-TW" sz="5400" b="1" dirty="0">
+              <a:latin typeface="Microsoft JhengHei" panose="020B0604030504040204" pitchFamily="34" charset="-120"/>
+              <a:ea typeface="Microsoft JhengHei" panose="020B0604030504040204" pitchFamily="34" charset="-120"/>
+            </a:endParaRPr>
           </a:p>
           <a:p>
             <a:pPr algn="ctr">
               <a:buNone/>
             </a:pPr>
             <a:r>
-              <a:rPr lang="zh-TW" altLang="en-US" sz="5400" dirty="0" smtClean="0"/>
+              <a:rPr lang="zh-TW" altLang="en-US" sz="5400" b="1" dirty="0">
+                <a:latin typeface="Microsoft JhengHei" panose="020B0604030504040204" pitchFamily="34" charset="-120"/>
+                <a:ea typeface="Microsoft JhengHei" panose="020B0604030504040204" pitchFamily="34" charset="-120"/>
+              </a:rPr>
               <a:t>謹守</a:t>
             </a:r>
             <a:r>
-              <a:rPr lang="zh-TW" altLang="en-US" sz="5400" dirty="0"/>
+              <a:rPr lang="zh-TW" altLang="en-US" sz="5400" b="1" dirty="0">
+                <a:latin typeface="Microsoft JhengHei" panose="020B0604030504040204" pitchFamily="34" charset="-120"/>
+                <a:ea typeface="Microsoft JhengHei" panose="020B0604030504040204" pitchFamily="34" charset="-120"/>
+              </a:rPr>
               <a:t>主的命令行走天路客</a:t>
             </a:r>
           </a:p>
@@ -3466,14 +3257,23 @@
               <a:buNone/>
             </a:pPr>
             <a:r>
-              <a:rPr lang="zh-TW" altLang="en-US" sz="5400" dirty="0"/>
+              <a:rPr lang="zh-TW" altLang="en-US" sz="5400" b="1" dirty="0">
+                <a:latin typeface="Microsoft JhengHei" panose="020B0604030504040204" pitchFamily="34" charset="-120"/>
+                <a:ea typeface="Microsoft JhengHei" panose="020B0604030504040204" pitchFamily="34" charset="-120"/>
+              </a:rPr>
               <a:t>你所遭遇一切 耶穌是</a:t>
             </a:r>
             <a:r>
-              <a:rPr lang="zh-TW" altLang="en-US" sz="5400" dirty="0" smtClean="0"/>
+              <a:rPr lang="zh-TW" altLang="en-US" sz="5400" b="1" dirty="0">
+                <a:latin typeface="Microsoft JhengHei" panose="020B0604030504040204" pitchFamily="34" charset="-120"/>
+                <a:ea typeface="Microsoft JhengHei" panose="020B0604030504040204" pitchFamily="34" charset="-120"/>
+              </a:rPr>
               <a:t>明白</a:t>
             </a:r>
-            <a:endParaRPr lang="zh-TW" altLang="en-US" sz="5400" dirty="0"/>
+            <a:endParaRPr lang="zh-TW" altLang="en-US" sz="5400" b="1" dirty="0">
+              <a:latin typeface="Microsoft JhengHei" panose="020B0604030504040204" pitchFamily="34" charset="-120"/>
+              <a:ea typeface="Microsoft JhengHei" panose="020B0604030504040204" pitchFamily="34" charset="-120"/>
+            </a:endParaRPr>
           </a:p>
         </p:txBody>
       </p:sp>
@@ -3514,56 +3314,83 @@
         </p:nvSpPr>
         <p:spPr/>
         <p:txBody>
-          <a:bodyPr/>
-          <a:lstStyle/>
-          <a:p>
-            <a:r>
-              <a:rPr lang="zh-CN" altLang="en-US" dirty="0" smtClean="0"/>
-              <a:t>耶穌明白</a:t>
-            </a:r>
-            <a:endParaRPr lang="zh-TW" altLang="en-US" dirty="0"/>
-          </a:p>
-        </p:txBody>
-      </p:sp>
-      <p:sp>
-        <p:nvSpPr>
-          <p:cNvPr id="5" name="內容版面配置區 4"/>
-          <p:cNvSpPr>
-            <a:spLocks noGrp="1"/>
-          </p:cNvSpPr>
-          <p:nvPr>
-            <p:ph idx="1"/>
-          </p:nvPr>
-        </p:nvSpPr>
-        <p:spPr>
-          <a:xfrm>
-            <a:off x="457200" y="1600200"/>
-            <a:ext cx="8229600" cy="5257800"/>
-          </a:xfrm>
-        </p:spPr>
-        <p:txBody>
           <a:bodyPr>
             <a:normAutofit/>
           </a:bodyPr>
           <a:lstStyle/>
           <a:p>
+            <a:r>
+              <a:rPr lang="zh-CN" altLang="en-US" sz="4800" b="1" dirty="0">
+                <a:latin typeface="Microsoft JhengHei" panose="020B0604030504040204" pitchFamily="34" charset="-120"/>
+                <a:ea typeface="Microsoft JhengHei" panose="020B0604030504040204" pitchFamily="34" charset="-120"/>
+              </a:rPr>
+              <a:t>耶穌明白</a:t>
+            </a:r>
+            <a:endParaRPr lang="zh-TW" altLang="en-US" sz="4800" b="1" dirty="0">
+              <a:latin typeface="Microsoft JhengHei" panose="020B0604030504040204" pitchFamily="34" charset="-120"/>
+              <a:ea typeface="Microsoft JhengHei" panose="020B0604030504040204" pitchFamily="34" charset="-120"/>
+            </a:endParaRPr>
+          </a:p>
+        </p:txBody>
+      </p:sp>
+      <p:sp>
+        <p:nvSpPr>
+          <p:cNvPr id="5" name="內容版面配置區 4"/>
+          <p:cNvSpPr>
+            <a:spLocks noGrp="1"/>
+          </p:cNvSpPr>
+          <p:nvPr>
+            <p:ph idx="1"/>
+          </p:nvPr>
+        </p:nvSpPr>
+        <p:spPr>
+          <a:xfrm>
+            <a:off x="0" y="1600200"/>
+            <a:ext cx="12192000" cy="5257800"/>
+          </a:xfrm>
+        </p:spPr>
+        <p:txBody>
+          <a:bodyPr>
+            <a:normAutofit/>
+          </a:bodyPr>
+          <a:lstStyle/>
+          <a:p>
             <a:pPr algn="ctr">
               <a:buNone/>
             </a:pPr>
             <a:r>
-              <a:rPr lang="zh-TW" altLang="en-US" sz="5400" dirty="0" smtClean="0"/>
+              <a:rPr lang="zh-TW" altLang="en-US" sz="5400" b="1" dirty="0">
+                <a:latin typeface="Microsoft JhengHei" panose="020B0604030504040204" pitchFamily="34" charset="-120"/>
+                <a:ea typeface="Microsoft JhengHei" panose="020B0604030504040204" pitchFamily="34" charset="-120"/>
+              </a:rPr>
               <a:t>是</a:t>
             </a:r>
             <a:r>
-              <a:rPr lang="zh-CN" altLang="en-US" sz="5400" dirty="0" smtClean="0"/>
-              <a:t>耶穌明白</a:t>
-            </a:r>
-            <a:r>
-              <a:rPr lang="zh-TW" altLang="en-US" sz="5400" dirty="0" smtClean="0"/>
+              <a:rPr lang="zh-CN" altLang="en-US" sz="5400" b="1" dirty="0">
+                <a:latin typeface="Microsoft JhengHei" panose="020B0604030504040204" pitchFamily="34" charset="-120"/>
+                <a:ea typeface="Microsoft JhengHei" panose="020B0604030504040204" pitchFamily="34" charset="-120"/>
+              </a:rPr>
+              <a:t>耶穌明</a:t>
+            </a:r>
+            <a:r>
+              <a:rPr lang="zh-CN" altLang="en-US" sz="5400" b="1" dirty="0">
+                <a:latin typeface="Microsoft JhengHei" panose="020B0604030504040204" pitchFamily="34" charset="-120"/>
+                <a:ea typeface="Microsoft JhengHei" panose="020B0604030504040204" pitchFamily="34" charset="-120"/>
+              </a:rPr>
+              <a:t>白  </a:t>
+            </a:r>
+            <a:r>
+              <a:rPr lang="zh-TW" altLang="en-US" sz="5400" b="1" dirty="0">
+                <a:latin typeface="Microsoft JhengHei" panose="020B0604030504040204" pitchFamily="34" charset="-120"/>
+                <a:ea typeface="Microsoft JhengHei" panose="020B0604030504040204" pitchFamily="34" charset="-120"/>
+              </a:rPr>
               <a:t>主</a:t>
             </a:r>
             <a:r>
-              <a:rPr lang="zh-TW" altLang="en-US" sz="5400" dirty="0"/>
+              <a:rPr lang="zh-TW" altLang="en-US" sz="5400" b="1" dirty="0">
+                <a:latin typeface="Microsoft JhengHei" panose="020B0604030504040204" pitchFamily="34" charset="-120"/>
+                <a:ea typeface="Microsoft JhengHei" panose="020B0604030504040204" pitchFamily="34" charset="-120"/>
+              </a:rPr>
               <a:t>路是最善</a:t>
             </a:r>
           </a:p>
@@ -3572,16 +3399,40 @@
               <a:buNone/>
             </a:pPr>
             <a:r>
-              <a:rPr lang="zh-TW" altLang="en-US" sz="5400" dirty="0"/>
-              <a:t>聽主來召你</a:t>
-            </a:r>
+              <a:rPr lang="zh-TW" altLang="en-US" sz="5400" b="1" dirty="0">
+                <a:latin typeface="Microsoft JhengHei" panose="020B0604030504040204" pitchFamily="34" charset="-120"/>
+                <a:ea typeface="Microsoft JhengHei" panose="020B0604030504040204" pitchFamily="34" charset="-120"/>
+              </a:rPr>
+              <a:t>聽</a:t>
+            </a:r>
+            <a:r>
+              <a:rPr lang="zh-TW" altLang="en-US" sz="5400" b="1" dirty="0">
+                <a:latin typeface="Microsoft JhengHei" panose="020B0604030504040204" pitchFamily="34" charset="-120"/>
+                <a:ea typeface="Microsoft JhengHei" panose="020B0604030504040204" pitchFamily="34" charset="-120"/>
+              </a:rPr>
+              <a:t>主召你</a:t>
+            </a:r>
+            <a:r>
+              <a:rPr lang="zh-CN" altLang="en-US" sz="5400" b="1" dirty="0">
+                <a:latin typeface="Microsoft JhengHei" panose="020B0604030504040204" pitchFamily="34" charset="-120"/>
+                <a:ea typeface="Microsoft JhengHei" panose="020B0604030504040204" pitchFamily="34" charset="-120"/>
+              </a:rPr>
+              <a:t>說</a:t>
+            </a:r>
+            <a:endParaRPr lang="zh-TW" altLang="en-US" sz="5400" b="1" dirty="0">
+              <a:latin typeface="Microsoft JhengHei" panose="020B0604030504040204" pitchFamily="34" charset="-120"/>
+              <a:ea typeface="Microsoft JhengHei" panose="020B0604030504040204" pitchFamily="34" charset="-120"/>
+            </a:endParaRPr>
           </a:p>
           <a:p>
             <a:pPr algn="ctr">
               <a:buNone/>
             </a:pPr>
             <a:r>
-              <a:rPr lang="zh-TW" altLang="en-US" sz="5400" dirty="0"/>
+              <a:rPr lang="zh-TW" altLang="en-US" sz="5400" b="1" dirty="0">
+                <a:latin typeface="Microsoft JhengHei" panose="020B0604030504040204" pitchFamily="34" charset="-120"/>
+                <a:ea typeface="Microsoft JhengHei" panose="020B0604030504040204" pitchFamily="34" charset="-120"/>
+              </a:rPr>
               <a:t>來 就我得安</a:t>
             </a:r>
           </a:p>
@@ -3590,7 +3441,10 @@
               <a:buNone/>
             </a:pPr>
             <a:r>
-              <a:rPr lang="zh-TW" altLang="en-US" sz="5400" dirty="0"/>
+              <a:rPr lang="zh-TW" altLang="en-US" sz="5400" b="1" dirty="0">
+                <a:latin typeface="Microsoft JhengHei" panose="020B0604030504040204" pitchFamily="34" charset="-120"/>
+                <a:ea typeface="Microsoft JhengHei" panose="020B0604030504040204" pitchFamily="34" charset="-120"/>
+              </a:rPr>
               <a:t>前途或順 或逆 全交主手裏</a:t>
             </a:r>
           </a:p>
@@ -3599,8 +3453,46 @@
               <a:buNone/>
             </a:pPr>
             <a:r>
-              <a:rPr lang="zh-TW" altLang="en-US" sz="5400" dirty="0"/>
-              <a:t>或憂愁 或喜樂 耶穌是明白</a:t>
+              <a:rPr lang="zh-TW" altLang="en-US" sz="5400" b="1" dirty="0">
+                <a:latin typeface="Microsoft JhengHei" panose="020B0604030504040204" pitchFamily="34" charset="-120"/>
+                <a:ea typeface="Microsoft JhengHei" panose="020B0604030504040204" pitchFamily="34" charset="-120"/>
+              </a:rPr>
+              <a:t>或</a:t>
+            </a:r>
+            <a:r>
+              <a:rPr lang="zh-CN" altLang="en-US" sz="5400" b="1" dirty="0">
+                <a:latin typeface="Microsoft JhengHei" panose="020B0604030504040204" pitchFamily="34" charset="-120"/>
+                <a:ea typeface="Microsoft JhengHei" panose="020B0604030504040204" pitchFamily="34" charset="-120"/>
+              </a:rPr>
+              <a:t>者</a:t>
+            </a:r>
+            <a:r>
+              <a:rPr lang="zh-TW" altLang="en-US" sz="5400" b="1" dirty="0">
+                <a:latin typeface="Microsoft JhengHei" panose="020B0604030504040204" pitchFamily="34" charset="-120"/>
+                <a:ea typeface="Microsoft JhengHei" panose="020B0604030504040204" pitchFamily="34" charset="-120"/>
+              </a:rPr>
+              <a:t>憂</a:t>
+            </a:r>
+            <a:r>
+              <a:rPr lang="zh-TW" altLang="en-US" sz="5400" b="1" dirty="0">
+                <a:latin typeface="Microsoft JhengHei" panose="020B0604030504040204" pitchFamily="34" charset="-120"/>
+                <a:ea typeface="Microsoft JhengHei" panose="020B0604030504040204" pitchFamily="34" charset="-120"/>
+              </a:rPr>
+              <a:t>愁 </a:t>
+            </a:r>
+            <a:r>
+              <a:rPr lang="zh-TW" altLang="en-US" sz="5400" b="1" dirty="0">
+                <a:latin typeface="Microsoft JhengHei" panose="020B0604030504040204" pitchFamily="34" charset="-120"/>
+                <a:ea typeface="Microsoft JhengHei" panose="020B0604030504040204" pitchFamily="34" charset="-120"/>
+              </a:rPr>
+              <a:t>喜</a:t>
+            </a:r>
+            <a:r>
+              <a:rPr lang="zh-TW" altLang="en-US" sz="5400" b="1" dirty="0">
+                <a:latin typeface="Microsoft JhengHei" panose="020B0604030504040204" pitchFamily="34" charset="-120"/>
+                <a:ea typeface="Microsoft JhengHei" panose="020B0604030504040204" pitchFamily="34" charset="-120"/>
+              </a:rPr>
+              <a:t>樂 耶穌是明白</a:t>
             </a:r>
           </a:p>
         </p:txBody>
@@ -3642,39 +3534,50 @@
         </p:nvSpPr>
         <p:spPr/>
         <p:txBody>
-          <a:bodyPr/>
-          <a:lstStyle/>
-          <a:p>
-            <a:r>
-              <a:rPr lang="zh-CN" altLang="en-US" dirty="0" smtClean="0"/>
-              <a:t>耶穌明白</a:t>
-            </a:r>
-            <a:endParaRPr lang="zh-TW" altLang="en-US" dirty="0"/>
-          </a:p>
-        </p:txBody>
-      </p:sp>
-      <p:sp>
-        <p:nvSpPr>
-          <p:cNvPr id="5" name="內容版面配置區 4"/>
-          <p:cNvSpPr>
-            <a:spLocks noGrp="1"/>
-          </p:cNvSpPr>
-          <p:nvPr>
-            <p:ph idx="1"/>
-          </p:nvPr>
-        </p:nvSpPr>
-        <p:spPr/>
-        <p:txBody>
           <a:bodyPr>
             <a:normAutofit/>
           </a:bodyPr>
           <a:lstStyle/>
           <a:p>
+            <a:r>
+              <a:rPr lang="zh-CN" altLang="en-US" sz="4800" b="1" dirty="0">
+                <a:latin typeface="Microsoft JhengHei" panose="020B0604030504040204" pitchFamily="34" charset="-120"/>
+                <a:ea typeface="Microsoft JhengHei" panose="020B0604030504040204" pitchFamily="34" charset="-120"/>
+              </a:rPr>
+              <a:t>耶穌明白</a:t>
+            </a:r>
+            <a:endParaRPr lang="zh-TW" altLang="en-US" sz="4800" b="1" dirty="0">
+              <a:latin typeface="Microsoft JhengHei" panose="020B0604030504040204" pitchFamily="34" charset="-120"/>
+              <a:ea typeface="Microsoft JhengHei" panose="020B0604030504040204" pitchFamily="34" charset="-120"/>
+            </a:endParaRPr>
+          </a:p>
+        </p:txBody>
+      </p:sp>
+      <p:sp>
+        <p:nvSpPr>
+          <p:cNvPr id="5" name="內容版面配置區 4"/>
+          <p:cNvSpPr>
+            <a:spLocks noGrp="1"/>
+          </p:cNvSpPr>
+          <p:nvPr>
+            <p:ph idx="1"/>
+          </p:nvPr>
+        </p:nvSpPr>
+        <p:spPr/>
+        <p:txBody>
+          <a:bodyPr>
+            <a:normAutofit/>
+          </a:bodyPr>
+          <a:lstStyle/>
+          <a:p>
             <a:pPr lvl="0" algn="ctr">
               <a:buNone/>
             </a:pPr>
             <a:r>
-              <a:rPr lang="zh-TW" altLang="en-US" sz="5400" dirty="0"/>
+              <a:rPr lang="zh-TW" altLang="en-US" sz="5400" b="1" dirty="0">
+                <a:latin typeface="Microsoft JhengHei" panose="020B0604030504040204" pitchFamily="34" charset="-120"/>
+                <a:ea typeface="Microsoft JhengHei" panose="020B0604030504040204" pitchFamily="34" charset="-120"/>
+              </a:rPr>
               <a:t>各等重擔 主最樂意為你背</a:t>
             </a:r>
           </a:p>
@@ -3683,26 +3586,27 @@
               <a:buNone/>
             </a:pPr>
             <a:r>
-              <a:rPr lang="zh-TW" altLang="en-US" sz="5400" dirty="0"/>
-              <a:t>你的憂愁疲倦耶穌肯</a:t>
-            </a:r>
-            <a:r>
-              <a:rPr lang="zh-TW" altLang="en-US" sz="5400" dirty="0" smtClean="0"/>
-              <a:t>安慰</a:t>
-            </a:r>
-            <a:endParaRPr lang="en-US" altLang="zh-TW" sz="5400" dirty="0" smtClean="0"/>
+              <a:rPr lang="zh-TW" altLang="en-US" sz="5400" b="1" dirty="0">
+                <a:latin typeface="Microsoft JhengHei" panose="020B0604030504040204" pitchFamily="34" charset="-120"/>
+                <a:ea typeface="Microsoft JhengHei" panose="020B0604030504040204" pitchFamily="34" charset="-120"/>
+              </a:rPr>
+              <a:t>你的憂愁疲倦耶穌肯安慰</a:t>
+            </a:r>
+            <a:endParaRPr lang="en-US" altLang="zh-TW" sz="5400" b="1" dirty="0">
+              <a:latin typeface="Microsoft JhengHei" panose="020B0604030504040204" pitchFamily="34" charset="-120"/>
+              <a:ea typeface="Microsoft JhengHei" panose="020B0604030504040204" pitchFamily="34" charset="-120"/>
+            </a:endParaRPr>
           </a:p>
           <a:p>
             <a:pPr algn="ctr">
               <a:buNone/>
             </a:pPr>
             <a:r>
-              <a:rPr lang="zh-TW" altLang="en-US" sz="5400" dirty="0" smtClean="0"/>
-              <a:t>行</a:t>
-            </a:r>
-            <a:r>
-              <a:rPr lang="zh-TW" altLang="en-US" sz="5400" dirty="0"/>
-              <a:t>路雖然艱難 主必能扶助</a:t>
+              <a:rPr lang="zh-TW" altLang="en-US" sz="5400" b="1" dirty="0">
+                <a:latin typeface="Microsoft JhengHei" panose="020B0604030504040204" pitchFamily="34" charset="-120"/>
+                <a:ea typeface="Microsoft JhengHei" panose="020B0604030504040204" pitchFamily="34" charset="-120"/>
+              </a:rPr>
+              <a:t>行路雖然艱難 主必能扶助</a:t>
             </a:r>
           </a:p>
           <a:p>
@@ -3710,7 +3614,10 @@
               <a:buNone/>
             </a:pPr>
             <a:r>
-              <a:rPr lang="zh-TW" altLang="en-US" sz="5400" dirty="0"/>
+              <a:rPr lang="zh-TW" altLang="en-US" sz="5400" b="1" dirty="0">
+                <a:latin typeface="Microsoft JhengHei" panose="020B0604030504040204" pitchFamily="34" charset="-120"/>
+                <a:ea typeface="Microsoft JhengHei" panose="020B0604030504040204" pitchFamily="34" charset="-120"/>
+              </a:rPr>
               <a:t>勇往疲倦遠客 耶穌是明白</a:t>
             </a:r>
           </a:p>
@@ -3760,14 +3667,22 @@
         </p:nvSpPr>
         <p:spPr/>
         <p:txBody>
-          <a:bodyPr/>
-          <a:lstStyle/>
-          <a:p>
-            <a:r>
-              <a:rPr lang="zh-CN" altLang="en-US" dirty="0" smtClean="0"/>
+          <a:bodyPr>
+            <a:normAutofit/>
+          </a:bodyPr>
+          <a:lstStyle/>
+          <a:p>
+            <a:r>
+              <a:rPr lang="zh-CN" altLang="en-US" sz="4800" b="1" dirty="0">
+                <a:latin typeface="Microsoft JhengHei" panose="020B0604030504040204" pitchFamily="34" charset="-120"/>
+                <a:ea typeface="Microsoft JhengHei" panose="020B0604030504040204" pitchFamily="34" charset="-120"/>
+              </a:rPr>
               <a:t>耶穌明白</a:t>
             </a:r>
-            <a:endParaRPr lang="zh-TW" altLang="en-US" dirty="0"/>
+            <a:endParaRPr lang="zh-TW" altLang="en-US" sz="4800" b="1" dirty="0">
+              <a:latin typeface="Microsoft JhengHei" panose="020B0604030504040204" pitchFamily="34" charset="-120"/>
+              <a:ea typeface="Microsoft JhengHei" panose="020B0604030504040204" pitchFamily="34" charset="-120"/>
+            </a:endParaRPr>
           </a:p>
         </p:txBody>
       </p:sp>
@@ -3783,7 +3698,7 @@
         </p:nvSpPr>
         <p:spPr>
           <a:xfrm>
-            <a:off x="457200" y="1600200"/>
+            <a:off x="1981200" y="1600200"/>
             <a:ext cx="8229600" cy="5257800"/>
           </a:xfrm>
         </p:spPr>
@@ -3797,20 +3712,25 @@
               <a:buNone/>
             </a:pPr>
             <a:r>
-              <a:rPr lang="zh-TW" altLang="en-US" sz="5400" dirty="0" smtClean="0"/>
+              <a:rPr lang="zh-TW" altLang="en-US" sz="5400" b="1" dirty="0">
+                <a:latin typeface="Microsoft JhengHei" panose="020B0604030504040204" pitchFamily="34" charset="-120"/>
+                <a:ea typeface="Microsoft JhengHei" panose="020B0604030504040204" pitchFamily="34" charset="-120"/>
+              </a:rPr>
               <a:t>是</a:t>
             </a:r>
             <a:r>
-              <a:rPr lang="zh-CN" altLang="en-US" sz="5400" dirty="0" smtClean="0"/>
-              <a:t>耶穌明白</a:t>
-            </a:r>
-            <a:r>
-              <a:rPr lang="zh-TW" altLang="en-US" sz="5400" dirty="0" smtClean="0"/>
-              <a:t>主</a:t>
-            </a:r>
-            <a:r>
-              <a:rPr lang="zh-TW" altLang="en-US" sz="5400" dirty="0"/>
-              <a:t>路是最善</a:t>
+              <a:rPr lang="zh-CN" altLang="en-US" sz="5400" b="1" dirty="0">
+                <a:latin typeface="Microsoft JhengHei" panose="020B0604030504040204" pitchFamily="34" charset="-120"/>
+                <a:ea typeface="Microsoft JhengHei" panose="020B0604030504040204" pitchFamily="34" charset="-120"/>
+              </a:rPr>
+              <a:t>耶穌明白  </a:t>
+            </a:r>
+            <a:r>
+              <a:rPr lang="zh-TW" altLang="en-US" sz="5400" b="1" dirty="0">
+                <a:latin typeface="Microsoft JhengHei" panose="020B0604030504040204" pitchFamily="34" charset="-120"/>
+                <a:ea typeface="Microsoft JhengHei" panose="020B0604030504040204" pitchFamily="34" charset="-120"/>
+              </a:rPr>
+              <a:t>主路是最善</a:t>
             </a:r>
           </a:p>
           <a:p>
@@ -3818,16 +3738,33 @@
               <a:buNone/>
             </a:pPr>
             <a:r>
-              <a:rPr lang="zh-TW" altLang="en-US" sz="5400" dirty="0"/>
-              <a:t>聽主來召你</a:t>
-            </a:r>
+              <a:rPr lang="zh-TW" altLang="en-US" sz="5400" b="1" dirty="0">
+                <a:latin typeface="Microsoft JhengHei" panose="020B0604030504040204" pitchFamily="34" charset="-120"/>
+                <a:ea typeface="Microsoft JhengHei" panose="020B0604030504040204" pitchFamily="34" charset="-120"/>
+              </a:rPr>
+              <a:t>聽主召你</a:t>
+            </a:r>
+            <a:r>
+              <a:rPr lang="zh-CN" altLang="en-US" sz="5400" b="1" dirty="0">
+                <a:latin typeface="Microsoft JhengHei" panose="020B0604030504040204" pitchFamily="34" charset="-120"/>
+                <a:ea typeface="Microsoft JhengHei" panose="020B0604030504040204" pitchFamily="34" charset="-120"/>
+              </a:rPr>
+              <a:t>說</a:t>
+            </a:r>
+            <a:endParaRPr lang="zh-TW" altLang="en-US" sz="5400" b="1" dirty="0">
+              <a:latin typeface="Microsoft JhengHei" panose="020B0604030504040204" pitchFamily="34" charset="-120"/>
+              <a:ea typeface="Microsoft JhengHei" panose="020B0604030504040204" pitchFamily="34" charset="-120"/>
+            </a:endParaRPr>
           </a:p>
           <a:p>
             <a:pPr algn="ctr">
               <a:buNone/>
             </a:pPr>
             <a:r>
-              <a:rPr lang="zh-TW" altLang="en-US" sz="5400" dirty="0"/>
+              <a:rPr lang="zh-TW" altLang="en-US" sz="5400" b="1" dirty="0">
+                <a:latin typeface="Microsoft JhengHei" panose="020B0604030504040204" pitchFamily="34" charset="-120"/>
+                <a:ea typeface="Microsoft JhengHei" panose="020B0604030504040204" pitchFamily="34" charset="-120"/>
+              </a:rPr>
               <a:t>來 就我得安</a:t>
             </a:r>
           </a:p>
@@ -3836,7 +3773,10 @@
               <a:buNone/>
             </a:pPr>
             <a:r>
-              <a:rPr lang="zh-TW" altLang="en-US" sz="5400" dirty="0"/>
+              <a:rPr lang="zh-TW" altLang="en-US" sz="5400" b="1" dirty="0">
+                <a:latin typeface="Microsoft JhengHei" panose="020B0604030504040204" pitchFamily="34" charset="-120"/>
+                <a:ea typeface="Microsoft JhengHei" panose="020B0604030504040204" pitchFamily="34" charset="-120"/>
+              </a:rPr>
               <a:t>前途或順 或逆 全交主手裏</a:t>
             </a:r>
           </a:p>
@@ -3845,8 +3785,25 @@
               <a:buNone/>
             </a:pPr>
             <a:r>
-              <a:rPr lang="zh-TW" altLang="en-US" sz="5400" dirty="0"/>
-              <a:t>或憂愁 或喜樂 耶穌是明白</a:t>
+              <a:rPr lang="zh-TW" altLang="en-US" sz="5400" b="1" dirty="0">
+                <a:latin typeface="Microsoft JhengHei" panose="020B0604030504040204" pitchFamily="34" charset="-120"/>
+                <a:ea typeface="Microsoft JhengHei" panose="020B0604030504040204" pitchFamily="34" charset="-120"/>
+              </a:rPr>
+              <a:t>或</a:t>
+            </a:r>
+            <a:r>
+              <a:rPr lang="zh-CN" altLang="en-US" sz="5400" b="1" dirty="0">
+                <a:latin typeface="Microsoft JhengHei" panose="020B0604030504040204" pitchFamily="34" charset="-120"/>
+                <a:ea typeface="Microsoft JhengHei" panose="020B0604030504040204" pitchFamily="34" charset="-120"/>
+              </a:rPr>
+              <a:t>者</a:t>
+            </a:r>
+            <a:r>
+              <a:rPr lang="zh-TW" altLang="en-US" sz="5400" b="1" dirty="0">
+                <a:latin typeface="Microsoft JhengHei" panose="020B0604030504040204" pitchFamily="34" charset="-120"/>
+                <a:ea typeface="Microsoft JhengHei" panose="020B0604030504040204" pitchFamily="34" charset="-120"/>
+              </a:rPr>
+              <a:t>憂愁 喜樂 耶穌是明白</a:t>
             </a:r>
           </a:p>
         </p:txBody>
@@ -3895,39 +3852,50 @@
         </p:nvSpPr>
         <p:spPr/>
         <p:txBody>
-          <a:bodyPr/>
-          <a:lstStyle/>
-          <a:p>
-            <a:r>
-              <a:rPr lang="zh-CN" altLang="en-US" dirty="0" smtClean="0"/>
-              <a:t>耶穌明白</a:t>
-            </a:r>
-            <a:endParaRPr lang="zh-TW" altLang="en-US" dirty="0"/>
-          </a:p>
-        </p:txBody>
-      </p:sp>
-      <p:sp>
-        <p:nvSpPr>
-          <p:cNvPr id="5" name="內容版面配置區 4"/>
-          <p:cNvSpPr>
-            <a:spLocks noGrp="1"/>
-          </p:cNvSpPr>
-          <p:nvPr>
-            <p:ph idx="1"/>
-          </p:nvPr>
-        </p:nvSpPr>
-        <p:spPr/>
-        <p:txBody>
           <a:bodyPr>
             <a:normAutofit/>
           </a:bodyPr>
           <a:lstStyle/>
           <a:p>
+            <a:r>
+              <a:rPr lang="zh-CN" altLang="en-US" sz="4800" b="1" dirty="0">
+                <a:latin typeface="Microsoft JhengHei" panose="020B0604030504040204" pitchFamily="34" charset="-120"/>
+                <a:ea typeface="Microsoft JhengHei" panose="020B0604030504040204" pitchFamily="34" charset="-120"/>
+              </a:rPr>
+              <a:t>耶穌明白</a:t>
+            </a:r>
+            <a:endParaRPr lang="zh-TW" altLang="en-US" sz="4800" b="1" dirty="0">
+              <a:latin typeface="Microsoft JhengHei" panose="020B0604030504040204" pitchFamily="34" charset="-120"/>
+              <a:ea typeface="Microsoft JhengHei" panose="020B0604030504040204" pitchFamily="34" charset="-120"/>
+            </a:endParaRPr>
+          </a:p>
+        </p:txBody>
+      </p:sp>
+      <p:sp>
+        <p:nvSpPr>
+          <p:cNvPr id="5" name="內容版面配置區 4"/>
+          <p:cNvSpPr>
+            <a:spLocks noGrp="1"/>
+          </p:cNvSpPr>
+          <p:nvPr>
+            <p:ph idx="1"/>
+          </p:nvPr>
+        </p:nvSpPr>
+        <p:spPr/>
+        <p:txBody>
+          <a:bodyPr>
+            <a:normAutofit/>
+          </a:bodyPr>
+          <a:lstStyle/>
+          <a:p>
             <a:pPr lvl="0" algn="ctr">
               <a:buNone/>
             </a:pPr>
             <a:r>
-              <a:rPr lang="zh-TW" altLang="en-US" sz="5400" dirty="0"/>
+              <a:rPr lang="zh-TW" altLang="en-US" sz="5400" b="1" dirty="0">
+                <a:latin typeface="Microsoft JhengHei" panose="020B0604030504040204" pitchFamily="34" charset="-120"/>
+                <a:ea typeface="Microsoft JhengHei" panose="020B0604030504040204" pitchFamily="34" charset="-120"/>
+              </a:rPr>
               <a:t>雖有試探臨到 耶穌肯擔當</a:t>
             </a:r>
           </a:p>
@@ -3936,26 +3904,27 @@
               <a:buNone/>
             </a:pPr>
             <a:r>
-              <a:rPr lang="zh-TW" altLang="en-US" sz="5400" dirty="0"/>
-              <a:t>一生所有煩惱主能代</a:t>
-            </a:r>
-            <a:r>
-              <a:rPr lang="zh-TW" altLang="en-US" sz="5400" dirty="0" smtClean="0"/>
-              <a:t>解放</a:t>
-            </a:r>
-            <a:endParaRPr lang="en-US" altLang="zh-TW" sz="5400" dirty="0" smtClean="0"/>
+              <a:rPr lang="zh-TW" altLang="en-US" sz="5400" b="1" dirty="0">
+                <a:latin typeface="Microsoft JhengHei" panose="020B0604030504040204" pitchFamily="34" charset="-120"/>
+                <a:ea typeface="Microsoft JhengHei" panose="020B0604030504040204" pitchFamily="34" charset="-120"/>
+              </a:rPr>
+              <a:t>一生所有煩惱主能代解放</a:t>
+            </a:r>
+            <a:endParaRPr lang="en-US" altLang="zh-TW" sz="5400" b="1" dirty="0">
+              <a:latin typeface="Microsoft JhengHei" panose="020B0604030504040204" pitchFamily="34" charset="-120"/>
+              <a:ea typeface="Microsoft JhengHei" panose="020B0604030504040204" pitchFamily="34" charset="-120"/>
+            </a:endParaRPr>
           </a:p>
           <a:p>
             <a:pPr algn="ctr">
               <a:buNone/>
             </a:pPr>
             <a:r>
-              <a:rPr lang="zh-TW" altLang="en-US" sz="5400" dirty="0" smtClean="0"/>
-              <a:t>事</a:t>
-            </a:r>
-            <a:r>
-              <a:rPr lang="zh-TW" altLang="en-US" sz="5400" dirty="0"/>
-              <a:t>之大小 繁難 全交主手裏</a:t>
+              <a:rPr lang="zh-TW" altLang="en-US" sz="5400" b="1" dirty="0">
+                <a:latin typeface="Microsoft JhengHei" panose="020B0604030504040204" pitchFamily="34" charset="-120"/>
+                <a:ea typeface="Microsoft JhengHei" panose="020B0604030504040204" pitchFamily="34" charset="-120"/>
+              </a:rPr>
+              <a:t>事之大小 繁難 全交主手裏</a:t>
             </a:r>
           </a:p>
           <a:p>
@@ -3963,7 +3932,10 @@
               <a:buNone/>
             </a:pPr>
             <a:r>
-              <a:rPr lang="zh-TW" altLang="en-US" sz="5400" dirty="0"/>
+              <a:rPr lang="zh-TW" altLang="en-US" sz="5400" b="1" dirty="0">
+                <a:latin typeface="Microsoft JhengHei" panose="020B0604030504040204" pitchFamily="34" charset="-120"/>
+                <a:ea typeface="Microsoft JhengHei" panose="020B0604030504040204" pitchFamily="34" charset="-120"/>
+              </a:rPr>
               <a:t>毋疑惑 毋詰問 耶穌是明白</a:t>
             </a:r>
           </a:p>
@@ -4013,14 +3985,22 @@
         </p:nvSpPr>
         <p:spPr/>
         <p:txBody>
-          <a:bodyPr/>
-          <a:lstStyle/>
-          <a:p>
-            <a:r>
-              <a:rPr lang="zh-CN" altLang="en-US" dirty="0" smtClean="0"/>
+          <a:bodyPr>
+            <a:normAutofit/>
+          </a:bodyPr>
+          <a:lstStyle/>
+          <a:p>
+            <a:r>
+              <a:rPr lang="zh-CN" altLang="en-US" sz="4800" b="1" dirty="0">
+                <a:latin typeface="Microsoft JhengHei" panose="020B0604030504040204" pitchFamily="34" charset="-120"/>
+                <a:ea typeface="Microsoft JhengHei" panose="020B0604030504040204" pitchFamily="34" charset="-120"/>
+              </a:rPr>
               <a:t>耶穌明白</a:t>
             </a:r>
-            <a:endParaRPr lang="zh-TW" altLang="en-US" dirty="0"/>
+            <a:endParaRPr lang="zh-TW" altLang="en-US" sz="4800" b="1" dirty="0">
+              <a:latin typeface="Microsoft JhengHei" panose="020B0604030504040204" pitchFamily="34" charset="-120"/>
+              <a:ea typeface="Microsoft JhengHei" panose="020B0604030504040204" pitchFamily="34" charset="-120"/>
+            </a:endParaRPr>
           </a:p>
         </p:txBody>
       </p:sp>
@@ -4036,7 +4016,7 @@
         </p:nvSpPr>
         <p:spPr>
           <a:xfrm>
-            <a:off x="457200" y="1600200"/>
+            <a:off x="1981200" y="1600200"/>
             <a:ext cx="8229600" cy="5257800"/>
           </a:xfrm>
         </p:spPr>
@@ -4050,20 +4030,25 @@
               <a:buNone/>
             </a:pPr>
             <a:r>
-              <a:rPr lang="zh-TW" altLang="en-US" sz="5400" dirty="0" smtClean="0"/>
+              <a:rPr lang="zh-TW" altLang="en-US" sz="5400" b="1" dirty="0">
+                <a:latin typeface="Microsoft JhengHei" panose="020B0604030504040204" pitchFamily="34" charset="-120"/>
+                <a:ea typeface="Microsoft JhengHei" panose="020B0604030504040204" pitchFamily="34" charset="-120"/>
+              </a:rPr>
               <a:t>是</a:t>
             </a:r>
             <a:r>
-              <a:rPr lang="zh-CN" altLang="en-US" sz="5400" dirty="0" smtClean="0"/>
-              <a:t>耶穌明白</a:t>
-            </a:r>
-            <a:r>
-              <a:rPr lang="zh-TW" altLang="en-US" sz="5400" dirty="0" smtClean="0"/>
-              <a:t>主</a:t>
-            </a:r>
-            <a:r>
-              <a:rPr lang="zh-TW" altLang="en-US" sz="5400" dirty="0"/>
-              <a:t>路是最善</a:t>
+              <a:rPr lang="zh-CN" altLang="en-US" sz="5400" b="1" dirty="0">
+                <a:latin typeface="Microsoft JhengHei" panose="020B0604030504040204" pitchFamily="34" charset="-120"/>
+                <a:ea typeface="Microsoft JhengHei" panose="020B0604030504040204" pitchFamily="34" charset="-120"/>
+              </a:rPr>
+              <a:t>耶穌明白  </a:t>
+            </a:r>
+            <a:r>
+              <a:rPr lang="zh-TW" altLang="en-US" sz="5400" b="1" dirty="0">
+                <a:latin typeface="Microsoft JhengHei" panose="020B0604030504040204" pitchFamily="34" charset="-120"/>
+                <a:ea typeface="Microsoft JhengHei" panose="020B0604030504040204" pitchFamily="34" charset="-120"/>
+              </a:rPr>
+              <a:t>主路是最善</a:t>
             </a:r>
           </a:p>
           <a:p>
@@ -4071,16 +4056,33 @@
               <a:buNone/>
             </a:pPr>
             <a:r>
-              <a:rPr lang="zh-TW" altLang="en-US" sz="5400" dirty="0"/>
-              <a:t>聽主來召你</a:t>
-            </a:r>
+              <a:rPr lang="zh-TW" altLang="en-US" sz="5400" b="1" dirty="0">
+                <a:latin typeface="Microsoft JhengHei" panose="020B0604030504040204" pitchFamily="34" charset="-120"/>
+                <a:ea typeface="Microsoft JhengHei" panose="020B0604030504040204" pitchFamily="34" charset="-120"/>
+              </a:rPr>
+              <a:t>聽主召你</a:t>
+            </a:r>
+            <a:r>
+              <a:rPr lang="zh-CN" altLang="en-US" sz="5400" b="1" dirty="0">
+                <a:latin typeface="Microsoft JhengHei" panose="020B0604030504040204" pitchFamily="34" charset="-120"/>
+                <a:ea typeface="Microsoft JhengHei" panose="020B0604030504040204" pitchFamily="34" charset="-120"/>
+              </a:rPr>
+              <a:t>說</a:t>
+            </a:r>
+            <a:endParaRPr lang="zh-TW" altLang="en-US" sz="5400" b="1" dirty="0">
+              <a:latin typeface="Microsoft JhengHei" panose="020B0604030504040204" pitchFamily="34" charset="-120"/>
+              <a:ea typeface="Microsoft JhengHei" panose="020B0604030504040204" pitchFamily="34" charset="-120"/>
+            </a:endParaRPr>
           </a:p>
           <a:p>
             <a:pPr algn="ctr">
               <a:buNone/>
             </a:pPr>
             <a:r>
-              <a:rPr lang="zh-TW" altLang="en-US" sz="5400" dirty="0"/>
+              <a:rPr lang="zh-TW" altLang="en-US" sz="5400" b="1" dirty="0">
+                <a:latin typeface="Microsoft JhengHei" panose="020B0604030504040204" pitchFamily="34" charset="-120"/>
+                <a:ea typeface="Microsoft JhengHei" panose="020B0604030504040204" pitchFamily="34" charset="-120"/>
+              </a:rPr>
               <a:t>來 就我得安</a:t>
             </a:r>
           </a:p>
@@ -4089,7 +4091,10 @@
               <a:buNone/>
             </a:pPr>
             <a:r>
-              <a:rPr lang="zh-TW" altLang="en-US" sz="5400" dirty="0"/>
+              <a:rPr lang="zh-TW" altLang="en-US" sz="5400" b="1" dirty="0">
+                <a:latin typeface="Microsoft JhengHei" panose="020B0604030504040204" pitchFamily="34" charset="-120"/>
+                <a:ea typeface="Microsoft JhengHei" panose="020B0604030504040204" pitchFamily="34" charset="-120"/>
+              </a:rPr>
               <a:t>前途或順 或逆 全交主手裏</a:t>
             </a:r>
           </a:p>
@@ -4098,8 +4103,25 @@
               <a:buNone/>
             </a:pPr>
             <a:r>
-              <a:rPr lang="zh-TW" altLang="en-US" sz="5400" dirty="0"/>
-              <a:t>或憂愁 或喜樂 耶穌是明白</a:t>
+              <a:rPr lang="zh-TW" altLang="en-US" sz="5400" b="1" dirty="0">
+                <a:latin typeface="Microsoft JhengHei" panose="020B0604030504040204" pitchFamily="34" charset="-120"/>
+                <a:ea typeface="Microsoft JhengHei" panose="020B0604030504040204" pitchFamily="34" charset="-120"/>
+              </a:rPr>
+              <a:t>或</a:t>
+            </a:r>
+            <a:r>
+              <a:rPr lang="zh-CN" altLang="en-US" sz="5400" b="1" dirty="0">
+                <a:latin typeface="Microsoft JhengHei" panose="020B0604030504040204" pitchFamily="34" charset="-120"/>
+                <a:ea typeface="Microsoft JhengHei" panose="020B0604030504040204" pitchFamily="34" charset="-120"/>
+              </a:rPr>
+              <a:t>者</a:t>
+            </a:r>
+            <a:r>
+              <a:rPr lang="zh-TW" altLang="en-US" sz="5400" b="1" dirty="0">
+                <a:latin typeface="Microsoft JhengHei" panose="020B0604030504040204" pitchFamily="34" charset="-120"/>
+                <a:ea typeface="Microsoft JhengHei" panose="020B0604030504040204" pitchFamily="34" charset="-120"/>
+              </a:rPr>
+              <a:t>憂愁 喜樂 耶穌是明白</a:t>
             </a:r>
           </a:p>
         </p:txBody>
@@ -4141,39 +4163,50 @@
         </p:nvSpPr>
         <p:spPr/>
         <p:txBody>
-          <a:bodyPr/>
-          <a:lstStyle/>
-          <a:p>
-            <a:r>
-              <a:rPr lang="zh-CN" altLang="en-US" dirty="0" smtClean="0"/>
-              <a:t>耶穌明白</a:t>
-            </a:r>
-            <a:endParaRPr lang="zh-TW" altLang="en-US" dirty="0"/>
-          </a:p>
-        </p:txBody>
-      </p:sp>
-      <p:sp>
-        <p:nvSpPr>
-          <p:cNvPr id="5" name="內容版面配置區 4"/>
-          <p:cNvSpPr>
-            <a:spLocks noGrp="1"/>
-          </p:cNvSpPr>
-          <p:nvPr>
-            <p:ph idx="1"/>
-          </p:nvPr>
-        </p:nvSpPr>
-        <p:spPr/>
-        <p:txBody>
           <a:bodyPr>
             <a:normAutofit/>
           </a:bodyPr>
           <a:lstStyle/>
           <a:p>
+            <a:r>
+              <a:rPr lang="zh-CN" altLang="en-US" sz="4800" b="1" dirty="0">
+                <a:latin typeface="Microsoft JhengHei" panose="020B0604030504040204" pitchFamily="34" charset="-120"/>
+                <a:ea typeface="Microsoft JhengHei" panose="020B0604030504040204" pitchFamily="34" charset="-120"/>
+              </a:rPr>
+              <a:t>耶穌明白</a:t>
+            </a:r>
+            <a:endParaRPr lang="zh-TW" altLang="en-US" sz="4800" b="1" dirty="0">
+              <a:latin typeface="Microsoft JhengHei" panose="020B0604030504040204" pitchFamily="34" charset="-120"/>
+              <a:ea typeface="Microsoft JhengHei" panose="020B0604030504040204" pitchFamily="34" charset="-120"/>
+            </a:endParaRPr>
+          </a:p>
+        </p:txBody>
+      </p:sp>
+      <p:sp>
+        <p:nvSpPr>
+          <p:cNvPr id="5" name="內容版面配置區 4"/>
+          <p:cNvSpPr>
+            <a:spLocks noGrp="1"/>
+          </p:cNvSpPr>
+          <p:nvPr>
+            <p:ph idx="1"/>
+          </p:nvPr>
+        </p:nvSpPr>
+        <p:spPr/>
+        <p:txBody>
+          <a:bodyPr>
+            <a:normAutofit/>
+          </a:bodyPr>
+          <a:lstStyle/>
+          <a:p>
             <a:pPr lvl="0" algn="ctr">
               <a:buNone/>
             </a:pPr>
             <a:r>
-              <a:rPr lang="zh-TW" altLang="en-US" sz="5400" dirty="0"/>
+              <a:rPr lang="zh-TW" altLang="en-US" sz="5400" b="1" dirty="0">
+                <a:latin typeface="Microsoft JhengHei" panose="020B0604030504040204" pitchFamily="34" charset="-120"/>
+                <a:ea typeface="Microsoft JhengHei" panose="020B0604030504040204" pitchFamily="34" charset="-120"/>
+              </a:rPr>
               <a:t>疲倦人主召你來 可以得安</a:t>
             </a:r>
           </a:p>
@@ -4182,26 +4215,27 @@
               <a:buNone/>
             </a:pPr>
             <a:r>
-              <a:rPr lang="zh-TW" altLang="en-US" sz="5400" dirty="0"/>
-              <a:t>路雖崎嶇不平 主必會</a:t>
-            </a:r>
-            <a:r>
-              <a:rPr lang="zh-TW" altLang="en-US" sz="5400" dirty="0" smtClean="0"/>
-              <a:t>同伴</a:t>
-            </a:r>
-            <a:endParaRPr lang="en-US" altLang="zh-TW" sz="5400" dirty="0" smtClean="0"/>
+              <a:rPr lang="zh-TW" altLang="en-US" sz="5400" b="1" dirty="0">
+                <a:latin typeface="Microsoft JhengHei" panose="020B0604030504040204" pitchFamily="34" charset="-120"/>
+                <a:ea typeface="Microsoft JhengHei" panose="020B0604030504040204" pitchFamily="34" charset="-120"/>
+              </a:rPr>
+              <a:t>路雖崎嶇不平 主必會同伴</a:t>
+            </a:r>
+            <a:endParaRPr lang="en-US" altLang="zh-TW" sz="5400" b="1" dirty="0">
+              <a:latin typeface="Microsoft JhengHei" panose="020B0604030504040204" pitchFamily="34" charset="-120"/>
+              <a:ea typeface="Microsoft JhengHei" panose="020B0604030504040204" pitchFamily="34" charset="-120"/>
+            </a:endParaRPr>
           </a:p>
           <a:p>
             <a:pPr algn="ctr">
               <a:buNone/>
             </a:pPr>
             <a:r>
-              <a:rPr lang="zh-TW" altLang="en-US" sz="5400" dirty="0" smtClean="0"/>
-              <a:t>前途</a:t>
-            </a:r>
-            <a:r>
-              <a:rPr lang="zh-TW" altLang="en-US" sz="5400" dirty="0"/>
-              <a:t>或順 或逆 全交主手裏</a:t>
+              <a:rPr lang="zh-TW" altLang="en-US" sz="5400" b="1" dirty="0">
+                <a:latin typeface="Microsoft JhengHei" panose="020B0604030504040204" pitchFamily="34" charset="-120"/>
+                <a:ea typeface="Microsoft JhengHei" panose="020B0604030504040204" pitchFamily="34" charset="-120"/>
+              </a:rPr>
+              <a:t>前途或順 或逆 全交主手裏</a:t>
             </a:r>
           </a:p>
           <a:p>
@@ -4209,7 +4243,10 @@
               <a:buNone/>
             </a:pPr>
             <a:r>
-              <a:rPr lang="zh-TW" altLang="en-US" sz="5400" dirty="0"/>
+              <a:rPr lang="zh-TW" altLang="en-US" sz="5400" b="1" dirty="0">
+                <a:latin typeface="Microsoft JhengHei" panose="020B0604030504040204" pitchFamily="34" charset="-120"/>
+                <a:ea typeface="Microsoft JhengHei" panose="020B0604030504040204" pitchFamily="34" charset="-120"/>
+              </a:rPr>
               <a:t>或憂愁 或喜樂 耶穌是明白</a:t>
             </a:r>
           </a:p>
@@ -4252,14 +4289,22 @@
         </p:nvSpPr>
         <p:spPr/>
         <p:txBody>
-          <a:bodyPr/>
-          <a:lstStyle/>
-          <a:p>
-            <a:r>
-              <a:rPr lang="zh-CN" altLang="en-US" dirty="0" smtClean="0"/>
+          <a:bodyPr>
+            <a:normAutofit/>
+          </a:bodyPr>
+          <a:lstStyle/>
+          <a:p>
+            <a:r>
+              <a:rPr lang="zh-CN" altLang="en-US" sz="4800" b="1" dirty="0">
+                <a:latin typeface="Microsoft JhengHei" panose="020B0604030504040204" pitchFamily="34" charset="-120"/>
+                <a:ea typeface="Microsoft JhengHei" panose="020B0604030504040204" pitchFamily="34" charset="-120"/>
+              </a:rPr>
               <a:t>耶穌明白</a:t>
             </a:r>
-            <a:endParaRPr lang="zh-TW" altLang="en-US" dirty="0"/>
+            <a:endParaRPr lang="zh-TW" altLang="en-US" sz="4800" b="1" dirty="0">
+              <a:latin typeface="Microsoft JhengHei" panose="020B0604030504040204" pitchFamily="34" charset="-120"/>
+              <a:ea typeface="Microsoft JhengHei" panose="020B0604030504040204" pitchFamily="34" charset="-120"/>
+            </a:endParaRPr>
           </a:p>
         </p:txBody>
       </p:sp>
@@ -4275,7 +4320,7 @@
         </p:nvSpPr>
         <p:spPr>
           <a:xfrm>
-            <a:off x="457200" y="1600200"/>
+            <a:off x="1981200" y="1600200"/>
             <a:ext cx="8229600" cy="5257800"/>
           </a:xfrm>
         </p:spPr>
@@ -4289,20 +4334,25 @@
               <a:buNone/>
             </a:pPr>
             <a:r>
-              <a:rPr lang="zh-TW" altLang="en-US" sz="5400" dirty="0" smtClean="0"/>
+              <a:rPr lang="zh-TW" altLang="en-US" sz="5400" b="1" dirty="0">
+                <a:latin typeface="Microsoft JhengHei" panose="020B0604030504040204" pitchFamily="34" charset="-120"/>
+                <a:ea typeface="Microsoft JhengHei" panose="020B0604030504040204" pitchFamily="34" charset="-120"/>
+              </a:rPr>
               <a:t>是</a:t>
             </a:r>
             <a:r>
-              <a:rPr lang="zh-CN" altLang="en-US" sz="5400" dirty="0" smtClean="0"/>
-              <a:t>耶穌明白</a:t>
-            </a:r>
-            <a:r>
-              <a:rPr lang="zh-TW" altLang="en-US" sz="5400" dirty="0" smtClean="0"/>
-              <a:t>主</a:t>
-            </a:r>
-            <a:r>
-              <a:rPr lang="zh-TW" altLang="en-US" sz="5400" dirty="0"/>
-              <a:t>路是最善</a:t>
+              <a:rPr lang="zh-CN" altLang="en-US" sz="5400" b="1" dirty="0">
+                <a:latin typeface="Microsoft JhengHei" panose="020B0604030504040204" pitchFamily="34" charset="-120"/>
+                <a:ea typeface="Microsoft JhengHei" panose="020B0604030504040204" pitchFamily="34" charset="-120"/>
+              </a:rPr>
+              <a:t>耶穌明白  </a:t>
+            </a:r>
+            <a:r>
+              <a:rPr lang="zh-TW" altLang="en-US" sz="5400" b="1" dirty="0">
+                <a:latin typeface="Microsoft JhengHei" panose="020B0604030504040204" pitchFamily="34" charset="-120"/>
+                <a:ea typeface="Microsoft JhengHei" panose="020B0604030504040204" pitchFamily="34" charset="-120"/>
+              </a:rPr>
+              <a:t>主路是最善</a:t>
             </a:r>
           </a:p>
           <a:p>
@@ -4310,16 +4360,33 @@
               <a:buNone/>
             </a:pPr>
             <a:r>
-              <a:rPr lang="zh-TW" altLang="en-US" sz="5400" dirty="0"/>
-              <a:t>聽主來召你</a:t>
-            </a:r>
+              <a:rPr lang="zh-TW" altLang="en-US" sz="5400" b="1" dirty="0">
+                <a:latin typeface="Microsoft JhengHei" panose="020B0604030504040204" pitchFamily="34" charset="-120"/>
+                <a:ea typeface="Microsoft JhengHei" panose="020B0604030504040204" pitchFamily="34" charset="-120"/>
+              </a:rPr>
+              <a:t>聽主召你</a:t>
+            </a:r>
+            <a:r>
+              <a:rPr lang="zh-CN" altLang="en-US" sz="5400" b="1" dirty="0">
+                <a:latin typeface="Microsoft JhengHei" panose="020B0604030504040204" pitchFamily="34" charset="-120"/>
+                <a:ea typeface="Microsoft JhengHei" panose="020B0604030504040204" pitchFamily="34" charset="-120"/>
+              </a:rPr>
+              <a:t>說</a:t>
+            </a:r>
+            <a:endParaRPr lang="zh-TW" altLang="en-US" sz="5400" b="1" dirty="0">
+              <a:latin typeface="Microsoft JhengHei" panose="020B0604030504040204" pitchFamily="34" charset="-120"/>
+              <a:ea typeface="Microsoft JhengHei" panose="020B0604030504040204" pitchFamily="34" charset="-120"/>
+            </a:endParaRPr>
           </a:p>
           <a:p>
             <a:pPr algn="ctr">
               <a:buNone/>
             </a:pPr>
             <a:r>
-              <a:rPr lang="zh-TW" altLang="en-US" sz="5400" dirty="0"/>
+              <a:rPr lang="zh-TW" altLang="en-US" sz="5400" b="1" dirty="0">
+                <a:latin typeface="Microsoft JhengHei" panose="020B0604030504040204" pitchFamily="34" charset="-120"/>
+                <a:ea typeface="Microsoft JhengHei" panose="020B0604030504040204" pitchFamily="34" charset="-120"/>
+              </a:rPr>
               <a:t>來 就我得安</a:t>
             </a:r>
           </a:p>
@@ -4328,7 +4395,10 @@
               <a:buNone/>
             </a:pPr>
             <a:r>
-              <a:rPr lang="zh-TW" altLang="en-US" sz="5400" dirty="0"/>
+              <a:rPr lang="zh-TW" altLang="en-US" sz="5400" b="1" dirty="0">
+                <a:latin typeface="Microsoft JhengHei" panose="020B0604030504040204" pitchFamily="34" charset="-120"/>
+                <a:ea typeface="Microsoft JhengHei" panose="020B0604030504040204" pitchFamily="34" charset="-120"/>
+              </a:rPr>
               <a:t>前途或順 或逆 全交主手裏</a:t>
             </a:r>
           </a:p>
@@ -4337,8 +4407,25 @@
               <a:buNone/>
             </a:pPr>
             <a:r>
-              <a:rPr lang="zh-TW" altLang="en-US" sz="5400" dirty="0"/>
-              <a:t>或憂愁 或喜樂 耶穌是明白</a:t>
+              <a:rPr lang="zh-TW" altLang="en-US" sz="5400" b="1" dirty="0">
+                <a:latin typeface="Microsoft JhengHei" panose="020B0604030504040204" pitchFamily="34" charset="-120"/>
+                <a:ea typeface="Microsoft JhengHei" panose="020B0604030504040204" pitchFamily="34" charset="-120"/>
+              </a:rPr>
+              <a:t>或</a:t>
+            </a:r>
+            <a:r>
+              <a:rPr lang="zh-CN" altLang="en-US" sz="5400" b="1" dirty="0">
+                <a:latin typeface="Microsoft JhengHei" panose="020B0604030504040204" pitchFamily="34" charset="-120"/>
+                <a:ea typeface="Microsoft JhengHei" panose="020B0604030504040204" pitchFamily="34" charset="-120"/>
+              </a:rPr>
+              <a:t>者</a:t>
+            </a:r>
+            <a:r>
+              <a:rPr lang="zh-TW" altLang="en-US" sz="5400" b="1" dirty="0">
+                <a:latin typeface="Microsoft JhengHei" panose="020B0604030504040204" pitchFamily="34" charset="-120"/>
+                <a:ea typeface="Microsoft JhengHei" panose="020B0604030504040204" pitchFamily="34" charset="-120"/>
+              </a:rPr>
+              <a:t>憂愁 喜樂 耶穌是明白</a:t>
             </a:r>
           </a:p>
         </p:txBody>
@@ -4352,7 +4439,7 @@
 </file>
 
 <file path=ppt/theme/theme1.xml><?xml version="1.0" encoding="utf-8"?>
-<a:theme xmlns:a="http://schemas.openxmlformats.org/drawingml/2006/main" name="佈景主題6">
+<a:theme xmlns:a="http://schemas.openxmlformats.org/drawingml/2006/main" name="Theme1">
   <a:themeElements>
     <a:clrScheme name="Office">
       <a:dk1>
@@ -4631,5 +4718,10 @@
   </a:themeElements>
   <a:objectDefaults/>
   <a:extraClrSchemeLst/>
+  <a:extLst>
+    <a:ext uri="{05A4C25C-085E-4340-85A3-A5531E510DB2}">
+      <thm15:themeFamily xmlns:thm15="http://schemas.microsoft.com/office/thememl/2012/main" name="Theme1" id="{AFC7C034-021A-479F-A5B0-F4AE2AC2A6F8}" vid="{E4B01A5C-7C0B-4AB8-8973-047186F18E30}"/>
+    </a:ext>
+  </a:extLst>
 </a:theme>
 </file>
--- a/宣道詩/(宣道詩230)耶穌明白.pptx
+++ b/宣道詩/(宣道詩230)耶穌明白.pptx
@@ -6,13 +6,22 @@
   </p:sldMasterIdLst>
   <p:sldIdLst>
     <p:sldId id="256" r:id="rId2"/>
-    <p:sldId id="261" r:id="rId3"/>
-    <p:sldId id="257" r:id="rId4"/>
-    <p:sldId id="262" r:id="rId5"/>
-    <p:sldId id="258" r:id="rId6"/>
-    <p:sldId id="263" r:id="rId7"/>
-    <p:sldId id="259" r:id="rId8"/>
-    <p:sldId id="260" r:id="rId9"/>
+    <p:sldId id="257" r:id="rId3"/>
+    <p:sldId id="258" r:id="rId4"/>
+    <p:sldId id="259" r:id="rId5"/>
+    <p:sldId id="260" r:id="rId6"/>
+    <p:sldId id="261" r:id="rId7"/>
+    <p:sldId id="262" r:id="rId8"/>
+    <p:sldId id="263" r:id="rId9"/>
+    <p:sldId id="264" r:id="rId10"/>
+    <p:sldId id="265" r:id="rId11"/>
+    <p:sldId id="266" r:id="rId12"/>
+    <p:sldId id="267" r:id="rId13"/>
+    <p:sldId id="268" r:id="rId14"/>
+    <p:sldId id="269" r:id="rId15"/>
+    <p:sldId id="270" r:id="rId16"/>
+    <p:sldId id="271" r:id="rId17"/>
+    <p:sldId id="272" r:id="rId18"/>
   </p:sldIdLst>
   <p:sldSz cx="12192000" cy="6858000"/>
   <p:notesSz cx="6858000" cy="9144000"/>
@@ -312,7 +321,7 @@
             <a:fld id="{F6AA2124-0E48-4C20-AF48-66096F66EEAF}" type="datetimeFigureOut">
               <a:rPr lang="zh-TW" altLang="en-US" smtClean="0"/>
               <a:pPr/>
-              <a:t>2020/7/18</a:t>
+              <a:t>2023/2/4</a:t>
             </a:fld>
             <a:endParaRPr lang="zh-TW" altLang="en-US"/>
           </a:p>
@@ -484,7 +493,7 @@
             <a:fld id="{F6AA2124-0E48-4C20-AF48-66096F66EEAF}" type="datetimeFigureOut">
               <a:rPr lang="zh-TW" altLang="en-US" smtClean="0"/>
               <a:pPr/>
-              <a:t>2020/7/18</a:t>
+              <a:t>2023/2/4</a:t>
             </a:fld>
             <a:endParaRPr lang="zh-TW" altLang="en-US"/>
           </a:p>
@@ -666,7 +675,7 @@
             <a:fld id="{F6AA2124-0E48-4C20-AF48-66096F66EEAF}" type="datetimeFigureOut">
               <a:rPr lang="zh-TW" altLang="en-US" smtClean="0"/>
               <a:pPr/>
-              <a:t>2020/7/18</a:t>
+              <a:t>2023/2/4</a:t>
             </a:fld>
             <a:endParaRPr lang="zh-TW" altLang="en-US"/>
           </a:p>
@@ -838,7 +847,7 @@
             <a:fld id="{F6AA2124-0E48-4C20-AF48-66096F66EEAF}" type="datetimeFigureOut">
               <a:rPr lang="zh-TW" altLang="en-US" smtClean="0"/>
               <a:pPr/>
-              <a:t>2020/7/18</a:t>
+              <a:t>2023/2/4</a:t>
             </a:fld>
             <a:endParaRPr lang="zh-TW" altLang="en-US"/>
           </a:p>
@@ -1086,7 +1095,7 @@
             <a:fld id="{F6AA2124-0E48-4C20-AF48-66096F66EEAF}" type="datetimeFigureOut">
               <a:rPr lang="zh-TW" altLang="en-US" smtClean="0"/>
               <a:pPr/>
-              <a:t>2020/7/18</a:t>
+              <a:t>2023/2/4</a:t>
             </a:fld>
             <a:endParaRPr lang="zh-TW" altLang="en-US"/>
           </a:p>
@@ -1376,7 +1385,7 @@
             <a:fld id="{F6AA2124-0E48-4C20-AF48-66096F66EEAF}" type="datetimeFigureOut">
               <a:rPr lang="zh-TW" altLang="en-US" smtClean="0"/>
               <a:pPr/>
-              <a:t>2020/7/18</a:t>
+              <a:t>2023/2/4</a:t>
             </a:fld>
             <a:endParaRPr lang="zh-TW" altLang="en-US"/>
           </a:p>
@@ -1800,7 +1809,7 @@
             <a:fld id="{F6AA2124-0E48-4C20-AF48-66096F66EEAF}" type="datetimeFigureOut">
               <a:rPr lang="zh-TW" altLang="en-US" smtClean="0"/>
               <a:pPr/>
-              <a:t>2020/7/18</a:t>
+              <a:t>2023/2/4</a:t>
             </a:fld>
             <a:endParaRPr lang="zh-TW" altLang="en-US"/>
           </a:p>
@@ -1920,7 +1929,7 @@
             <a:fld id="{F6AA2124-0E48-4C20-AF48-66096F66EEAF}" type="datetimeFigureOut">
               <a:rPr lang="zh-TW" altLang="en-US" smtClean="0"/>
               <a:pPr/>
-              <a:t>2020/7/18</a:t>
+              <a:t>2023/2/4</a:t>
             </a:fld>
             <a:endParaRPr lang="zh-TW" altLang="en-US"/>
           </a:p>
@@ -2017,7 +2026,7 @@
             <a:fld id="{F6AA2124-0E48-4C20-AF48-66096F66EEAF}" type="datetimeFigureOut">
               <a:rPr lang="zh-TW" altLang="en-US" smtClean="0"/>
               <a:pPr/>
-              <a:t>2020/7/18</a:t>
+              <a:t>2023/2/4</a:t>
             </a:fld>
             <a:endParaRPr lang="zh-TW" altLang="en-US"/>
           </a:p>
@@ -2296,7 +2305,7 @@
             <a:fld id="{F6AA2124-0E48-4C20-AF48-66096F66EEAF}" type="datetimeFigureOut">
               <a:rPr lang="zh-TW" altLang="en-US" smtClean="0"/>
               <a:pPr/>
-              <a:t>2020/7/18</a:t>
+              <a:t>2023/2/4</a:t>
             </a:fld>
             <a:endParaRPr lang="zh-TW" altLang="en-US"/>
           </a:p>
@@ -2555,7 +2564,7 @@
             <a:fld id="{F6AA2124-0E48-4C20-AF48-66096F66EEAF}" type="datetimeFigureOut">
               <a:rPr lang="zh-TW" altLang="en-US" smtClean="0"/>
               <a:pPr/>
-              <a:t>2020/7/18</a:t>
+              <a:t>2023/2/4</a:t>
             </a:fld>
             <a:endParaRPr lang="zh-TW" altLang="en-US"/>
           </a:p>
@@ -2775,7 +2784,7 @@
             <a:fld id="{F6AA2124-0E48-4C20-AF48-66096F66EEAF}" type="datetimeFigureOut">
               <a:rPr lang="zh-TW" altLang="en-US" smtClean="0"/>
               <a:pPr/>
-              <a:t>2020/7/18</a:t>
+              <a:t>2023/2/4</a:t>
             </a:fld>
             <a:endParaRPr lang="zh-TW" altLang="en-US"/>
           </a:p>
@@ -3161,127 +3170,1563 @@
             <p:ph type="title"/>
           </p:nvPr>
         </p:nvSpPr>
-        <p:spPr/>
+        <p:spPr>
+          <a:xfrm>
+            <a:off x="0" y="2660915"/>
+            <a:ext cx="12192000" cy="1143000"/>
+          </a:xfrm>
+        </p:spPr>
         <p:txBody>
           <a:bodyPr>
-            <a:normAutofit/>
+            <a:noAutofit/>
           </a:bodyPr>
           <a:lstStyle/>
           <a:p>
             <a:r>
-              <a:rPr lang="zh-CN" altLang="en-US" sz="4800" b="1" dirty="0" smtClean="0">
-                <a:latin typeface="Microsoft JhengHei" panose="020B0604030504040204" pitchFamily="34" charset="-120"/>
-                <a:ea typeface="Microsoft JhengHei" panose="020B0604030504040204" pitchFamily="34" charset="-120"/>
-              </a:rPr>
-              <a:t>耶穌明白</a:t>
-            </a:r>
-            <a:endParaRPr lang="zh-TW" altLang="en-US" sz="4800" b="1" dirty="0">
-              <a:latin typeface="Microsoft JhengHei" panose="020B0604030504040204" pitchFamily="34" charset="-120"/>
-              <a:ea typeface="Microsoft JhengHei" panose="020B0604030504040204" pitchFamily="34" charset="-120"/>
+              <a:rPr lang="zh-CN" altLang="en-US" sz="5333" b="1" u="sng" dirty="0">
+                <a:solidFill>
+                  <a:srgbClr val="000066"/>
+                </a:solidFill>
+                <a:effectLst>
+                  <a:outerShdw blurRad="38100" dist="38100" dir="2700000" algn="tl">
+                    <a:srgbClr val="000000">
+                      <a:alpha val="43137"/>
+                    </a:srgbClr>
+                  </a:outerShdw>
+                </a:effectLst>
+                <a:latin typeface="微軟正黑體" pitchFamily="34" charset="-120"/>
+                <a:ea typeface="微軟正黑體" pitchFamily="34" charset="-120"/>
+              </a:rPr>
+              <a:t>宣道詩 </a:t>
+            </a:r>
+            <a:r>
+              <a:rPr lang="en-US" altLang="zh-CN" sz="5333" b="1" u="sng" dirty="0">
+                <a:solidFill>
+                  <a:srgbClr val="000066"/>
+                </a:solidFill>
+                <a:effectLst>
+                  <a:outerShdw blurRad="38100" dist="38100" dir="2700000" algn="tl">
+                    <a:srgbClr val="000000">
+                      <a:alpha val="43137"/>
+                    </a:srgbClr>
+                  </a:outerShdw>
+                </a:effectLst>
+                <a:latin typeface="微軟正黑體" pitchFamily="34" charset="-120"/>
+                <a:ea typeface="微軟正黑體" pitchFamily="34" charset="-120"/>
+              </a:rPr>
+              <a:t>230</a:t>
+            </a:r>
+            <a:r>
+              <a:rPr lang="en-US" altLang="zh-CN" sz="7200" b="1" i="1" dirty="0">
+                <a:solidFill>
+                  <a:srgbClr val="660033"/>
+                </a:solidFill>
+                <a:effectLst>
+                  <a:outerShdw blurRad="38100" dist="38100" dir="2700000" algn="tl">
+                    <a:srgbClr val="000000">
+                      <a:alpha val="43137"/>
+                    </a:srgbClr>
+                  </a:outerShdw>
+                </a:effectLst>
+                <a:latin typeface="微軟正黑體" pitchFamily="34" charset="-120"/>
+                <a:ea typeface="微軟正黑體" pitchFamily="34" charset="-120"/>
+              </a:rPr>
+              <a:t/>
+            </a:r>
+            <a:br>
+              <a:rPr lang="en-US" altLang="zh-CN" sz="7200" b="1" i="1" dirty="0">
+                <a:solidFill>
+                  <a:srgbClr val="660033"/>
+                </a:solidFill>
+                <a:effectLst>
+                  <a:outerShdw blurRad="38100" dist="38100" dir="2700000" algn="tl">
+                    <a:srgbClr val="000000">
+                      <a:alpha val="43137"/>
+                    </a:srgbClr>
+                  </a:outerShdw>
+                </a:effectLst>
+                <a:latin typeface="微軟正黑體" pitchFamily="34" charset="-120"/>
+                <a:ea typeface="微軟正黑體" pitchFamily="34" charset="-120"/>
+              </a:rPr>
+            </a:br>
+            <a:r>
+              <a:rPr lang="zh-CN" altLang="en-US" sz="8000" b="1" dirty="0">
+                <a:solidFill>
+                  <a:srgbClr val="660033"/>
+                </a:solidFill>
+                <a:effectLst>
+                  <a:outerShdw blurRad="38100" dist="38100" dir="2700000" algn="tl">
+                    <a:srgbClr val="000000">
+                      <a:alpha val="43137"/>
+                    </a:srgbClr>
+                  </a:outerShdw>
+                </a:effectLst>
+                <a:latin typeface="微軟正黑體" pitchFamily="34" charset="-120"/>
+                <a:ea typeface="微軟正黑體" pitchFamily="34" charset="-120"/>
+              </a:rPr>
+              <a:t>耶</a:t>
+            </a:r>
+            <a:r>
+              <a:rPr lang="zh-CN" altLang="en-US" sz="8000" b="1" dirty="0">
+                <a:solidFill>
+                  <a:srgbClr val="660033"/>
+                </a:solidFill>
+                <a:effectLst>
+                  <a:outerShdw blurRad="38100" dist="38100" dir="2700000" algn="tl">
+                    <a:srgbClr val="000000">
+                      <a:alpha val="43137"/>
+                    </a:srgbClr>
+                  </a:outerShdw>
+                </a:effectLst>
+                <a:latin typeface="微軟正黑體" pitchFamily="34" charset="-120"/>
+                <a:ea typeface="微軟正黑體" pitchFamily="34" charset="-120"/>
+              </a:rPr>
+              <a:t>穌明白</a:t>
+            </a:r>
+            <a:endParaRPr lang="zh-TW" altLang="en-US" sz="8000" b="1" dirty="0">
+              <a:solidFill>
+                <a:srgbClr val="660033"/>
+              </a:solidFill>
+              <a:effectLst>
+                <a:outerShdw blurRad="38100" dist="38100" dir="2700000" algn="tl">
+                  <a:srgbClr val="000000">
+                    <a:alpha val="43137"/>
+                  </a:srgbClr>
+                </a:outerShdw>
+              </a:effectLst>
+              <a:latin typeface="微軟正黑體" pitchFamily="34" charset="-120"/>
+              <a:ea typeface="微軟正黑體" pitchFamily="34" charset="-120"/>
             </a:endParaRPr>
           </a:p>
         </p:txBody>
       </p:sp>
-      <p:sp>
-        <p:nvSpPr>
-          <p:cNvPr id="5" name="內容版面配置區 4"/>
-          <p:cNvSpPr>
-            <a:spLocks noGrp="1"/>
-          </p:cNvSpPr>
-          <p:nvPr>
-            <p:ph idx="1"/>
-          </p:nvPr>
-        </p:nvSpPr>
-        <p:spPr/>
-        <p:txBody>
-          <a:bodyPr>
-            <a:normAutofit/>
-          </a:bodyPr>
-          <a:lstStyle/>
-          <a:p>
-            <a:pPr lvl="0" algn="ctr">
-              <a:buNone/>
-            </a:pPr>
-            <a:r>
-              <a:rPr lang="zh-TW" altLang="en-US" sz="5400" b="1" dirty="0">
-                <a:latin typeface="Microsoft JhengHei" panose="020B0604030504040204" pitchFamily="34" charset="-120"/>
-                <a:ea typeface="Microsoft JhengHei" panose="020B0604030504040204" pitchFamily="34" charset="-120"/>
-              </a:rPr>
-              <a:t>放下你的重擔一分亦不存</a:t>
-            </a:r>
-          </a:p>
-          <a:p>
-            <a:pPr algn="ctr">
-              <a:buNone/>
-            </a:pPr>
-            <a:r>
-              <a:rPr lang="zh-TW" altLang="en-US" sz="5400" b="1" dirty="0">
-                <a:latin typeface="Microsoft JhengHei" panose="020B0604030504040204" pitchFamily="34" charset="-120"/>
-                <a:ea typeface="Microsoft JhengHei" panose="020B0604030504040204" pitchFamily="34" charset="-120"/>
-              </a:rPr>
-              <a:t>是否疲倦路中無人</a:t>
-            </a:r>
-            <a:r>
-              <a:rPr lang="zh-TW" altLang="en-US" sz="5400" b="1" dirty="0">
-                <a:latin typeface="Microsoft JhengHei" panose="020B0604030504040204" pitchFamily="34" charset="-120"/>
-                <a:ea typeface="Microsoft JhengHei" panose="020B0604030504040204" pitchFamily="34" charset="-120"/>
-              </a:rPr>
-              <a:t>施恩</a:t>
-            </a:r>
-            <a:endParaRPr lang="en-US" altLang="zh-TW" sz="5400" b="1" dirty="0">
-              <a:latin typeface="Microsoft JhengHei" panose="020B0604030504040204" pitchFamily="34" charset="-120"/>
-              <a:ea typeface="Microsoft JhengHei" panose="020B0604030504040204" pitchFamily="34" charset="-120"/>
-            </a:endParaRPr>
-          </a:p>
-          <a:p>
-            <a:pPr algn="ctr">
-              <a:buNone/>
-            </a:pPr>
-            <a:r>
-              <a:rPr lang="zh-TW" altLang="en-US" sz="5400" b="1" dirty="0">
-                <a:latin typeface="Microsoft JhengHei" panose="020B0604030504040204" pitchFamily="34" charset="-120"/>
-                <a:ea typeface="Microsoft JhengHei" panose="020B0604030504040204" pitchFamily="34" charset="-120"/>
-              </a:rPr>
-              <a:t>謹守</a:t>
-            </a:r>
-            <a:r>
-              <a:rPr lang="zh-TW" altLang="en-US" sz="5400" b="1" dirty="0">
-                <a:latin typeface="Microsoft JhengHei" panose="020B0604030504040204" pitchFamily="34" charset="-120"/>
-                <a:ea typeface="Microsoft JhengHei" panose="020B0604030504040204" pitchFamily="34" charset="-120"/>
-              </a:rPr>
-              <a:t>主的命令行走天路客</a:t>
-            </a:r>
-          </a:p>
-          <a:p>
-            <a:pPr algn="ctr">
-              <a:buNone/>
-            </a:pPr>
-            <a:r>
-              <a:rPr lang="zh-TW" altLang="en-US" sz="5400" b="1" dirty="0">
-                <a:latin typeface="Microsoft JhengHei" panose="020B0604030504040204" pitchFamily="34" charset="-120"/>
-                <a:ea typeface="Microsoft JhengHei" panose="020B0604030504040204" pitchFamily="34" charset="-120"/>
-              </a:rPr>
-              <a:t>你所遭遇一切 耶穌是</a:t>
-            </a:r>
-            <a:r>
-              <a:rPr lang="zh-TW" altLang="en-US" sz="5400" b="1" dirty="0">
-                <a:latin typeface="Microsoft JhengHei" panose="020B0604030504040204" pitchFamily="34" charset="-120"/>
-                <a:ea typeface="Microsoft JhengHei" panose="020B0604030504040204" pitchFamily="34" charset="-120"/>
-              </a:rPr>
-              <a:t>明白</a:t>
-            </a:r>
-            <a:endParaRPr lang="zh-TW" altLang="en-US" sz="5400" b="1" dirty="0">
-              <a:latin typeface="Microsoft JhengHei" panose="020B0604030504040204" pitchFamily="34" charset="-120"/>
-              <a:ea typeface="Microsoft JhengHei" panose="020B0604030504040204" pitchFamily="34" charset="-120"/>
-            </a:endParaRPr>
-          </a:p>
-        </p:txBody>
-      </p:sp>
     </p:spTree>
+    <p:extLst>
+      <p:ext uri="{BB962C8B-B14F-4D97-AF65-F5344CB8AC3E}">
+        <p14:creationId xmlns:p14="http://schemas.microsoft.com/office/powerpoint/2010/main" val="1306619252"/>
+      </p:ext>
+    </p:extLst>
   </p:cSld>
   <p:clrMapOvr>
     <a:masterClrMapping/>
   </p:clrMapOvr>
+  <p:timing>
+    <p:tnLst>
+      <p:par>
+        <p:cTn id="1" dur="indefinite" restart="never" nodeType="tmRoot"/>
+      </p:par>
+    </p:tnLst>
+  </p:timing>
+</p:sld>
+</file>
+
+<file path=ppt/slides/slide10.xml><?xml version="1.0" encoding="utf-8"?>
+<p:sld xmlns:a="http://schemas.openxmlformats.org/drawingml/2006/main" xmlns:r="http://schemas.openxmlformats.org/officeDocument/2006/relationships" xmlns:p="http://schemas.openxmlformats.org/presentationml/2006/main">
+  <p:cSld>
+    <p:spTree>
+      <p:nvGrpSpPr>
+        <p:cNvPr id="1" name=""/>
+        <p:cNvGrpSpPr/>
+        <p:nvPr/>
+      </p:nvGrpSpPr>
+      <p:grpSpPr>
+        <a:xfrm>
+          <a:off x="0" y="0"/>
+          <a:ext cx="0" cy="0"/>
+          <a:chOff x="0" y="0"/>
+          <a:chExt cx="0" cy="0"/>
+        </a:xfrm>
+      </p:grpSpPr>
+      <p:sp>
+        <p:nvSpPr>
+          <p:cNvPr id="5" name="內容版面配置區 4"/>
+          <p:cNvSpPr>
+            <a:spLocks noGrp="1"/>
+          </p:cNvSpPr>
+          <p:nvPr>
+            <p:ph idx="1"/>
+          </p:nvPr>
+        </p:nvSpPr>
+        <p:spPr>
+          <a:xfrm>
+            <a:off x="0" y="2084851"/>
+            <a:ext cx="12192000" cy="2404863"/>
+          </a:xfrm>
+        </p:spPr>
+        <p:txBody>
+          <a:bodyPr anchor="ctr">
+            <a:normAutofit/>
+          </a:bodyPr>
+          <a:lstStyle/>
+          <a:p>
+            <a:pPr lvl="0" algn="ctr">
+              <a:buNone/>
+            </a:pPr>
+            <a:r>
+              <a:rPr lang="zh-TW" altLang="en-US" sz="6400" b="1" dirty="0">
+                <a:solidFill>
+                  <a:srgbClr val="660033"/>
+                </a:solidFill>
+                <a:latin typeface="Microsoft JhengHei" pitchFamily="34" charset="-120"/>
+                <a:ea typeface="Microsoft JhengHei" pitchFamily="34" charset="-120"/>
+              </a:rPr>
+              <a:t>雖有試探臨到 </a:t>
+            </a:r>
+            <a:r>
+              <a:rPr lang="zh-TW" altLang="en-US" sz="6400" b="1" dirty="0">
+                <a:solidFill>
+                  <a:srgbClr val="660033"/>
+                </a:solidFill>
+                <a:latin typeface="Microsoft JhengHei" pitchFamily="34" charset="-120"/>
+                <a:ea typeface="Microsoft JhengHei" pitchFamily="34" charset="-120"/>
+              </a:rPr>
+              <a:t> 耶</a:t>
+            </a:r>
+            <a:r>
+              <a:rPr lang="zh-TW" altLang="en-US" sz="6400" b="1" dirty="0">
+                <a:solidFill>
+                  <a:srgbClr val="660033"/>
+                </a:solidFill>
+                <a:latin typeface="Microsoft JhengHei" pitchFamily="34" charset="-120"/>
+                <a:ea typeface="Microsoft JhengHei" pitchFamily="34" charset="-120"/>
+              </a:rPr>
+              <a:t>穌肯擔當</a:t>
+            </a:r>
+          </a:p>
+          <a:p>
+            <a:pPr algn="ctr">
+              <a:buNone/>
+            </a:pPr>
+            <a:r>
+              <a:rPr lang="zh-TW" altLang="en-US" sz="6400" b="1" dirty="0">
+                <a:solidFill>
+                  <a:srgbClr val="660033"/>
+                </a:solidFill>
+                <a:latin typeface="Microsoft JhengHei" pitchFamily="34" charset="-120"/>
+                <a:ea typeface="Microsoft JhengHei" pitchFamily="34" charset="-120"/>
+              </a:rPr>
+              <a:t>一生所有煩</a:t>
+            </a:r>
+            <a:r>
+              <a:rPr lang="zh-TW" altLang="en-US" sz="6400" b="1" dirty="0">
+                <a:solidFill>
+                  <a:srgbClr val="660033"/>
+                </a:solidFill>
+                <a:latin typeface="Microsoft JhengHei" pitchFamily="34" charset="-120"/>
+                <a:ea typeface="Microsoft JhengHei" pitchFamily="34" charset="-120"/>
+              </a:rPr>
+              <a:t>惱  主</a:t>
+            </a:r>
+            <a:r>
+              <a:rPr lang="zh-TW" altLang="en-US" sz="6400" b="1" dirty="0">
+                <a:solidFill>
+                  <a:srgbClr val="660033"/>
+                </a:solidFill>
+                <a:latin typeface="Microsoft JhengHei" pitchFamily="34" charset="-120"/>
+                <a:ea typeface="Microsoft JhengHei" pitchFamily="34" charset="-120"/>
+              </a:rPr>
+              <a:t>能代解放</a:t>
+            </a:r>
+            <a:endParaRPr lang="en-US" altLang="zh-TW" sz="6400" b="1" dirty="0">
+              <a:solidFill>
+                <a:srgbClr val="660033"/>
+              </a:solidFill>
+              <a:latin typeface="Microsoft JhengHei" pitchFamily="34" charset="-120"/>
+              <a:ea typeface="Microsoft JhengHei" pitchFamily="34" charset="-120"/>
+            </a:endParaRPr>
+          </a:p>
+        </p:txBody>
+      </p:sp>
+      <p:sp>
+        <p:nvSpPr>
+          <p:cNvPr id="3" name="TextBox 2"/>
+          <p:cNvSpPr txBox="1"/>
+          <p:nvPr/>
+        </p:nvSpPr>
+        <p:spPr>
+          <a:xfrm>
+            <a:off x="0" y="5061181"/>
+            <a:ext cx="12192000" cy="666786"/>
+          </a:xfrm>
+          <a:prstGeom prst="rect">
+            <a:avLst/>
+          </a:prstGeom>
+          <a:noFill/>
+        </p:spPr>
+        <p:txBody>
+          <a:bodyPr wrap="square" rtlCol="0">
+            <a:spAutoFit/>
+          </a:bodyPr>
+          <a:lstStyle/>
+          <a:p>
+            <a:pPr algn="ctr"/>
+            <a:r>
+              <a:rPr lang="en-US" sz="3733" b="1" dirty="0">
+                <a:solidFill>
+                  <a:srgbClr val="660033"/>
+                </a:solidFill>
+              </a:rPr>
+              <a:t>( 3 / 4 )</a:t>
+            </a:r>
+            <a:endParaRPr lang="vi-VN" sz="3733" b="1" dirty="0">
+              <a:solidFill>
+                <a:srgbClr val="660033"/>
+              </a:solidFill>
+            </a:endParaRPr>
+          </a:p>
+        </p:txBody>
+      </p:sp>
+    </p:spTree>
+    <p:extLst>
+      <p:ext uri="{BB962C8B-B14F-4D97-AF65-F5344CB8AC3E}">
+        <p14:creationId xmlns:p14="http://schemas.microsoft.com/office/powerpoint/2010/main" val="1731981041"/>
+      </p:ext>
+    </p:extLst>
+  </p:cSld>
+  <p:clrMapOvr>
+    <a:masterClrMapping/>
+  </p:clrMapOvr>
+  <p:timing>
+    <p:tnLst>
+      <p:par>
+        <p:cTn id="1" dur="indefinite" restart="never" nodeType="tmRoot"/>
+      </p:par>
+    </p:tnLst>
+  </p:timing>
+</p:sld>
+</file>
+
+<file path=ppt/slides/slide11.xml><?xml version="1.0" encoding="utf-8"?>
+<p:sld xmlns:a="http://schemas.openxmlformats.org/drawingml/2006/main" xmlns:r="http://schemas.openxmlformats.org/officeDocument/2006/relationships" xmlns:p="http://schemas.openxmlformats.org/presentationml/2006/main">
+  <p:cSld>
+    <p:spTree>
+      <p:nvGrpSpPr>
+        <p:cNvPr id="1" name=""/>
+        <p:cNvGrpSpPr/>
+        <p:nvPr/>
+      </p:nvGrpSpPr>
+      <p:grpSpPr>
+        <a:xfrm>
+          <a:off x="0" y="0"/>
+          <a:ext cx="0" cy="0"/>
+          <a:chOff x="0" y="0"/>
+          <a:chExt cx="0" cy="0"/>
+        </a:xfrm>
+      </p:grpSpPr>
+      <p:sp>
+        <p:nvSpPr>
+          <p:cNvPr id="5" name="內容版面配置區 4"/>
+          <p:cNvSpPr>
+            <a:spLocks noGrp="1"/>
+          </p:cNvSpPr>
+          <p:nvPr>
+            <p:ph idx="1"/>
+          </p:nvPr>
+        </p:nvSpPr>
+        <p:spPr>
+          <a:xfrm>
+            <a:off x="0" y="2084851"/>
+            <a:ext cx="12192000" cy="2404863"/>
+          </a:xfrm>
+        </p:spPr>
+        <p:txBody>
+          <a:bodyPr anchor="ctr">
+            <a:normAutofit/>
+          </a:bodyPr>
+          <a:lstStyle/>
+          <a:p>
+            <a:pPr algn="ctr">
+              <a:buNone/>
+            </a:pPr>
+            <a:r>
+              <a:rPr lang="zh-TW" altLang="en-US" sz="6400" b="1" dirty="0">
+                <a:solidFill>
+                  <a:srgbClr val="660033"/>
+                </a:solidFill>
+                <a:latin typeface="Microsoft JhengHei" pitchFamily="34" charset="-120"/>
+                <a:ea typeface="Microsoft JhengHei" pitchFamily="34" charset="-120"/>
+              </a:rPr>
+              <a:t>事之大小 </a:t>
+            </a:r>
+            <a:r>
+              <a:rPr lang="zh-TW" altLang="en-US" sz="6400" b="1" dirty="0">
+                <a:solidFill>
+                  <a:srgbClr val="660033"/>
+                </a:solidFill>
+                <a:latin typeface="Microsoft JhengHei" pitchFamily="34" charset="-120"/>
+                <a:ea typeface="Microsoft JhengHei" pitchFamily="34" charset="-120"/>
+              </a:rPr>
+              <a:t> 繁難  </a:t>
+            </a:r>
+            <a:r>
+              <a:rPr lang="zh-TW" altLang="en-US" sz="6400" b="1" dirty="0">
+                <a:solidFill>
+                  <a:srgbClr val="660033"/>
+                </a:solidFill>
+                <a:latin typeface="Microsoft JhengHei" pitchFamily="34" charset="-120"/>
+                <a:ea typeface="Microsoft JhengHei" pitchFamily="34" charset="-120"/>
+              </a:rPr>
+              <a:t>全交主手裏</a:t>
+            </a:r>
+          </a:p>
+          <a:p>
+            <a:pPr algn="ctr">
+              <a:buNone/>
+            </a:pPr>
+            <a:r>
+              <a:rPr lang="zh-TW" altLang="en-US" sz="6400" b="1" dirty="0">
+                <a:solidFill>
+                  <a:srgbClr val="660033"/>
+                </a:solidFill>
+                <a:latin typeface="Microsoft JhengHei" pitchFamily="34" charset="-120"/>
+                <a:ea typeface="Microsoft JhengHei" pitchFamily="34" charset="-120"/>
+              </a:rPr>
+              <a:t>毋疑惑 </a:t>
+            </a:r>
+            <a:r>
+              <a:rPr lang="zh-TW" altLang="en-US" sz="6400" b="1" dirty="0">
+                <a:solidFill>
+                  <a:srgbClr val="660033"/>
+                </a:solidFill>
+                <a:latin typeface="Microsoft JhengHei" pitchFamily="34" charset="-120"/>
+                <a:ea typeface="Microsoft JhengHei" pitchFamily="34" charset="-120"/>
+              </a:rPr>
+              <a:t> 毋</a:t>
+            </a:r>
+            <a:r>
+              <a:rPr lang="zh-TW" altLang="en-US" sz="6400" b="1" dirty="0">
+                <a:solidFill>
+                  <a:srgbClr val="660033"/>
+                </a:solidFill>
+                <a:latin typeface="Microsoft JhengHei" pitchFamily="34" charset="-120"/>
+                <a:ea typeface="Microsoft JhengHei" pitchFamily="34" charset="-120"/>
+              </a:rPr>
+              <a:t>詰問 </a:t>
+            </a:r>
+            <a:r>
+              <a:rPr lang="zh-TW" altLang="en-US" sz="6400" b="1" dirty="0">
+                <a:solidFill>
+                  <a:srgbClr val="660033"/>
+                </a:solidFill>
+                <a:latin typeface="Microsoft JhengHei" pitchFamily="34" charset="-120"/>
+                <a:ea typeface="Microsoft JhengHei" pitchFamily="34" charset="-120"/>
+              </a:rPr>
+              <a:t> 耶</a:t>
+            </a:r>
+            <a:r>
+              <a:rPr lang="zh-TW" altLang="en-US" sz="6400" b="1" dirty="0">
+                <a:solidFill>
+                  <a:srgbClr val="660033"/>
+                </a:solidFill>
+                <a:latin typeface="Microsoft JhengHei" pitchFamily="34" charset="-120"/>
+                <a:ea typeface="Microsoft JhengHei" pitchFamily="34" charset="-120"/>
+              </a:rPr>
+              <a:t>穌是明白</a:t>
+            </a:r>
+          </a:p>
+        </p:txBody>
+      </p:sp>
+      <p:sp>
+        <p:nvSpPr>
+          <p:cNvPr id="3" name="TextBox 2"/>
+          <p:cNvSpPr txBox="1"/>
+          <p:nvPr/>
+        </p:nvSpPr>
+        <p:spPr>
+          <a:xfrm>
+            <a:off x="0" y="5061181"/>
+            <a:ext cx="12192000" cy="666786"/>
+          </a:xfrm>
+          <a:prstGeom prst="rect">
+            <a:avLst/>
+          </a:prstGeom>
+          <a:noFill/>
+        </p:spPr>
+        <p:txBody>
+          <a:bodyPr wrap="square" rtlCol="0">
+            <a:spAutoFit/>
+          </a:bodyPr>
+          <a:lstStyle/>
+          <a:p>
+            <a:pPr algn="ctr"/>
+            <a:r>
+              <a:rPr lang="en-US" sz="3733" b="1" dirty="0">
+                <a:solidFill>
+                  <a:srgbClr val="660033"/>
+                </a:solidFill>
+              </a:rPr>
+              <a:t>( 3 / 4 )</a:t>
+            </a:r>
+            <a:endParaRPr lang="vi-VN" sz="3733" b="1" dirty="0">
+              <a:solidFill>
+                <a:srgbClr val="660033"/>
+              </a:solidFill>
+            </a:endParaRPr>
+          </a:p>
+        </p:txBody>
+      </p:sp>
+    </p:spTree>
+    <p:extLst>
+      <p:ext uri="{BB962C8B-B14F-4D97-AF65-F5344CB8AC3E}">
+        <p14:creationId xmlns:p14="http://schemas.microsoft.com/office/powerpoint/2010/main" val="1721529168"/>
+      </p:ext>
+    </p:extLst>
+  </p:cSld>
+  <p:clrMapOvr>
+    <a:masterClrMapping/>
+  </p:clrMapOvr>
+  <p:timing>
+    <p:tnLst>
+      <p:par>
+        <p:cTn id="1" dur="indefinite" restart="never" nodeType="tmRoot"/>
+      </p:par>
+    </p:tnLst>
+  </p:timing>
+</p:sld>
+</file>
+
+<file path=ppt/slides/slide12.xml><?xml version="1.0" encoding="utf-8"?>
+<p:sld xmlns:a="http://schemas.openxmlformats.org/drawingml/2006/main" xmlns:r="http://schemas.openxmlformats.org/officeDocument/2006/relationships" xmlns:p="http://schemas.openxmlformats.org/presentationml/2006/main">
+  <p:cSld>
+    <p:spTree>
+      <p:nvGrpSpPr>
+        <p:cNvPr id="1" name=""/>
+        <p:cNvGrpSpPr/>
+        <p:nvPr/>
+      </p:nvGrpSpPr>
+      <p:grpSpPr>
+        <a:xfrm>
+          <a:off x="0" y="0"/>
+          <a:ext cx="0" cy="0"/>
+          <a:chOff x="0" y="0"/>
+          <a:chExt cx="0" cy="0"/>
+        </a:xfrm>
+      </p:grpSpPr>
+      <p:sp>
+        <p:nvSpPr>
+          <p:cNvPr id="5" name="內容版面配置區 4"/>
+          <p:cNvSpPr>
+            <a:spLocks noGrp="1"/>
+          </p:cNvSpPr>
+          <p:nvPr>
+            <p:ph idx="1"/>
+          </p:nvPr>
+        </p:nvSpPr>
+        <p:spPr>
+          <a:xfrm>
+            <a:off x="0" y="2084851"/>
+            <a:ext cx="12192000" cy="2404863"/>
+          </a:xfrm>
+        </p:spPr>
+        <p:txBody>
+          <a:bodyPr anchor="ctr">
+            <a:normAutofit/>
+          </a:bodyPr>
+          <a:lstStyle/>
+          <a:p>
+            <a:pPr algn="ctr">
+              <a:buNone/>
+            </a:pPr>
+            <a:r>
+              <a:rPr lang="zh-TW" altLang="en-US" sz="6400" b="1" dirty="0">
+                <a:solidFill>
+                  <a:srgbClr val="660033"/>
+                </a:solidFill>
+                <a:latin typeface="Microsoft JhengHei" pitchFamily="34" charset="-120"/>
+                <a:ea typeface="Microsoft JhengHei" pitchFamily="34" charset="-120"/>
+              </a:rPr>
+              <a:t>是</a:t>
+            </a:r>
+            <a:r>
+              <a:rPr lang="zh-CN" altLang="en-US" sz="6400" b="1" dirty="0">
+                <a:solidFill>
+                  <a:srgbClr val="660033"/>
+                </a:solidFill>
+                <a:latin typeface="Microsoft JhengHei" pitchFamily="34" charset="-120"/>
+                <a:ea typeface="Microsoft JhengHei" pitchFamily="34" charset="-120"/>
+              </a:rPr>
+              <a:t>耶穌明白  </a:t>
+            </a:r>
+            <a:r>
+              <a:rPr lang="zh-TW" altLang="en-US" sz="6400" b="1" dirty="0">
+                <a:solidFill>
+                  <a:srgbClr val="660033"/>
+                </a:solidFill>
+                <a:latin typeface="Microsoft JhengHei" pitchFamily="34" charset="-120"/>
+                <a:ea typeface="Microsoft JhengHei" pitchFamily="34" charset="-120"/>
+              </a:rPr>
+              <a:t>主路是最善</a:t>
+            </a:r>
+          </a:p>
+          <a:p>
+            <a:pPr algn="ctr">
+              <a:buNone/>
+            </a:pPr>
+            <a:r>
+              <a:rPr lang="zh-TW" altLang="en-US" sz="6400" b="1" dirty="0">
+                <a:solidFill>
+                  <a:srgbClr val="660033"/>
+                </a:solidFill>
+                <a:latin typeface="Microsoft JhengHei" pitchFamily="34" charset="-120"/>
+                <a:ea typeface="Microsoft JhengHei" pitchFamily="34" charset="-120"/>
+              </a:rPr>
+              <a:t>聽主召你</a:t>
+            </a:r>
+            <a:r>
+              <a:rPr lang="zh-CN" altLang="en-US" sz="6400" b="1" dirty="0">
+                <a:solidFill>
+                  <a:srgbClr val="660033"/>
+                </a:solidFill>
+                <a:latin typeface="Microsoft JhengHei" pitchFamily="34" charset="-120"/>
+                <a:ea typeface="Microsoft JhengHei" pitchFamily="34" charset="-120"/>
+              </a:rPr>
+              <a:t>說</a:t>
+            </a:r>
+            <a:r>
+              <a:rPr lang="zh-TW" altLang="en-US" sz="6400" b="1" dirty="0">
+                <a:solidFill>
+                  <a:srgbClr val="660033"/>
+                </a:solidFill>
+                <a:latin typeface="Microsoft JhengHei" pitchFamily="34" charset="-120"/>
+                <a:ea typeface="Microsoft JhengHei" pitchFamily="34" charset="-120"/>
+              </a:rPr>
+              <a:t>  來就</a:t>
+            </a:r>
+            <a:r>
+              <a:rPr lang="zh-TW" altLang="en-US" sz="6400" b="1" dirty="0">
+                <a:solidFill>
+                  <a:srgbClr val="660033"/>
+                </a:solidFill>
+                <a:latin typeface="Microsoft JhengHei" pitchFamily="34" charset="-120"/>
+                <a:ea typeface="Microsoft JhengHei" pitchFamily="34" charset="-120"/>
+              </a:rPr>
+              <a:t>我得安</a:t>
+            </a:r>
+          </a:p>
+        </p:txBody>
+      </p:sp>
+    </p:spTree>
+    <p:extLst>
+      <p:ext uri="{BB962C8B-B14F-4D97-AF65-F5344CB8AC3E}">
+        <p14:creationId xmlns:p14="http://schemas.microsoft.com/office/powerpoint/2010/main" val="3386252528"/>
+      </p:ext>
+    </p:extLst>
+  </p:cSld>
+  <p:clrMapOvr>
+    <a:masterClrMapping/>
+  </p:clrMapOvr>
+  <p:timing>
+    <p:tnLst>
+      <p:par>
+        <p:cTn id="1" dur="indefinite" restart="never" nodeType="tmRoot"/>
+      </p:par>
+    </p:tnLst>
+  </p:timing>
+</p:sld>
+</file>
+
+<file path=ppt/slides/slide13.xml><?xml version="1.0" encoding="utf-8"?>
+<p:sld xmlns:a="http://schemas.openxmlformats.org/drawingml/2006/main" xmlns:r="http://schemas.openxmlformats.org/officeDocument/2006/relationships" xmlns:p="http://schemas.openxmlformats.org/presentationml/2006/main">
+  <p:cSld>
+    <p:spTree>
+      <p:nvGrpSpPr>
+        <p:cNvPr id="1" name=""/>
+        <p:cNvGrpSpPr/>
+        <p:nvPr/>
+      </p:nvGrpSpPr>
+      <p:grpSpPr>
+        <a:xfrm>
+          <a:off x="0" y="0"/>
+          <a:ext cx="0" cy="0"/>
+          <a:chOff x="0" y="0"/>
+          <a:chExt cx="0" cy="0"/>
+        </a:xfrm>
+      </p:grpSpPr>
+      <p:sp>
+        <p:nvSpPr>
+          <p:cNvPr id="5" name="內容版面配置區 4"/>
+          <p:cNvSpPr>
+            <a:spLocks noGrp="1"/>
+          </p:cNvSpPr>
+          <p:nvPr>
+            <p:ph idx="1"/>
+          </p:nvPr>
+        </p:nvSpPr>
+        <p:spPr>
+          <a:xfrm>
+            <a:off x="0" y="2084851"/>
+            <a:ext cx="12192000" cy="2404863"/>
+          </a:xfrm>
+        </p:spPr>
+        <p:txBody>
+          <a:bodyPr anchor="ctr">
+            <a:normAutofit/>
+          </a:bodyPr>
+          <a:lstStyle/>
+          <a:p>
+            <a:pPr algn="ctr">
+              <a:buNone/>
+            </a:pPr>
+            <a:r>
+              <a:rPr lang="zh-TW" altLang="en-US" sz="6400" b="1" dirty="0">
+                <a:solidFill>
+                  <a:srgbClr val="660033"/>
+                </a:solidFill>
+                <a:latin typeface="Microsoft JhengHei" pitchFamily="34" charset="-120"/>
+                <a:ea typeface="Microsoft JhengHei" pitchFamily="34" charset="-120"/>
+              </a:rPr>
+              <a:t>前途或順 </a:t>
+            </a:r>
+            <a:r>
+              <a:rPr lang="zh-TW" altLang="en-US" sz="6400" b="1" dirty="0">
+                <a:solidFill>
+                  <a:srgbClr val="660033"/>
+                </a:solidFill>
+                <a:latin typeface="Microsoft JhengHei" pitchFamily="34" charset="-120"/>
+                <a:ea typeface="Microsoft JhengHei" pitchFamily="34" charset="-120"/>
+              </a:rPr>
+              <a:t> 或</a:t>
+            </a:r>
+            <a:r>
+              <a:rPr lang="zh-TW" altLang="en-US" sz="6400" b="1" dirty="0">
+                <a:solidFill>
+                  <a:srgbClr val="660033"/>
+                </a:solidFill>
+                <a:latin typeface="Microsoft JhengHei" pitchFamily="34" charset="-120"/>
+                <a:ea typeface="Microsoft JhengHei" pitchFamily="34" charset="-120"/>
+              </a:rPr>
+              <a:t>逆 </a:t>
+            </a:r>
+            <a:r>
+              <a:rPr lang="zh-TW" altLang="en-US" sz="6400" b="1" dirty="0">
+                <a:solidFill>
+                  <a:srgbClr val="660033"/>
+                </a:solidFill>
+                <a:latin typeface="Microsoft JhengHei" pitchFamily="34" charset="-120"/>
+                <a:ea typeface="Microsoft JhengHei" pitchFamily="34" charset="-120"/>
+              </a:rPr>
+              <a:t> 全</a:t>
+            </a:r>
+            <a:r>
+              <a:rPr lang="zh-TW" altLang="en-US" sz="6400" b="1" dirty="0">
+                <a:solidFill>
+                  <a:srgbClr val="660033"/>
+                </a:solidFill>
+                <a:latin typeface="Microsoft JhengHei" pitchFamily="34" charset="-120"/>
+                <a:ea typeface="Microsoft JhengHei" pitchFamily="34" charset="-120"/>
+              </a:rPr>
+              <a:t>交主手裏</a:t>
+            </a:r>
+          </a:p>
+          <a:p>
+            <a:pPr algn="ctr">
+              <a:buNone/>
+            </a:pPr>
+            <a:r>
+              <a:rPr lang="zh-TW" altLang="en-US" sz="6400" b="1" dirty="0">
+                <a:solidFill>
+                  <a:srgbClr val="660033"/>
+                </a:solidFill>
+                <a:latin typeface="Microsoft JhengHei" pitchFamily="34" charset="-120"/>
+                <a:ea typeface="Microsoft JhengHei" pitchFamily="34" charset="-120"/>
+              </a:rPr>
+              <a:t>或</a:t>
+            </a:r>
+            <a:r>
+              <a:rPr lang="zh-CN" altLang="en-US" sz="6400" b="1" dirty="0">
+                <a:solidFill>
+                  <a:srgbClr val="660033"/>
+                </a:solidFill>
+                <a:latin typeface="Microsoft JhengHei" pitchFamily="34" charset="-120"/>
+                <a:ea typeface="Microsoft JhengHei" pitchFamily="34" charset="-120"/>
+              </a:rPr>
+              <a:t>者</a:t>
+            </a:r>
+            <a:r>
+              <a:rPr lang="zh-TW" altLang="en-US" sz="6400" b="1" dirty="0">
+                <a:solidFill>
+                  <a:srgbClr val="660033"/>
+                </a:solidFill>
+                <a:latin typeface="Microsoft JhengHei" pitchFamily="34" charset="-120"/>
+                <a:ea typeface="Microsoft JhengHei" pitchFamily="34" charset="-120"/>
+              </a:rPr>
+              <a:t>憂愁 </a:t>
+            </a:r>
+            <a:r>
+              <a:rPr lang="zh-TW" altLang="en-US" sz="6400" b="1" dirty="0">
+                <a:solidFill>
+                  <a:srgbClr val="660033"/>
+                </a:solidFill>
+                <a:latin typeface="Microsoft JhengHei" pitchFamily="34" charset="-120"/>
+                <a:ea typeface="Microsoft JhengHei" pitchFamily="34" charset="-120"/>
+              </a:rPr>
+              <a:t> 喜</a:t>
+            </a:r>
+            <a:r>
+              <a:rPr lang="zh-TW" altLang="en-US" sz="6400" b="1" dirty="0">
+                <a:solidFill>
+                  <a:srgbClr val="660033"/>
+                </a:solidFill>
+                <a:latin typeface="Microsoft JhengHei" pitchFamily="34" charset="-120"/>
+                <a:ea typeface="Microsoft JhengHei" pitchFamily="34" charset="-120"/>
+              </a:rPr>
+              <a:t>樂 </a:t>
+            </a:r>
+            <a:r>
+              <a:rPr lang="zh-TW" altLang="en-US" sz="6400" b="1" dirty="0">
+                <a:solidFill>
+                  <a:srgbClr val="660033"/>
+                </a:solidFill>
+                <a:latin typeface="Microsoft JhengHei" pitchFamily="34" charset="-120"/>
+                <a:ea typeface="Microsoft JhengHei" pitchFamily="34" charset="-120"/>
+              </a:rPr>
+              <a:t> 耶</a:t>
+            </a:r>
+            <a:r>
+              <a:rPr lang="zh-TW" altLang="en-US" sz="6400" b="1" dirty="0">
+                <a:solidFill>
+                  <a:srgbClr val="660033"/>
+                </a:solidFill>
+                <a:latin typeface="Microsoft JhengHei" pitchFamily="34" charset="-120"/>
+                <a:ea typeface="Microsoft JhengHei" pitchFamily="34" charset="-120"/>
+              </a:rPr>
+              <a:t>穌是明白</a:t>
+            </a:r>
+          </a:p>
+        </p:txBody>
+      </p:sp>
+    </p:spTree>
+    <p:extLst>
+      <p:ext uri="{BB962C8B-B14F-4D97-AF65-F5344CB8AC3E}">
+        <p14:creationId xmlns:p14="http://schemas.microsoft.com/office/powerpoint/2010/main" val="4057621292"/>
+      </p:ext>
+    </p:extLst>
+  </p:cSld>
+  <p:clrMapOvr>
+    <a:masterClrMapping/>
+  </p:clrMapOvr>
+  <p:timing>
+    <p:tnLst>
+      <p:par>
+        <p:cTn id="1" dur="indefinite" restart="never" nodeType="tmRoot"/>
+      </p:par>
+    </p:tnLst>
+  </p:timing>
+</p:sld>
+</file>
+
+<file path=ppt/slides/slide14.xml><?xml version="1.0" encoding="utf-8"?>
+<p:sld xmlns:a="http://schemas.openxmlformats.org/drawingml/2006/main" xmlns:r="http://schemas.openxmlformats.org/officeDocument/2006/relationships" xmlns:p="http://schemas.openxmlformats.org/presentationml/2006/main">
+  <p:cSld>
+    <p:spTree>
+      <p:nvGrpSpPr>
+        <p:cNvPr id="1" name=""/>
+        <p:cNvGrpSpPr/>
+        <p:nvPr/>
+      </p:nvGrpSpPr>
+      <p:grpSpPr>
+        <a:xfrm>
+          <a:off x="0" y="0"/>
+          <a:ext cx="0" cy="0"/>
+          <a:chOff x="0" y="0"/>
+          <a:chExt cx="0" cy="0"/>
+        </a:xfrm>
+      </p:grpSpPr>
+      <p:sp>
+        <p:nvSpPr>
+          <p:cNvPr id="5" name="內容版面配置區 4"/>
+          <p:cNvSpPr>
+            <a:spLocks noGrp="1"/>
+          </p:cNvSpPr>
+          <p:nvPr>
+            <p:ph idx="1"/>
+          </p:nvPr>
+        </p:nvSpPr>
+        <p:spPr>
+          <a:xfrm>
+            <a:off x="0" y="2084851"/>
+            <a:ext cx="12192000" cy="2404863"/>
+          </a:xfrm>
+        </p:spPr>
+        <p:txBody>
+          <a:bodyPr anchor="ctr">
+            <a:normAutofit/>
+          </a:bodyPr>
+          <a:lstStyle/>
+          <a:p>
+            <a:pPr lvl="0" algn="ctr">
+              <a:buNone/>
+            </a:pPr>
+            <a:r>
+              <a:rPr lang="zh-TW" altLang="en-US" sz="6400" b="1" dirty="0">
+                <a:solidFill>
+                  <a:srgbClr val="660033"/>
+                </a:solidFill>
+                <a:latin typeface="Microsoft JhengHei" pitchFamily="34" charset="-120"/>
+                <a:ea typeface="Microsoft JhengHei" pitchFamily="34" charset="-120"/>
+              </a:rPr>
+              <a:t>疲倦人主召你來 </a:t>
+            </a:r>
+            <a:r>
+              <a:rPr lang="zh-TW" altLang="en-US" sz="6400" b="1" dirty="0">
+                <a:solidFill>
+                  <a:srgbClr val="660033"/>
+                </a:solidFill>
+                <a:latin typeface="Microsoft JhengHei" pitchFamily="34" charset="-120"/>
+                <a:ea typeface="Microsoft JhengHei" pitchFamily="34" charset="-120"/>
+              </a:rPr>
+              <a:t> 可</a:t>
+            </a:r>
+            <a:r>
+              <a:rPr lang="zh-TW" altLang="en-US" sz="6400" b="1" dirty="0">
+                <a:solidFill>
+                  <a:srgbClr val="660033"/>
+                </a:solidFill>
+                <a:latin typeface="Microsoft JhengHei" pitchFamily="34" charset="-120"/>
+                <a:ea typeface="Microsoft JhengHei" pitchFamily="34" charset="-120"/>
+              </a:rPr>
+              <a:t>以得安</a:t>
+            </a:r>
+          </a:p>
+          <a:p>
+            <a:pPr algn="ctr">
+              <a:buNone/>
+            </a:pPr>
+            <a:r>
+              <a:rPr lang="zh-TW" altLang="en-US" sz="6400" b="1" dirty="0">
+                <a:solidFill>
+                  <a:srgbClr val="660033"/>
+                </a:solidFill>
+                <a:latin typeface="Microsoft JhengHei" pitchFamily="34" charset="-120"/>
+                <a:ea typeface="Microsoft JhengHei" pitchFamily="34" charset="-120"/>
+              </a:rPr>
+              <a:t>路雖崎嶇不平 </a:t>
+            </a:r>
+            <a:r>
+              <a:rPr lang="zh-TW" altLang="en-US" sz="6400" b="1" dirty="0">
+                <a:solidFill>
+                  <a:srgbClr val="660033"/>
+                </a:solidFill>
+                <a:latin typeface="Microsoft JhengHei" pitchFamily="34" charset="-120"/>
+                <a:ea typeface="Microsoft JhengHei" pitchFamily="34" charset="-120"/>
+              </a:rPr>
+              <a:t> 主</a:t>
+            </a:r>
+            <a:r>
+              <a:rPr lang="zh-TW" altLang="en-US" sz="6400" b="1" dirty="0">
+                <a:solidFill>
+                  <a:srgbClr val="660033"/>
+                </a:solidFill>
+                <a:latin typeface="Microsoft JhengHei" pitchFamily="34" charset="-120"/>
+                <a:ea typeface="Microsoft JhengHei" pitchFamily="34" charset="-120"/>
+              </a:rPr>
+              <a:t>必會同伴</a:t>
+            </a:r>
+            <a:endParaRPr lang="en-US" altLang="zh-TW" sz="6400" b="1" dirty="0">
+              <a:solidFill>
+                <a:srgbClr val="660033"/>
+              </a:solidFill>
+              <a:latin typeface="Microsoft JhengHei" pitchFamily="34" charset="-120"/>
+              <a:ea typeface="Microsoft JhengHei" pitchFamily="34" charset="-120"/>
+            </a:endParaRPr>
+          </a:p>
+        </p:txBody>
+      </p:sp>
+      <p:sp>
+        <p:nvSpPr>
+          <p:cNvPr id="3" name="TextBox 2"/>
+          <p:cNvSpPr txBox="1"/>
+          <p:nvPr/>
+        </p:nvSpPr>
+        <p:spPr>
+          <a:xfrm>
+            <a:off x="0" y="5061181"/>
+            <a:ext cx="12192000" cy="666786"/>
+          </a:xfrm>
+          <a:prstGeom prst="rect">
+            <a:avLst/>
+          </a:prstGeom>
+          <a:noFill/>
+        </p:spPr>
+        <p:txBody>
+          <a:bodyPr wrap="square" rtlCol="0">
+            <a:spAutoFit/>
+          </a:bodyPr>
+          <a:lstStyle/>
+          <a:p>
+            <a:pPr algn="ctr"/>
+            <a:r>
+              <a:rPr lang="en-US" sz="3733" b="1" dirty="0">
+                <a:solidFill>
+                  <a:srgbClr val="660033"/>
+                </a:solidFill>
+              </a:rPr>
+              <a:t>( 4 / 4 )</a:t>
+            </a:r>
+            <a:endParaRPr lang="vi-VN" sz="3733" b="1" dirty="0">
+              <a:solidFill>
+                <a:srgbClr val="660033"/>
+              </a:solidFill>
+            </a:endParaRPr>
+          </a:p>
+        </p:txBody>
+      </p:sp>
+    </p:spTree>
+    <p:extLst>
+      <p:ext uri="{BB962C8B-B14F-4D97-AF65-F5344CB8AC3E}">
+        <p14:creationId xmlns:p14="http://schemas.microsoft.com/office/powerpoint/2010/main" val="3642154565"/>
+      </p:ext>
+    </p:extLst>
+  </p:cSld>
+  <p:clrMapOvr>
+    <a:masterClrMapping/>
+  </p:clrMapOvr>
+  <p:timing>
+    <p:tnLst>
+      <p:par>
+        <p:cTn id="1" dur="indefinite" restart="never" nodeType="tmRoot"/>
+      </p:par>
+    </p:tnLst>
+  </p:timing>
+</p:sld>
+</file>
+
+<file path=ppt/slides/slide15.xml><?xml version="1.0" encoding="utf-8"?>
+<p:sld xmlns:a="http://schemas.openxmlformats.org/drawingml/2006/main" xmlns:r="http://schemas.openxmlformats.org/officeDocument/2006/relationships" xmlns:p="http://schemas.openxmlformats.org/presentationml/2006/main">
+  <p:cSld>
+    <p:spTree>
+      <p:nvGrpSpPr>
+        <p:cNvPr id="1" name=""/>
+        <p:cNvGrpSpPr/>
+        <p:nvPr/>
+      </p:nvGrpSpPr>
+      <p:grpSpPr>
+        <a:xfrm>
+          <a:off x="0" y="0"/>
+          <a:ext cx="0" cy="0"/>
+          <a:chOff x="0" y="0"/>
+          <a:chExt cx="0" cy="0"/>
+        </a:xfrm>
+      </p:grpSpPr>
+      <p:sp>
+        <p:nvSpPr>
+          <p:cNvPr id="5" name="內容版面配置區 4"/>
+          <p:cNvSpPr>
+            <a:spLocks noGrp="1"/>
+          </p:cNvSpPr>
+          <p:nvPr>
+            <p:ph idx="1"/>
+          </p:nvPr>
+        </p:nvSpPr>
+        <p:spPr>
+          <a:xfrm>
+            <a:off x="0" y="2084851"/>
+            <a:ext cx="12192000" cy="2404863"/>
+          </a:xfrm>
+        </p:spPr>
+        <p:txBody>
+          <a:bodyPr anchor="ctr">
+            <a:normAutofit/>
+          </a:bodyPr>
+          <a:lstStyle/>
+          <a:p>
+            <a:pPr algn="ctr">
+              <a:buNone/>
+            </a:pPr>
+            <a:r>
+              <a:rPr lang="zh-TW" altLang="en-US" sz="6400" b="1" dirty="0">
+                <a:solidFill>
+                  <a:srgbClr val="660033"/>
+                </a:solidFill>
+                <a:latin typeface="Microsoft JhengHei" pitchFamily="34" charset="-120"/>
+                <a:ea typeface="Microsoft JhengHei" pitchFamily="34" charset="-120"/>
+              </a:rPr>
+              <a:t>前途或順 </a:t>
+            </a:r>
+            <a:r>
+              <a:rPr lang="zh-TW" altLang="en-US" sz="6400" b="1" dirty="0">
+                <a:solidFill>
+                  <a:srgbClr val="660033"/>
+                </a:solidFill>
+                <a:latin typeface="Microsoft JhengHei" pitchFamily="34" charset="-120"/>
+                <a:ea typeface="Microsoft JhengHei" pitchFamily="34" charset="-120"/>
+              </a:rPr>
+              <a:t> 或</a:t>
+            </a:r>
+            <a:r>
+              <a:rPr lang="zh-TW" altLang="en-US" sz="6400" b="1" dirty="0">
+                <a:solidFill>
+                  <a:srgbClr val="660033"/>
+                </a:solidFill>
+                <a:latin typeface="Microsoft JhengHei" pitchFamily="34" charset="-120"/>
+                <a:ea typeface="Microsoft JhengHei" pitchFamily="34" charset="-120"/>
+              </a:rPr>
+              <a:t>逆 </a:t>
+            </a:r>
+            <a:r>
+              <a:rPr lang="zh-TW" altLang="en-US" sz="6400" b="1" dirty="0">
+                <a:solidFill>
+                  <a:srgbClr val="660033"/>
+                </a:solidFill>
+                <a:latin typeface="Microsoft JhengHei" pitchFamily="34" charset="-120"/>
+                <a:ea typeface="Microsoft JhengHei" pitchFamily="34" charset="-120"/>
+              </a:rPr>
+              <a:t> 全</a:t>
+            </a:r>
+            <a:r>
+              <a:rPr lang="zh-TW" altLang="en-US" sz="6400" b="1" dirty="0">
+                <a:solidFill>
+                  <a:srgbClr val="660033"/>
+                </a:solidFill>
+                <a:latin typeface="Microsoft JhengHei" pitchFamily="34" charset="-120"/>
+                <a:ea typeface="Microsoft JhengHei" pitchFamily="34" charset="-120"/>
+              </a:rPr>
+              <a:t>交主手裏</a:t>
+            </a:r>
+          </a:p>
+          <a:p>
+            <a:pPr algn="ctr">
+              <a:buNone/>
+            </a:pPr>
+            <a:r>
+              <a:rPr lang="zh-TW" altLang="en-US" sz="6400" b="1" dirty="0">
+                <a:solidFill>
+                  <a:srgbClr val="660033"/>
+                </a:solidFill>
+                <a:latin typeface="Microsoft JhengHei" pitchFamily="34" charset="-120"/>
+                <a:ea typeface="Microsoft JhengHei" pitchFamily="34" charset="-120"/>
+              </a:rPr>
+              <a:t>或憂愁 </a:t>
+            </a:r>
+            <a:r>
+              <a:rPr lang="zh-TW" altLang="en-US" sz="6400" b="1" dirty="0">
+                <a:solidFill>
+                  <a:srgbClr val="660033"/>
+                </a:solidFill>
+                <a:latin typeface="Microsoft JhengHei" pitchFamily="34" charset="-120"/>
+                <a:ea typeface="Microsoft JhengHei" pitchFamily="34" charset="-120"/>
+              </a:rPr>
+              <a:t> 或</a:t>
+            </a:r>
+            <a:r>
+              <a:rPr lang="zh-TW" altLang="en-US" sz="6400" b="1" dirty="0">
+                <a:solidFill>
+                  <a:srgbClr val="660033"/>
+                </a:solidFill>
+                <a:latin typeface="Microsoft JhengHei" pitchFamily="34" charset="-120"/>
+                <a:ea typeface="Microsoft JhengHei" pitchFamily="34" charset="-120"/>
+              </a:rPr>
+              <a:t>喜樂 </a:t>
+            </a:r>
+            <a:r>
+              <a:rPr lang="zh-TW" altLang="en-US" sz="6400" b="1" dirty="0">
+                <a:solidFill>
+                  <a:srgbClr val="660033"/>
+                </a:solidFill>
+                <a:latin typeface="Microsoft JhengHei" pitchFamily="34" charset="-120"/>
+                <a:ea typeface="Microsoft JhengHei" pitchFamily="34" charset="-120"/>
+              </a:rPr>
+              <a:t> 耶</a:t>
+            </a:r>
+            <a:r>
+              <a:rPr lang="zh-TW" altLang="en-US" sz="6400" b="1" dirty="0">
+                <a:solidFill>
+                  <a:srgbClr val="660033"/>
+                </a:solidFill>
+                <a:latin typeface="Microsoft JhengHei" pitchFamily="34" charset="-120"/>
+                <a:ea typeface="Microsoft JhengHei" pitchFamily="34" charset="-120"/>
+              </a:rPr>
+              <a:t>穌是明白</a:t>
+            </a:r>
+          </a:p>
+        </p:txBody>
+      </p:sp>
+      <p:sp>
+        <p:nvSpPr>
+          <p:cNvPr id="3" name="TextBox 2"/>
+          <p:cNvSpPr txBox="1"/>
+          <p:nvPr/>
+        </p:nvSpPr>
+        <p:spPr>
+          <a:xfrm>
+            <a:off x="0" y="5061181"/>
+            <a:ext cx="12192000" cy="666786"/>
+          </a:xfrm>
+          <a:prstGeom prst="rect">
+            <a:avLst/>
+          </a:prstGeom>
+          <a:noFill/>
+        </p:spPr>
+        <p:txBody>
+          <a:bodyPr wrap="square" rtlCol="0">
+            <a:spAutoFit/>
+          </a:bodyPr>
+          <a:lstStyle/>
+          <a:p>
+            <a:pPr algn="ctr"/>
+            <a:r>
+              <a:rPr lang="en-US" sz="3733" b="1" dirty="0">
+                <a:solidFill>
+                  <a:srgbClr val="660033"/>
+                </a:solidFill>
+              </a:rPr>
+              <a:t>( 4 / 4 )</a:t>
+            </a:r>
+            <a:endParaRPr lang="vi-VN" sz="3733" b="1" dirty="0">
+              <a:solidFill>
+                <a:srgbClr val="660033"/>
+              </a:solidFill>
+            </a:endParaRPr>
+          </a:p>
+        </p:txBody>
+      </p:sp>
+    </p:spTree>
+    <p:extLst>
+      <p:ext uri="{BB962C8B-B14F-4D97-AF65-F5344CB8AC3E}">
+        <p14:creationId xmlns:p14="http://schemas.microsoft.com/office/powerpoint/2010/main" val="1476422667"/>
+      </p:ext>
+    </p:extLst>
+  </p:cSld>
+  <p:clrMapOvr>
+    <a:masterClrMapping/>
+  </p:clrMapOvr>
+  <p:timing>
+    <p:tnLst>
+      <p:par>
+        <p:cTn id="1" dur="indefinite" restart="never" nodeType="tmRoot"/>
+      </p:par>
+    </p:tnLst>
+  </p:timing>
+</p:sld>
+</file>
+
+<file path=ppt/slides/slide16.xml><?xml version="1.0" encoding="utf-8"?>
+<p:sld xmlns:a="http://schemas.openxmlformats.org/drawingml/2006/main" xmlns:r="http://schemas.openxmlformats.org/officeDocument/2006/relationships" xmlns:p="http://schemas.openxmlformats.org/presentationml/2006/main">
+  <p:cSld>
+    <p:spTree>
+      <p:nvGrpSpPr>
+        <p:cNvPr id="1" name=""/>
+        <p:cNvGrpSpPr/>
+        <p:nvPr/>
+      </p:nvGrpSpPr>
+      <p:grpSpPr>
+        <a:xfrm>
+          <a:off x="0" y="0"/>
+          <a:ext cx="0" cy="0"/>
+          <a:chOff x="0" y="0"/>
+          <a:chExt cx="0" cy="0"/>
+        </a:xfrm>
+      </p:grpSpPr>
+      <p:sp>
+        <p:nvSpPr>
+          <p:cNvPr id="5" name="內容版面配置區 4"/>
+          <p:cNvSpPr>
+            <a:spLocks noGrp="1"/>
+          </p:cNvSpPr>
+          <p:nvPr>
+            <p:ph idx="1"/>
+          </p:nvPr>
+        </p:nvSpPr>
+        <p:spPr>
+          <a:xfrm>
+            <a:off x="0" y="2084851"/>
+            <a:ext cx="12192000" cy="2404863"/>
+          </a:xfrm>
+        </p:spPr>
+        <p:txBody>
+          <a:bodyPr anchor="ctr">
+            <a:normAutofit/>
+          </a:bodyPr>
+          <a:lstStyle/>
+          <a:p>
+            <a:pPr algn="ctr">
+              <a:buNone/>
+            </a:pPr>
+            <a:r>
+              <a:rPr lang="zh-TW" altLang="en-US" sz="6400" b="1" dirty="0">
+                <a:solidFill>
+                  <a:srgbClr val="660033"/>
+                </a:solidFill>
+                <a:latin typeface="Microsoft JhengHei" pitchFamily="34" charset="-120"/>
+                <a:ea typeface="Microsoft JhengHei" pitchFamily="34" charset="-120"/>
+              </a:rPr>
+              <a:t>是</a:t>
+            </a:r>
+            <a:r>
+              <a:rPr lang="zh-CN" altLang="en-US" sz="6400" b="1" dirty="0">
+                <a:solidFill>
+                  <a:srgbClr val="660033"/>
+                </a:solidFill>
+                <a:latin typeface="Microsoft JhengHei" pitchFamily="34" charset="-120"/>
+                <a:ea typeface="Microsoft JhengHei" pitchFamily="34" charset="-120"/>
+              </a:rPr>
+              <a:t>耶穌明白  </a:t>
+            </a:r>
+            <a:r>
+              <a:rPr lang="zh-TW" altLang="en-US" sz="6400" b="1" dirty="0">
+                <a:solidFill>
+                  <a:srgbClr val="660033"/>
+                </a:solidFill>
+                <a:latin typeface="Microsoft JhengHei" pitchFamily="34" charset="-120"/>
+                <a:ea typeface="Microsoft JhengHei" pitchFamily="34" charset="-120"/>
+              </a:rPr>
+              <a:t>主路是最善</a:t>
+            </a:r>
+          </a:p>
+          <a:p>
+            <a:pPr algn="ctr">
+              <a:buNone/>
+            </a:pPr>
+            <a:r>
+              <a:rPr lang="zh-TW" altLang="en-US" sz="6400" b="1" dirty="0">
+                <a:solidFill>
+                  <a:srgbClr val="660033"/>
+                </a:solidFill>
+                <a:latin typeface="Microsoft JhengHei" pitchFamily="34" charset="-120"/>
+                <a:ea typeface="Microsoft JhengHei" pitchFamily="34" charset="-120"/>
+              </a:rPr>
+              <a:t>聽主召你</a:t>
+            </a:r>
+            <a:r>
+              <a:rPr lang="zh-CN" altLang="en-US" sz="6400" b="1" dirty="0">
+                <a:solidFill>
+                  <a:srgbClr val="660033"/>
+                </a:solidFill>
+                <a:latin typeface="Microsoft JhengHei" pitchFamily="34" charset="-120"/>
+                <a:ea typeface="Microsoft JhengHei" pitchFamily="34" charset="-120"/>
+              </a:rPr>
+              <a:t>說</a:t>
+            </a:r>
+            <a:r>
+              <a:rPr lang="zh-TW" altLang="en-US" sz="6400" b="1" dirty="0">
+                <a:solidFill>
+                  <a:srgbClr val="660033"/>
+                </a:solidFill>
+                <a:latin typeface="Microsoft JhengHei" pitchFamily="34" charset="-120"/>
+                <a:ea typeface="Microsoft JhengHei" pitchFamily="34" charset="-120"/>
+              </a:rPr>
+              <a:t>  來就</a:t>
+            </a:r>
+            <a:r>
+              <a:rPr lang="zh-TW" altLang="en-US" sz="6400" b="1" dirty="0">
+                <a:solidFill>
+                  <a:srgbClr val="660033"/>
+                </a:solidFill>
+                <a:latin typeface="Microsoft JhengHei" pitchFamily="34" charset="-120"/>
+                <a:ea typeface="Microsoft JhengHei" pitchFamily="34" charset="-120"/>
+              </a:rPr>
+              <a:t>我得安</a:t>
+            </a:r>
+          </a:p>
+        </p:txBody>
+      </p:sp>
+    </p:spTree>
+    <p:extLst>
+      <p:ext uri="{BB962C8B-B14F-4D97-AF65-F5344CB8AC3E}">
+        <p14:creationId xmlns:p14="http://schemas.microsoft.com/office/powerpoint/2010/main" val="1145763052"/>
+      </p:ext>
+    </p:extLst>
+  </p:cSld>
+  <p:clrMapOvr>
+    <a:masterClrMapping/>
+  </p:clrMapOvr>
+  <p:timing>
+    <p:tnLst>
+      <p:par>
+        <p:cTn id="1" dur="indefinite" restart="never" nodeType="tmRoot"/>
+      </p:par>
+    </p:tnLst>
+  </p:timing>
+</p:sld>
+</file>
+
+<file path=ppt/slides/slide17.xml><?xml version="1.0" encoding="utf-8"?>
+<p:sld xmlns:a="http://schemas.openxmlformats.org/drawingml/2006/main" xmlns:r="http://schemas.openxmlformats.org/officeDocument/2006/relationships" xmlns:p="http://schemas.openxmlformats.org/presentationml/2006/main">
+  <p:cSld>
+    <p:spTree>
+      <p:nvGrpSpPr>
+        <p:cNvPr id="1" name=""/>
+        <p:cNvGrpSpPr/>
+        <p:nvPr/>
+      </p:nvGrpSpPr>
+      <p:grpSpPr>
+        <a:xfrm>
+          <a:off x="0" y="0"/>
+          <a:ext cx="0" cy="0"/>
+          <a:chOff x="0" y="0"/>
+          <a:chExt cx="0" cy="0"/>
+        </a:xfrm>
+      </p:grpSpPr>
+      <p:sp>
+        <p:nvSpPr>
+          <p:cNvPr id="5" name="內容版面配置區 4"/>
+          <p:cNvSpPr>
+            <a:spLocks noGrp="1"/>
+          </p:cNvSpPr>
+          <p:nvPr>
+            <p:ph idx="1"/>
+          </p:nvPr>
+        </p:nvSpPr>
+        <p:spPr>
+          <a:xfrm>
+            <a:off x="0" y="2084851"/>
+            <a:ext cx="12192000" cy="2404863"/>
+          </a:xfrm>
+        </p:spPr>
+        <p:txBody>
+          <a:bodyPr anchor="ctr">
+            <a:normAutofit/>
+          </a:bodyPr>
+          <a:lstStyle/>
+          <a:p>
+            <a:pPr algn="ctr">
+              <a:buNone/>
+            </a:pPr>
+            <a:r>
+              <a:rPr lang="zh-TW" altLang="en-US" sz="6400" b="1" dirty="0">
+                <a:solidFill>
+                  <a:srgbClr val="660033"/>
+                </a:solidFill>
+                <a:latin typeface="Microsoft JhengHei" pitchFamily="34" charset="-120"/>
+                <a:ea typeface="Microsoft JhengHei" pitchFamily="34" charset="-120"/>
+              </a:rPr>
+              <a:t>前途或順 </a:t>
+            </a:r>
+            <a:r>
+              <a:rPr lang="zh-TW" altLang="en-US" sz="6400" b="1" dirty="0">
+                <a:solidFill>
+                  <a:srgbClr val="660033"/>
+                </a:solidFill>
+                <a:latin typeface="Microsoft JhengHei" pitchFamily="34" charset="-120"/>
+                <a:ea typeface="Microsoft JhengHei" pitchFamily="34" charset="-120"/>
+              </a:rPr>
+              <a:t> 或</a:t>
+            </a:r>
+            <a:r>
+              <a:rPr lang="zh-TW" altLang="en-US" sz="6400" b="1" dirty="0">
+                <a:solidFill>
+                  <a:srgbClr val="660033"/>
+                </a:solidFill>
+                <a:latin typeface="Microsoft JhengHei" pitchFamily="34" charset="-120"/>
+                <a:ea typeface="Microsoft JhengHei" pitchFamily="34" charset="-120"/>
+              </a:rPr>
+              <a:t>逆 </a:t>
+            </a:r>
+            <a:r>
+              <a:rPr lang="zh-TW" altLang="en-US" sz="6400" b="1" dirty="0">
+                <a:solidFill>
+                  <a:srgbClr val="660033"/>
+                </a:solidFill>
+                <a:latin typeface="Microsoft JhengHei" pitchFamily="34" charset="-120"/>
+                <a:ea typeface="Microsoft JhengHei" pitchFamily="34" charset="-120"/>
+              </a:rPr>
+              <a:t> 全</a:t>
+            </a:r>
+            <a:r>
+              <a:rPr lang="zh-TW" altLang="en-US" sz="6400" b="1" dirty="0">
+                <a:solidFill>
+                  <a:srgbClr val="660033"/>
+                </a:solidFill>
+                <a:latin typeface="Microsoft JhengHei" pitchFamily="34" charset="-120"/>
+                <a:ea typeface="Microsoft JhengHei" pitchFamily="34" charset="-120"/>
+              </a:rPr>
+              <a:t>交主手裏</a:t>
+            </a:r>
+          </a:p>
+          <a:p>
+            <a:pPr algn="ctr">
+              <a:buNone/>
+            </a:pPr>
+            <a:r>
+              <a:rPr lang="zh-TW" altLang="en-US" sz="6400" b="1" dirty="0">
+                <a:solidFill>
+                  <a:srgbClr val="660033"/>
+                </a:solidFill>
+                <a:latin typeface="Microsoft JhengHei" pitchFamily="34" charset="-120"/>
+                <a:ea typeface="Microsoft JhengHei" pitchFamily="34" charset="-120"/>
+              </a:rPr>
+              <a:t>或</a:t>
+            </a:r>
+            <a:r>
+              <a:rPr lang="zh-CN" altLang="en-US" sz="6400" b="1" dirty="0">
+                <a:solidFill>
+                  <a:srgbClr val="660033"/>
+                </a:solidFill>
+                <a:latin typeface="Microsoft JhengHei" pitchFamily="34" charset="-120"/>
+                <a:ea typeface="Microsoft JhengHei" pitchFamily="34" charset="-120"/>
+              </a:rPr>
+              <a:t>者</a:t>
+            </a:r>
+            <a:r>
+              <a:rPr lang="zh-TW" altLang="en-US" sz="6400" b="1" dirty="0">
+                <a:solidFill>
+                  <a:srgbClr val="660033"/>
+                </a:solidFill>
+                <a:latin typeface="Microsoft JhengHei" pitchFamily="34" charset="-120"/>
+                <a:ea typeface="Microsoft JhengHei" pitchFamily="34" charset="-120"/>
+              </a:rPr>
+              <a:t>憂愁 </a:t>
+            </a:r>
+            <a:r>
+              <a:rPr lang="zh-TW" altLang="en-US" sz="6400" b="1" dirty="0">
+                <a:solidFill>
+                  <a:srgbClr val="660033"/>
+                </a:solidFill>
+                <a:latin typeface="Microsoft JhengHei" pitchFamily="34" charset="-120"/>
+                <a:ea typeface="Microsoft JhengHei" pitchFamily="34" charset="-120"/>
+              </a:rPr>
+              <a:t> 喜</a:t>
+            </a:r>
+            <a:r>
+              <a:rPr lang="zh-TW" altLang="en-US" sz="6400" b="1" dirty="0">
+                <a:solidFill>
+                  <a:srgbClr val="660033"/>
+                </a:solidFill>
+                <a:latin typeface="Microsoft JhengHei" pitchFamily="34" charset="-120"/>
+                <a:ea typeface="Microsoft JhengHei" pitchFamily="34" charset="-120"/>
+              </a:rPr>
+              <a:t>樂 </a:t>
+            </a:r>
+            <a:r>
+              <a:rPr lang="zh-TW" altLang="en-US" sz="6400" b="1" dirty="0">
+                <a:solidFill>
+                  <a:srgbClr val="660033"/>
+                </a:solidFill>
+                <a:latin typeface="Microsoft JhengHei" pitchFamily="34" charset="-120"/>
+                <a:ea typeface="Microsoft JhengHei" pitchFamily="34" charset="-120"/>
+              </a:rPr>
+              <a:t> 耶</a:t>
+            </a:r>
+            <a:r>
+              <a:rPr lang="zh-TW" altLang="en-US" sz="6400" b="1" dirty="0">
+                <a:solidFill>
+                  <a:srgbClr val="660033"/>
+                </a:solidFill>
+                <a:latin typeface="Microsoft JhengHei" pitchFamily="34" charset="-120"/>
+                <a:ea typeface="Microsoft JhengHei" pitchFamily="34" charset="-120"/>
+              </a:rPr>
+              <a:t>穌是明白</a:t>
+            </a:r>
+          </a:p>
+        </p:txBody>
+      </p:sp>
+    </p:spTree>
+    <p:extLst>
+      <p:ext uri="{BB962C8B-B14F-4D97-AF65-F5344CB8AC3E}">
+        <p14:creationId xmlns:p14="http://schemas.microsoft.com/office/powerpoint/2010/main" val="1948884610"/>
+      </p:ext>
+    </p:extLst>
+  </p:cSld>
+  <p:clrMapOvr>
+    <a:masterClrMapping/>
+  </p:clrMapOvr>
+  <p:timing>
+    <p:tnLst>
+      <p:par>
+        <p:cTn id="1" dur="indefinite" restart="never" nodeType="tmRoot"/>
+      </p:par>
+    </p:tnLst>
+  </p:timing>
 </p:sld>
 </file>
 
@@ -3304,204 +4749,150 @@
       </p:grpSpPr>
       <p:sp>
         <p:nvSpPr>
-          <p:cNvPr id="4" name="標題 3"/>
-          <p:cNvSpPr>
-            <a:spLocks noGrp="1"/>
-          </p:cNvSpPr>
-          <p:nvPr>
-            <p:ph type="title"/>
-          </p:nvPr>
-        </p:nvSpPr>
-        <p:spPr/>
-        <p:txBody>
-          <a:bodyPr>
+          <p:cNvPr id="5" name="內容版面配置區 4"/>
+          <p:cNvSpPr>
+            <a:spLocks noGrp="1"/>
+          </p:cNvSpPr>
+          <p:nvPr>
+            <p:ph idx="1"/>
+          </p:nvPr>
+        </p:nvSpPr>
+        <p:spPr>
+          <a:xfrm>
+            <a:off x="0" y="2084851"/>
+            <a:ext cx="12192000" cy="2404863"/>
+          </a:xfrm>
+        </p:spPr>
+        <p:txBody>
+          <a:bodyPr anchor="ctr">
             <a:normAutofit/>
           </a:bodyPr>
           <a:lstStyle/>
           <a:p>
-            <a:r>
-              <a:rPr lang="zh-CN" altLang="en-US" sz="4800" b="1" dirty="0">
-                <a:latin typeface="Microsoft JhengHei" panose="020B0604030504040204" pitchFamily="34" charset="-120"/>
-                <a:ea typeface="Microsoft JhengHei" panose="020B0604030504040204" pitchFamily="34" charset="-120"/>
-              </a:rPr>
-              <a:t>耶穌明白</a:t>
-            </a:r>
-            <a:endParaRPr lang="zh-TW" altLang="en-US" sz="4800" b="1" dirty="0">
-              <a:latin typeface="Microsoft JhengHei" panose="020B0604030504040204" pitchFamily="34" charset="-120"/>
-              <a:ea typeface="Microsoft JhengHei" panose="020B0604030504040204" pitchFamily="34" charset="-120"/>
+            <a:pPr lvl="0" algn="ctr">
+              <a:buNone/>
+            </a:pPr>
+            <a:r>
+              <a:rPr lang="zh-TW" altLang="en-US" sz="6400" b="1" dirty="0">
+                <a:solidFill>
+                  <a:srgbClr val="660033"/>
+                </a:solidFill>
+                <a:latin typeface="Microsoft JhengHei" pitchFamily="34" charset="-120"/>
+                <a:ea typeface="Microsoft JhengHei" pitchFamily="34" charset="-120"/>
+              </a:rPr>
+              <a:t>放</a:t>
+            </a:r>
+            <a:r>
+              <a:rPr lang="zh-TW" altLang="en-US" sz="6400" b="1" dirty="0">
+                <a:solidFill>
+                  <a:srgbClr val="660033"/>
+                </a:solidFill>
+                <a:latin typeface="Microsoft JhengHei" pitchFamily="34" charset="-120"/>
+                <a:ea typeface="Microsoft JhengHei" pitchFamily="34" charset="-120"/>
+              </a:rPr>
+              <a:t>下你的重擔一分亦不存</a:t>
+            </a:r>
+          </a:p>
+          <a:p>
+            <a:pPr algn="ctr">
+              <a:buNone/>
+            </a:pPr>
+            <a:r>
+              <a:rPr lang="zh-TW" altLang="en-US" sz="6400" b="1" dirty="0">
+                <a:solidFill>
+                  <a:srgbClr val="660033"/>
+                </a:solidFill>
+                <a:latin typeface="Microsoft JhengHei" pitchFamily="34" charset="-120"/>
+                <a:ea typeface="Microsoft JhengHei" pitchFamily="34" charset="-120"/>
+              </a:rPr>
+              <a:t>是否疲倦</a:t>
+            </a:r>
+            <a:r>
+              <a:rPr lang="zh-CN" altLang="en-US" sz="6400" b="1" dirty="0">
+                <a:solidFill>
+                  <a:srgbClr val="660033"/>
+                </a:solidFill>
+                <a:latin typeface="Microsoft JhengHei" pitchFamily="34" charset="-120"/>
+                <a:ea typeface="Microsoft JhengHei" pitchFamily="34" charset="-120"/>
+              </a:rPr>
+              <a:t>在</a:t>
+            </a:r>
+            <a:r>
+              <a:rPr lang="zh-TW" altLang="en-US" sz="6400" b="1" dirty="0">
+                <a:solidFill>
+                  <a:srgbClr val="660033"/>
+                </a:solidFill>
+                <a:latin typeface="Microsoft JhengHei" pitchFamily="34" charset="-120"/>
+                <a:ea typeface="Microsoft JhengHei" pitchFamily="34" charset="-120"/>
+              </a:rPr>
+              <a:t>路中無人施恩</a:t>
+            </a:r>
+            <a:endParaRPr lang="en-US" altLang="zh-TW" sz="6400" b="1" dirty="0">
+              <a:solidFill>
+                <a:srgbClr val="660033"/>
+              </a:solidFill>
+              <a:latin typeface="Microsoft JhengHei" pitchFamily="34" charset="-120"/>
+              <a:ea typeface="Microsoft JhengHei" pitchFamily="34" charset="-120"/>
             </a:endParaRPr>
           </a:p>
         </p:txBody>
       </p:sp>
       <p:sp>
         <p:nvSpPr>
-          <p:cNvPr id="5" name="內容版面配置區 4"/>
-          <p:cNvSpPr>
-            <a:spLocks noGrp="1"/>
-          </p:cNvSpPr>
-          <p:nvPr>
-            <p:ph idx="1"/>
-          </p:nvPr>
+          <p:cNvPr id="3" name="TextBox 2"/>
+          <p:cNvSpPr txBox="1"/>
+          <p:nvPr/>
         </p:nvSpPr>
         <p:spPr>
           <a:xfrm>
-            <a:off x="0" y="1600200"/>
-            <a:ext cx="12192000" cy="5257800"/>
+            <a:off x="0" y="5061181"/>
+            <a:ext cx="12192000" cy="666786"/>
           </a:xfrm>
+          <a:prstGeom prst="rect">
+            <a:avLst/>
+          </a:prstGeom>
+          <a:noFill/>
         </p:spPr>
         <p:txBody>
-          <a:bodyPr>
-            <a:normAutofit/>
+          <a:bodyPr wrap="square" rtlCol="0">
+            <a:spAutoFit/>
           </a:bodyPr>
           <a:lstStyle/>
           <a:p>
-            <a:pPr algn="ctr">
-              <a:buNone/>
-            </a:pPr>
-            <a:r>
-              <a:rPr lang="zh-TW" altLang="en-US" sz="5400" b="1" dirty="0">
-                <a:latin typeface="Microsoft JhengHei" panose="020B0604030504040204" pitchFamily="34" charset="-120"/>
-                <a:ea typeface="Microsoft JhengHei" panose="020B0604030504040204" pitchFamily="34" charset="-120"/>
-              </a:rPr>
-              <a:t>是</a:t>
-            </a:r>
-            <a:r>
-              <a:rPr lang="zh-CN" altLang="en-US" sz="5400" b="1" dirty="0">
-                <a:latin typeface="Microsoft JhengHei" panose="020B0604030504040204" pitchFamily="34" charset="-120"/>
-                <a:ea typeface="Microsoft JhengHei" panose="020B0604030504040204" pitchFamily="34" charset="-120"/>
-              </a:rPr>
-              <a:t>耶穌明</a:t>
-            </a:r>
-            <a:r>
-              <a:rPr lang="zh-CN" altLang="en-US" sz="5400" b="1" dirty="0">
-                <a:latin typeface="Microsoft JhengHei" panose="020B0604030504040204" pitchFamily="34" charset="-120"/>
-                <a:ea typeface="Microsoft JhengHei" panose="020B0604030504040204" pitchFamily="34" charset="-120"/>
-              </a:rPr>
-              <a:t>白  </a:t>
-            </a:r>
-            <a:r>
-              <a:rPr lang="zh-TW" altLang="en-US" sz="5400" b="1" dirty="0">
-                <a:latin typeface="Microsoft JhengHei" panose="020B0604030504040204" pitchFamily="34" charset="-120"/>
-                <a:ea typeface="Microsoft JhengHei" panose="020B0604030504040204" pitchFamily="34" charset="-120"/>
-              </a:rPr>
-              <a:t>主</a:t>
-            </a:r>
-            <a:r>
-              <a:rPr lang="zh-TW" altLang="en-US" sz="5400" b="1" dirty="0">
-                <a:latin typeface="Microsoft JhengHei" panose="020B0604030504040204" pitchFamily="34" charset="-120"/>
-                <a:ea typeface="Microsoft JhengHei" panose="020B0604030504040204" pitchFamily="34" charset="-120"/>
-              </a:rPr>
-              <a:t>路是最善</a:t>
-            </a:r>
-          </a:p>
-          <a:p>
-            <a:pPr algn="ctr">
-              <a:buNone/>
-            </a:pPr>
-            <a:r>
-              <a:rPr lang="zh-TW" altLang="en-US" sz="5400" b="1" dirty="0">
-                <a:latin typeface="Microsoft JhengHei" panose="020B0604030504040204" pitchFamily="34" charset="-120"/>
-                <a:ea typeface="Microsoft JhengHei" panose="020B0604030504040204" pitchFamily="34" charset="-120"/>
-              </a:rPr>
-              <a:t>聽</a:t>
-            </a:r>
-            <a:r>
-              <a:rPr lang="zh-TW" altLang="en-US" sz="5400" b="1" dirty="0">
-                <a:latin typeface="Microsoft JhengHei" panose="020B0604030504040204" pitchFamily="34" charset="-120"/>
-                <a:ea typeface="Microsoft JhengHei" panose="020B0604030504040204" pitchFamily="34" charset="-120"/>
-              </a:rPr>
-              <a:t>主召你</a:t>
-            </a:r>
-            <a:r>
-              <a:rPr lang="zh-CN" altLang="en-US" sz="5400" b="1" dirty="0">
-                <a:latin typeface="Microsoft JhengHei" panose="020B0604030504040204" pitchFamily="34" charset="-120"/>
-                <a:ea typeface="Microsoft JhengHei" panose="020B0604030504040204" pitchFamily="34" charset="-120"/>
-              </a:rPr>
-              <a:t>說</a:t>
-            </a:r>
-            <a:endParaRPr lang="zh-TW" altLang="en-US" sz="5400" b="1" dirty="0">
-              <a:latin typeface="Microsoft JhengHei" panose="020B0604030504040204" pitchFamily="34" charset="-120"/>
-              <a:ea typeface="Microsoft JhengHei" panose="020B0604030504040204" pitchFamily="34" charset="-120"/>
+            <a:pPr algn="ctr"/>
+            <a:r>
+              <a:rPr lang="en-US" sz="3733" b="1" dirty="0">
+                <a:solidFill>
+                  <a:srgbClr val="660033"/>
+                </a:solidFill>
+              </a:rPr>
+              <a:t>( 1 / 4 )</a:t>
+            </a:r>
+            <a:endParaRPr lang="vi-VN" sz="3733" b="1" dirty="0">
+              <a:solidFill>
+                <a:srgbClr val="660033"/>
+              </a:solidFill>
             </a:endParaRPr>
           </a:p>
-          <a:p>
-            <a:pPr algn="ctr">
-              <a:buNone/>
-            </a:pPr>
-            <a:r>
-              <a:rPr lang="zh-TW" altLang="en-US" sz="5400" b="1" dirty="0">
-                <a:latin typeface="Microsoft JhengHei" panose="020B0604030504040204" pitchFamily="34" charset="-120"/>
-                <a:ea typeface="Microsoft JhengHei" panose="020B0604030504040204" pitchFamily="34" charset="-120"/>
-              </a:rPr>
-              <a:t>來 就我得安</a:t>
-            </a:r>
-          </a:p>
-          <a:p>
-            <a:pPr algn="ctr">
-              <a:buNone/>
-            </a:pPr>
-            <a:r>
-              <a:rPr lang="zh-TW" altLang="en-US" sz="5400" b="1" dirty="0">
-                <a:latin typeface="Microsoft JhengHei" panose="020B0604030504040204" pitchFamily="34" charset="-120"/>
-                <a:ea typeface="Microsoft JhengHei" panose="020B0604030504040204" pitchFamily="34" charset="-120"/>
-              </a:rPr>
-              <a:t>前途或順 或逆 全交主手裏</a:t>
-            </a:r>
-          </a:p>
-          <a:p>
-            <a:pPr algn="ctr">
-              <a:buNone/>
-            </a:pPr>
-            <a:r>
-              <a:rPr lang="zh-TW" altLang="en-US" sz="5400" b="1" dirty="0">
-                <a:latin typeface="Microsoft JhengHei" panose="020B0604030504040204" pitchFamily="34" charset="-120"/>
-                <a:ea typeface="Microsoft JhengHei" panose="020B0604030504040204" pitchFamily="34" charset="-120"/>
-              </a:rPr>
-              <a:t>或</a:t>
-            </a:r>
-            <a:r>
-              <a:rPr lang="zh-CN" altLang="en-US" sz="5400" b="1" dirty="0">
-                <a:latin typeface="Microsoft JhengHei" panose="020B0604030504040204" pitchFamily="34" charset="-120"/>
-                <a:ea typeface="Microsoft JhengHei" panose="020B0604030504040204" pitchFamily="34" charset="-120"/>
-              </a:rPr>
-              <a:t>者</a:t>
-            </a:r>
-            <a:r>
-              <a:rPr lang="zh-TW" altLang="en-US" sz="5400" b="1" dirty="0">
-                <a:latin typeface="Microsoft JhengHei" panose="020B0604030504040204" pitchFamily="34" charset="-120"/>
-                <a:ea typeface="Microsoft JhengHei" panose="020B0604030504040204" pitchFamily="34" charset="-120"/>
-              </a:rPr>
-              <a:t>憂</a:t>
-            </a:r>
-            <a:r>
-              <a:rPr lang="zh-TW" altLang="en-US" sz="5400" b="1" dirty="0">
-                <a:latin typeface="Microsoft JhengHei" panose="020B0604030504040204" pitchFamily="34" charset="-120"/>
-                <a:ea typeface="Microsoft JhengHei" panose="020B0604030504040204" pitchFamily="34" charset="-120"/>
-              </a:rPr>
-              <a:t>愁 </a:t>
-            </a:r>
-            <a:r>
-              <a:rPr lang="zh-TW" altLang="en-US" sz="5400" b="1" dirty="0">
-                <a:latin typeface="Microsoft JhengHei" panose="020B0604030504040204" pitchFamily="34" charset="-120"/>
-                <a:ea typeface="Microsoft JhengHei" panose="020B0604030504040204" pitchFamily="34" charset="-120"/>
-              </a:rPr>
-              <a:t>喜</a:t>
-            </a:r>
-            <a:r>
-              <a:rPr lang="zh-TW" altLang="en-US" sz="5400" b="1" dirty="0">
-                <a:latin typeface="Microsoft JhengHei" panose="020B0604030504040204" pitchFamily="34" charset="-120"/>
-                <a:ea typeface="Microsoft JhengHei" panose="020B0604030504040204" pitchFamily="34" charset="-120"/>
-              </a:rPr>
-              <a:t>樂 耶穌是明白</a:t>
-            </a:r>
-          </a:p>
         </p:txBody>
       </p:sp>
     </p:spTree>
+    <p:extLst>
+      <p:ext uri="{BB962C8B-B14F-4D97-AF65-F5344CB8AC3E}">
+        <p14:creationId xmlns:p14="http://schemas.microsoft.com/office/powerpoint/2010/main" val="3201097932"/>
+      </p:ext>
+    </p:extLst>
   </p:cSld>
   <p:clrMapOvr>
     <a:masterClrMapping/>
   </p:clrMapOvr>
+  <p:timing>
+    <p:tnLst>
+      <p:par>
+        <p:cTn id="1" dur="indefinite" restart="never" nodeType="tmRoot"/>
+      </p:par>
+    </p:tnLst>
+  </p:timing>
 </p:sld>
 </file>
 
@@ -3524,106 +4915,102 @@
       </p:grpSpPr>
       <p:sp>
         <p:nvSpPr>
-          <p:cNvPr id="4" name="標題 3"/>
-          <p:cNvSpPr>
-            <a:spLocks noGrp="1"/>
-          </p:cNvSpPr>
-          <p:nvPr>
-            <p:ph type="title"/>
-          </p:nvPr>
-        </p:nvSpPr>
-        <p:spPr/>
-        <p:txBody>
-          <a:bodyPr>
+          <p:cNvPr id="5" name="內容版面配置區 4"/>
+          <p:cNvSpPr>
+            <a:spLocks noGrp="1"/>
+          </p:cNvSpPr>
+          <p:nvPr>
+            <p:ph idx="1"/>
+          </p:nvPr>
+        </p:nvSpPr>
+        <p:spPr>
+          <a:xfrm>
+            <a:off x="0" y="2084851"/>
+            <a:ext cx="12192000" cy="2404863"/>
+          </a:xfrm>
+        </p:spPr>
+        <p:txBody>
+          <a:bodyPr anchor="ctr">
             <a:normAutofit/>
           </a:bodyPr>
           <a:lstStyle/>
           <a:p>
-            <a:r>
-              <a:rPr lang="zh-CN" altLang="en-US" sz="4800" b="1" dirty="0">
-                <a:latin typeface="Microsoft JhengHei" panose="020B0604030504040204" pitchFamily="34" charset="-120"/>
-                <a:ea typeface="Microsoft JhengHei" panose="020B0604030504040204" pitchFamily="34" charset="-120"/>
-              </a:rPr>
-              <a:t>耶穌明白</a:t>
-            </a:r>
-            <a:endParaRPr lang="zh-TW" altLang="en-US" sz="4800" b="1" dirty="0">
-              <a:latin typeface="Microsoft JhengHei" panose="020B0604030504040204" pitchFamily="34" charset="-120"/>
-              <a:ea typeface="Microsoft JhengHei" panose="020B0604030504040204" pitchFamily="34" charset="-120"/>
+            <a:pPr algn="ctr">
+              <a:buNone/>
+            </a:pPr>
+            <a:r>
+              <a:rPr lang="zh-TW" altLang="en-US" sz="6400" b="1" dirty="0">
+                <a:solidFill>
+                  <a:srgbClr val="660033"/>
+                </a:solidFill>
+                <a:latin typeface="Microsoft JhengHei" pitchFamily="34" charset="-120"/>
+                <a:ea typeface="Microsoft JhengHei" pitchFamily="34" charset="-120"/>
+              </a:rPr>
+              <a:t>謹守主的命令行走天路客</a:t>
+            </a:r>
+          </a:p>
+          <a:p>
+            <a:pPr algn="ctr">
+              <a:buNone/>
+            </a:pPr>
+            <a:r>
+              <a:rPr lang="zh-TW" altLang="en-US" sz="6400" b="1" dirty="0">
+                <a:solidFill>
+                  <a:srgbClr val="660033"/>
+                </a:solidFill>
+                <a:latin typeface="Microsoft JhengHei" pitchFamily="34" charset="-120"/>
+                <a:ea typeface="Microsoft JhengHei" pitchFamily="34" charset="-120"/>
+              </a:rPr>
+              <a:t>你所遭遇一切 耶穌是明白</a:t>
+            </a:r>
+          </a:p>
+        </p:txBody>
+      </p:sp>
+      <p:sp>
+        <p:nvSpPr>
+          <p:cNvPr id="3" name="TextBox 2"/>
+          <p:cNvSpPr txBox="1"/>
+          <p:nvPr/>
+        </p:nvSpPr>
+        <p:spPr>
+          <a:xfrm>
+            <a:off x="0" y="5061181"/>
+            <a:ext cx="12192000" cy="666786"/>
+          </a:xfrm>
+          <a:prstGeom prst="rect">
+            <a:avLst/>
+          </a:prstGeom>
+          <a:noFill/>
+        </p:spPr>
+        <p:txBody>
+          <a:bodyPr wrap="square" rtlCol="0">
+            <a:spAutoFit/>
+          </a:bodyPr>
+          <a:lstStyle/>
+          <a:p>
+            <a:pPr algn="ctr"/>
+            <a:r>
+              <a:rPr lang="en-US" sz="3733" b="1" dirty="0">
+                <a:solidFill>
+                  <a:srgbClr val="660033"/>
+                </a:solidFill>
+              </a:rPr>
+              <a:t>( 1 / 4 )</a:t>
+            </a:r>
+            <a:endParaRPr lang="vi-VN" sz="3733" b="1" dirty="0">
+              <a:solidFill>
+                <a:srgbClr val="660033"/>
+              </a:solidFill>
             </a:endParaRPr>
           </a:p>
         </p:txBody>
       </p:sp>
-      <p:sp>
-        <p:nvSpPr>
-          <p:cNvPr id="5" name="內容版面配置區 4"/>
-          <p:cNvSpPr>
-            <a:spLocks noGrp="1"/>
-          </p:cNvSpPr>
-          <p:nvPr>
-            <p:ph idx="1"/>
-          </p:nvPr>
-        </p:nvSpPr>
-        <p:spPr/>
-        <p:txBody>
-          <a:bodyPr>
-            <a:normAutofit/>
-          </a:bodyPr>
-          <a:lstStyle/>
-          <a:p>
-            <a:pPr lvl="0" algn="ctr">
-              <a:buNone/>
-            </a:pPr>
-            <a:r>
-              <a:rPr lang="zh-TW" altLang="en-US" sz="5400" b="1" dirty="0">
-                <a:latin typeface="Microsoft JhengHei" panose="020B0604030504040204" pitchFamily="34" charset="-120"/>
-                <a:ea typeface="Microsoft JhengHei" panose="020B0604030504040204" pitchFamily="34" charset="-120"/>
-              </a:rPr>
-              <a:t>各等重擔 主最樂意為你背</a:t>
-            </a:r>
-          </a:p>
-          <a:p>
-            <a:pPr algn="ctr">
-              <a:buNone/>
-            </a:pPr>
-            <a:r>
-              <a:rPr lang="zh-TW" altLang="en-US" sz="5400" b="1" dirty="0">
-                <a:latin typeface="Microsoft JhengHei" panose="020B0604030504040204" pitchFamily="34" charset="-120"/>
-                <a:ea typeface="Microsoft JhengHei" panose="020B0604030504040204" pitchFamily="34" charset="-120"/>
-              </a:rPr>
-              <a:t>你的憂愁疲倦耶穌肯安慰</a:t>
-            </a:r>
-            <a:endParaRPr lang="en-US" altLang="zh-TW" sz="5400" b="1" dirty="0">
-              <a:latin typeface="Microsoft JhengHei" panose="020B0604030504040204" pitchFamily="34" charset="-120"/>
-              <a:ea typeface="Microsoft JhengHei" panose="020B0604030504040204" pitchFamily="34" charset="-120"/>
-            </a:endParaRPr>
-          </a:p>
-          <a:p>
-            <a:pPr algn="ctr">
-              <a:buNone/>
-            </a:pPr>
-            <a:r>
-              <a:rPr lang="zh-TW" altLang="en-US" sz="5400" b="1" dirty="0">
-                <a:latin typeface="Microsoft JhengHei" panose="020B0604030504040204" pitchFamily="34" charset="-120"/>
-                <a:ea typeface="Microsoft JhengHei" panose="020B0604030504040204" pitchFamily="34" charset="-120"/>
-              </a:rPr>
-              <a:t>行路雖然艱難 主必能扶助</a:t>
-            </a:r>
-          </a:p>
-          <a:p>
-            <a:pPr algn="ctr">
-              <a:buNone/>
-            </a:pPr>
-            <a:r>
-              <a:rPr lang="zh-TW" altLang="en-US" sz="5400" b="1" dirty="0">
-                <a:latin typeface="Microsoft JhengHei" panose="020B0604030504040204" pitchFamily="34" charset="-120"/>
-                <a:ea typeface="Microsoft JhengHei" panose="020B0604030504040204" pitchFamily="34" charset="-120"/>
-              </a:rPr>
-              <a:t>勇往疲倦遠客 耶穌是明白</a:t>
-            </a:r>
-          </a:p>
-        </p:txBody>
-      </p:sp>
     </p:spTree>
+    <p:extLst>
+      <p:ext uri="{BB962C8B-B14F-4D97-AF65-F5344CB8AC3E}">
+        <p14:creationId xmlns:p14="http://schemas.microsoft.com/office/powerpoint/2010/main" val="3985326437"/>
+      </p:ext>
+    </p:extLst>
   </p:cSld>
   <p:clrMapOvr>
     <a:masterClrMapping/>
@@ -3657,78 +5044,56 @@
       </p:grpSpPr>
       <p:sp>
         <p:nvSpPr>
-          <p:cNvPr id="4" name="標題 3"/>
-          <p:cNvSpPr>
-            <a:spLocks noGrp="1"/>
-          </p:cNvSpPr>
-          <p:nvPr>
-            <p:ph type="title"/>
-          </p:nvPr>
-        </p:nvSpPr>
-        <p:spPr/>
-        <p:txBody>
-          <a:bodyPr>
+          <p:cNvPr id="5" name="內容版面配置區 4"/>
+          <p:cNvSpPr>
+            <a:spLocks noGrp="1"/>
+          </p:cNvSpPr>
+          <p:nvPr>
+            <p:ph idx="1"/>
+          </p:nvPr>
+        </p:nvSpPr>
+        <p:spPr>
+          <a:xfrm>
+            <a:off x="0" y="2084851"/>
+            <a:ext cx="12192000" cy="2404863"/>
+          </a:xfrm>
+        </p:spPr>
+        <p:txBody>
+          <a:bodyPr anchor="ctr">
             <a:normAutofit/>
           </a:bodyPr>
           <a:lstStyle/>
           <a:p>
-            <a:r>
-              <a:rPr lang="zh-CN" altLang="en-US" sz="4800" b="1" dirty="0">
-                <a:latin typeface="Microsoft JhengHei" panose="020B0604030504040204" pitchFamily="34" charset="-120"/>
-                <a:ea typeface="Microsoft JhengHei" panose="020B0604030504040204" pitchFamily="34" charset="-120"/>
-              </a:rPr>
-              <a:t>耶穌明白</a:t>
-            </a:r>
-            <a:endParaRPr lang="zh-TW" altLang="en-US" sz="4800" b="1" dirty="0">
-              <a:latin typeface="Microsoft JhengHei" panose="020B0604030504040204" pitchFamily="34" charset="-120"/>
-              <a:ea typeface="Microsoft JhengHei" panose="020B0604030504040204" pitchFamily="34" charset="-120"/>
-            </a:endParaRPr>
-          </a:p>
-        </p:txBody>
-      </p:sp>
-      <p:sp>
-        <p:nvSpPr>
-          <p:cNvPr id="5" name="內容版面配置區 4"/>
-          <p:cNvSpPr>
-            <a:spLocks noGrp="1"/>
-          </p:cNvSpPr>
-          <p:nvPr>
-            <p:ph idx="1"/>
-          </p:nvPr>
-        </p:nvSpPr>
-        <p:spPr>
-          <a:xfrm>
-            <a:off x="1981200" y="1600200"/>
-            <a:ext cx="8229600" cy="5257800"/>
-          </a:xfrm>
-        </p:spPr>
-        <p:txBody>
-          <a:bodyPr>
-            <a:normAutofit/>
-          </a:bodyPr>
-          <a:lstStyle/>
-          <a:p>
             <a:pPr algn="ctr">
               <a:buNone/>
             </a:pPr>
             <a:r>
-              <a:rPr lang="zh-TW" altLang="en-US" sz="5400" b="1" dirty="0">
-                <a:latin typeface="Microsoft JhengHei" panose="020B0604030504040204" pitchFamily="34" charset="-120"/>
-                <a:ea typeface="Microsoft JhengHei" panose="020B0604030504040204" pitchFamily="34" charset="-120"/>
+              <a:rPr lang="zh-TW" altLang="en-US" sz="6400" b="1" dirty="0">
+                <a:solidFill>
+                  <a:srgbClr val="660033"/>
+                </a:solidFill>
+                <a:latin typeface="Microsoft JhengHei" pitchFamily="34" charset="-120"/>
+                <a:ea typeface="Microsoft JhengHei" pitchFamily="34" charset="-120"/>
               </a:rPr>
               <a:t>是</a:t>
             </a:r>
             <a:r>
-              <a:rPr lang="zh-CN" altLang="en-US" sz="5400" b="1" dirty="0">
-                <a:latin typeface="Microsoft JhengHei" panose="020B0604030504040204" pitchFamily="34" charset="-120"/>
-                <a:ea typeface="Microsoft JhengHei" panose="020B0604030504040204" pitchFamily="34" charset="-120"/>
+              <a:rPr lang="zh-CN" altLang="en-US" sz="6400" b="1" dirty="0">
+                <a:solidFill>
+                  <a:srgbClr val="660033"/>
+                </a:solidFill>
+                <a:latin typeface="Microsoft JhengHei" pitchFamily="34" charset="-120"/>
+                <a:ea typeface="Microsoft JhengHei" pitchFamily="34" charset="-120"/>
               </a:rPr>
               <a:t>耶穌明白  </a:t>
             </a:r>
             <a:r>
-              <a:rPr lang="zh-TW" altLang="en-US" sz="5400" b="1" dirty="0">
-                <a:latin typeface="Microsoft JhengHei" panose="020B0604030504040204" pitchFamily="34" charset="-120"/>
-                <a:ea typeface="Microsoft JhengHei" panose="020B0604030504040204" pitchFamily="34" charset="-120"/>
+              <a:rPr lang="zh-TW" altLang="en-US" sz="6400" b="1" dirty="0">
+                <a:solidFill>
+                  <a:srgbClr val="660033"/>
+                </a:solidFill>
+                <a:latin typeface="Microsoft JhengHei" pitchFamily="34" charset="-120"/>
+                <a:ea typeface="Microsoft JhengHei" pitchFamily="34" charset="-120"/>
               </a:rPr>
               <a:t>主路是最善</a:t>
             </a:r>
@@ -3738,77 +5103,54 @@
               <a:buNone/>
             </a:pPr>
             <a:r>
-              <a:rPr lang="zh-TW" altLang="en-US" sz="5400" b="1" dirty="0">
-                <a:latin typeface="Microsoft JhengHei" panose="020B0604030504040204" pitchFamily="34" charset="-120"/>
-                <a:ea typeface="Microsoft JhengHei" panose="020B0604030504040204" pitchFamily="34" charset="-120"/>
+              <a:rPr lang="zh-TW" altLang="en-US" sz="6400" b="1" dirty="0">
+                <a:solidFill>
+                  <a:srgbClr val="660033"/>
+                </a:solidFill>
+                <a:latin typeface="Microsoft JhengHei" pitchFamily="34" charset="-120"/>
+                <a:ea typeface="Microsoft JhengHei" pitchFamily="34" charset="-120"/>
               </a:rPr>
               <a:t>聽主召你</a:t>
             </a:r>
             <a:r>
-              <a:rPr lang="zh-CN" altLang="en-US" sz="5400" b="1" dirty="0">
-                <a:latin typeface="Microsoft JhengHei" panose="020B0604030504040204" pitchFamily="34" charset="-120"/>
-                <a:ea typeface="Microsoft JhengHei" panose="020B0604030504040204" pitchFamily="34" charset="-120"/>
+              <a:rPr lang="zh-CN" altLang="en-US" sz="6400" b="1" dirty="0">
+                <a:solidFill>
+                  <a:srgbClr val="660033"/>
+                </a:solidFill>
+                <a:latin typeface="Microsoft JhengHei" pitchFamily="34" charset="-120"/>
+                <a:ea typeface="Microsoft JhengHei" pitchFamily="34" charset="-120"/>
               </a:rPr>
               <a:t>說</a:t>
             </a:r>
-            <a:endParaRPr lang="zh-TW" altLang="en-US" sz="5400" b="1" dirty="0">
-              <a:latin typeface="Microsoft JhengHei" panose="020B0604030504040204" pitchFamily="34" charset="-120"/>
-              <a:ea typeface="Microsoft JhengHei" panose="020B0604030504040204" pitchFamily="34" charset="-120"/>
-            </a:endParaRPr>
-          </a:p>
-          <a:p>
-            <a:pPr algn="ctr">
-              <a:buNone/>
-            </a:pPr>
-            <a:r>
-              <a:rPr lang="zh-TW" altLang="en-US" sz="5400" b="1" dirty="0">
-                <a:latin typeface="Microsoft JhengHei" panose="020B0604030504040204" pitchFamily="34" charset="-120"/>
-                <a:ea typeface="Microsoft JhengHei" panose="020B0604030504040204" pitchFamily="34" charset="-120"/>
-              </a:rPr>
-              <a:t>來 就我得安</a:t>
-            </a:r>
-          </a:p>
-          <a:p>
-            <a:pPr algn="ctr">
-              <a:buNone/>
-            </a:pPr>
-            <a:r>
-              <a:rPr lang="zh-TW" altLang="en-US" sz="5400" b="1" dirty="0">
-                <a:latin typeface="Microsoft JhengHei" panose="020B0604030504040204" pitchFamily="34" charset="-120"/>
-                <a:ea typeface="Microsoft JhengHei" panose="020B0604030504040204" pitchFamily="34" charset="-120"/>
-              </a:rPr>
-              <a:t>前途或順 或逆 全交主手裏</a:t>
-            </a:r>
-          </a:p>
-          <a:p>
-            <a:pPr algn="ctr">
-              <a:buNone/>
-            </a:pPr>
-            <a:r>
-              <a:rPr lang="zh-TW" altLang="en-US" sz="5400" b="1" dirty="0">
-                <a:latin typeface="Microsoft JhengHei" panose="020B0604030504040204" pitchFamily="34" charset="-120"/>
-                <a:ea typeface="Microsoft JhengHei" panose="020B0604030504040204" pitchFamily="34" charset="-120"/>
-              </a:rPr>
-              <a:t>或</a:t>
-            </a:r>
-            <a:r>
-              <a:rPr lang="zh-CN" altLang="en-US" sz="5400" b="1" dirty="0">
-                <a:latin typeface="Microsoft JhengHei" panose="020B0604030504040204" pitchFamily="34" charset="-120"/>
-                <a:ea typeface="Microsoft JhengHei" panose="020B0604030504040204" pitchFamily="34" charset="-120"/>
-              </a:rPr>
-              <a:t>者</a:t>
-            </a:r>
-            <a:r>
-              <a:rPr lang="zh-TW" altLang="en-US" sz="5400" b="1" dirty="0">
-                <a:latin typeface="Microsoft JhengHei" panose="020B0604030504040204" pitchFamily="34" charset="-120"/>
-                <a:ea typeface="Microsoft JhengHei" panose="020B0604030504040204" pitchFamily="34" charset="-120"/>
-              </a:rPr>
-              <a:t>憂愁 喜樂 耶穌是明白</a:t>
+            <a:r>
+              <a:rPr lang="zh-TW" altLang="en-US" sz="6400" b="1" dirty="0">
+                <a:solidFill>
+                  <a:srgbClr val="660033"/>
+                </a:solidFill>
+                <a:latin typeface="Microsoft JhengHei" pitchFamily="34" charset="-120"/>
+                <a:ea typeface="Microsoft JhengHei" pitchFamily="34" charset="-120"/>
+              </a:rPr>
+              <a:t>  來就</a:t>
+            </a:r>
+            <a:r>
+              <a:rPr lang="zh-TW" altLang="en-US" sz="6400" b="1" dirty="0">
+                <a:solidFill>
+                  <a:srgbClr val="660033"/>
+                </a:solidFill>
+                <a:latin typeface="Microsoft JhengHei" pitchFamily="34" charset="-120"/>
+                <a:ea typeface="Microsoft JhengHei" pitchFamily="34" charset="-120"/>
+              </a:rPr>
+              <a:t>我得安</a:t>
             </a:r>
           </a:p>
         </p:txBody>
       </p:sp>
     </p:spTree>
+    <p:extLst>
+      <p:ext uri="{BB962C8B-B14F-4D97-AF65-F5344CB8AC3E}">
+        <p14:creationId xmlns:p14="http://schemas.microsoft.com/office/powerpoint/2010/main" val="3748752583"/>
+      </p:ext>
+    </p:extLst>
   </p:cSld>
   <p:clrMapOvr>
     <a:masterClrMapping/>
@@ -3842,61 +5184,78 @@
       </p:grpSpPr>
       <p:sp>
         <p:nvSpPr>
-          <p:cNvPr id="4" name="標題 3"/>
-          <p:cNvSpPr>
-            <a:spLocks noGrp="1"/>
-          </p:cNvSpPr>
-          <p:nvPr>
-            <p:ph type="title"/>
-          </p:nvPr>
-        </p:nvSpPr>
-        <p:spPr/>
-        <p:txBody>
-          <a:bodyPr>
+          <p:cNvPr id="5" name="內容版面配置區 4"/>
+          <p:cNvSpPr>
+            <a:spLocks noGrp="1"/>
+          </p:cNvSpPr>
+          <p:nvPr>
+            <p:ph idx="1"/>
+          </p:nvPr>
+        </p:nvSpPr>
+        <p:spPr>
+          <a:xfrm>
+            <a:off x="0" y="2084851"/>
+            <a:ext cx="12192000" cy="2404863"/>
+          </a:xfrm>
+        </p:spPr>
+        <p:txBody>
+          <a:bodyPr anchor="ctr">
             <a:normAutofit/>
           </a:bodyPr>
           <a:lstStyle/>
           <a:p>
-            <a:r>
-              <a:rPr lang="zh-CN" altLang="en-US" sz="4800" b="1" dirty="0">
-                <a:latin typeface="Microsoft JhengHei" panose="020B0604030504040204" pitchFamily="34" charset="-120"/>
-                <a:ea typeface="Microsoft JhengHei" panose="020B0604030504040204" pitchFamily="34" charset="-120"/>
-              </a:rPr>
-              <a:t>耶穌明白</a:t>
-            </a:r>
-            <a:endParaRPr lang="zh-TW" altLang="en-US" sz="4800" b="1" dirty="0">
-              <a:latin typeface="Microsoft JhengHei" panose="020B0604030504040204" pitchFamily="34" charset="-120"/>
-              <a:ea typeface="Microsoft JhengHei" panose="020B0604030504040204" pitchFamily="34" charset="-120"/>
-            </a:endParaRPr>
-          </a:p>
-        </p:txBody>
-      </p:sp>
-      <p:sp>
-        <p:nvSpPr>
-          <p:cNvPr id="5" name="內容版面配置區 4"/>
-          <p:cNvSpPr>
-            <a:spLocks noGrp="1"/>
-          </p:cNvSpPr>
-          <p:nvPr>
-            <p:ph idx="1"/>
-          </p:nvPr>
-        </p:nvSpPr>
-        <p:spPr/>
-        <p:txBody>
-          <a:bodyPr>
-            <a:normAutofit/>
-          </a:bodyPr>
-          <a:lstStyle/>
-          <a:p>
-            <a:pPr lvl="0" algn="ctr">
+            <a:pPr algn="ctr">
               <a:buNone/>
             </a:pPr>
             <a:r>
-              <a:rPr lang="zh-TW" altLang="en-US" sz="5400" b="1" dirty="0">
-                <a:latin typeface="Microsoft JhengHei" panose="020B0604030504040204" pitchFamily="34" charset="-120"/>
-                <a:ea typeface="Microsoft JhengHei" panose="020B0604030504040204" pitchFamily="34" charset="-120"/>
-              </a:rPr>
-              <a:t>雖有試探臨到 耶穌肯擔當</a:t>
+              <a:rPr lang="zh-TW" altLang="en-US" sz="6400" b="1" dirty="0">
+                <a:solidFill>
+                  <a:srgbClr val="660033"/>
+                </a:solidFill>
+                <a:latin typeface="Microsoft JhengHei" pitchFamily="34" charset="-120"/>
+                <a:ea typeface="Microsoft JhengHei" pitchFamily="34" charset="-120"/>
+              </a:rPr>
+              <a:t>前途或順 </a:t>
+            </a:r>
+            <a:r>
+              <a:rPr lang="zh-TW" altLang="en-US" sz="6400" b="1" dirty="0">
+                <a:solidFill>
+                  <a:srgbClr val="660033"/>
+                </a:solidFill>
+                <a:latin typeface="Microsoft JhengHei" pitchFamily="34" charset="-120"/>
+                <a:ea typeface="Microsoft JhengHei" pitchFamily="34" charset="-120"/>
+              </a:rPr>
+              <a:t> 或</a:t>
+            </a:r>
+            <a:r>
+              <a:rPr lang="zh-TW" altLang="en-US" sz="6400" b="1" dirty="0">
+                <a:solidFill>
+                  <a:srgbClr val="660033"/>
+                </a:solidFill>
+                <a:latin typeface="Microsoft JhengHei" pitchFamily="34" charset="-120"/>
+                <a:ea typeface="Microsoft JhengHei" pitchFamily="34" charset="-120"/>
+              </a:rPr>
+              <a:t>逆 </a:t>
+            </a:r>
+            <a:r>
+              <a:rPr lang="zh-TW" altLang="en-US" sz="6400" b="1" dirty="0">
+                <a:solidFill>
+                  <a:srgbClr val="660033"/>
+                </a:solidFill>
+                <a:latin typeface="Microsoft JhengHei" pitchFamily="34" charset="-120"/>
+                <a:ea typeface="Microsoft JhengHei" pitchFamily="34" charset="-120"/>
+              </a:rPr>
+              <a:t> 全</a:t>
+            </a:r>
+            <a:r>
+              <a:rPr lang="zh-TW" altLang="en-US" sz="6400" b="1" dirty="0">
+                <a:solidFill>
+                  <a:srgbClr val="660033"/>
+                </a:solidFill>
+                <a:latin typeface="Microsoft JhengHei" pitchFamily="34" charset="-120"/>
+                <a:ea typeface="Microsoft JhengHei" pitchFamily="34" charset="-120"/>
+              </a:rPr>
+              <a:t>交主手裏</a:t>
             </a:r>
           </a:p>
           <a:p>
@@ -3904,44 +5263,84 @@
               <a:buNone/>
             </a:pPr>
             <a:r>
-              <a:rPr lang="zh-TW" altLang="en-US" sz="5400" b="1" dirty="0">
-                <a:latin typeface="Microsoft JhengHei" panose="020B0604030504040204" pitchFamily="34" charset="-120"/>
-                <a:ea typeface="Microsoft JhengHei" panose="020B0604030504040204" pitchFamily="34" charset="-120"/>
-              </a:rPr>
-              <a:t>一生所有煩惱主能代解放</a:t>
-            </a:r>
-            <a:endParaRPr lang="en-US" altLang="zh-TW" sz="5400" b="1" dirty="0">
-              <a:latin typeface="Microsoft JhengHei" panose="020B0604030504040204" pitchFamily="34" charset="-120"/>
-              <a:ea typeface="Microsoft JhengHei" panose="020B0604030504040204" pitchFamily="34" charset="-120"/>
-            </a:endParaRPr>
-          </a:p>
-          <a:p>
-            <a:pPr algn="ctr">
-              <a:buNone/>
-            </a:pPr>
-            <a:r>
-              <a:rPr lang="zh-TW" altLang="en-US" sz="5400" b="1" dirty="0">
-                <a:latin typeface="Microsoft JhengHei" panose="020B0604030504040204" pitchFamily="34" charset="-120"/>
-                <a:ea typeface="Microsoft JhengHei" panose="020B0604030504040204" pitchFamily="34" charset="-120"/>
-              </a:rPr>
-              <a:t>事之大小 繁難 全交主手裏</a:t>
-            </a:r>
-          </a:p>
-          <a:p>
-            <a:pPr algn="ctr">
-              <a:buNone/>
-            </a:pPr>
-            <a:r>
-              <a:rPr lang="zh-TW" altLang="en-US" sz="5400" b="1" dirty="0">
-                <a:latin typeface="Microsoft JhengHei" panose="020B0604030504040204" pitchFamily="34" charset="-120"/>
-                <a:ea typeface="Microsoft JhengHei" panose="020B0604030504040204" pitchFamily="34" charset="-120"/>
-              </a:rPr>
-              <a:t>毋疑惑 毋詰問 耶穌是明白</a:t>
+              <a:rPr lang="zh-TW" altLang="en-US" sz="6400" b="1" dirty="0">
+                <a:solidFill>
+                  <a:srgbClr val="660033"/>
+                </a:solidFill>
+                <a:latin typeface="Microsoft JhengHei" pitchFamily="34" charset="-120"/>
+                <a:ea typeface="Microsoft JhengHei" pitchFamily="34" charset="-120"/>
+              </a:rPr>
+              <a:t>或</a:t>
+            </a:r>
+            <a:r>
+              <a:rPr lang="zh-CN" altLang="en-US" sz="6400" b="1" dirty="0">
+                <a:solidFill>
+                  <a:srgbClr val="660033"/>
+                </a:solidFill>
+                <a:latin typeface="Microsoft JhengHei" pitchFamily="34" charset="-120"/>
+                <a:ea typeface="Microsoft JhengHei" pitchFamily="34" charset="-120"/>
+              </a:rPr>
+              <a:t>者</a:t>
+            </a:r>
+            <a:r>
+              <a:rPr lang="zh-TW" altLang="en-US" sz="6400" b="1" dirty="0">
+                <a:solidFill>
+                  <a:srgbClr val="660033"/>
+                </a:solidFill>
+                <a:latin typeface="Microsoft JhengHei" pitchFamily="34" charset="-120"/>
+                <a:ea typeface="Microsoft JhengHei" pitchFamily="34" charset="-120"/>
+              </a:rPr>
+              <a:t>憂愁 </a:t>
+            </a:r>
+            <a:r>
+              <a:rPr lang="zh-TW" altLang="en-US" sz="6400" b="1" dirty="0">
+                <a:solidFill>
+                  <a:srgbClr val="660033"/>
+                </a:solidFill>
+                <a:latin typeface="Microsoft JhengHei" pitchFamily="34" charset="-120"/>
+                <a:ea typeface="Microsoft JhengHei" pitchFamily="34" charset="-120"/>
+              </a:rPr>
+              <a:t> 喜</a:t>
+            </a:r>
+            <a:r>
+              <a:rPr lang="zh-TW" altLang="en-US" sz="6400" b="1" dirty="0">
+                <a:solidFill>
+                  <a:srgbClr val="660033"/>
+                </a:solidFill>
+                <a:latin typeface="Microsoft JhengHei" pitchFamily="34" charset="-120"/>
+                <a:ea typeface="Microsoft JhengHei" pitchFamily="34" charset="-120"/>
+              </a:rPr>
+              <a:t>樂 </a:t>
+            </a:r>
+            <a:r>
+              <a:rPr lang="zh-TW" altLang="en-US" sz="6400" b="1" dirty="0">
+                <a:solidFill>
+                  <a:srgbClr val="660033"/>
+                </a:solidFill>
+                <a:latin typeface="Microsoft JhengHei" pitchFamily="34" charset="-120"/>
+                <a:ea typeface="Microsoft JhengHei" pitchFamily="34" charset="-120"/>
+              </a:rPr>
+              <a:t> 耶</a:t>
+            </a:r>
+            <a:r>
+              <a:rPr lang="zh-TW" altLang="en-US" sz="6400" b="1" dirty="0">
+                <a:solidFill>
+                  <a:srgbClr val="660033"/>
+                </a:solidFill>
+                <a:latin typeface="Microsoft JhengHei" pitchFamily="34" charset="-120"/>
+                <a:ea typeface="Microsoft JhengHei" pitchFamily="34" charset="-120"/>
+              </a:rPr>
+              <a:t>穌是明白</a:t>
             </a:r>
           </a:p>
         </p:txBody>
       </p:sp>
     </p:spTree>
+    <p:extLst>
+      <p:ext uri="{BB962C8B-B14F-4D97-AF65-F5344CB8AC3E}">
+        <p14:creationId xmlns:p14="http://schemas.microsoft.com/office/powerpoint/2010/main" val="406165402"/>
+      </p:ext>
+    </p:extLst>
   </p:cSld>
   <p:clrMapOvr>
     <a:masterClrMapping/>
@@ -3975,162 +5374,160 @@
       </p:grpSpPr>
       <p:sp>
         <p:nvSpPr>
-          <p:cNvPr id="4" name="標題 3"/>
-          <p:cNvSpPr>
-            <a:spLocks noGrp="1"/>
-          </p:cNvSpPr>
-          <p:nvPr>
-            <p:ph type="title"/>
-          </p:nvPr>
-        </p:nvSpPr>
-        <p:spPr/>
-        <p:txBody>
-          <a:bodyPr>
+          <p:cNvPr id="5" name="內容版面配置區 4"/>
+          <p:cNvSpPr>
+            <a:spLocks noGrp="1"/>
+          </p:cNvSpPr>
+          <p:nvPr>
+            <p:ph idx="1"/>
+          </p:nvPr>
+        </p:nvSpPr>
+        <p:spPr>
+          <a:xfrm>
+            <a:off x="0" y="2084851"/>
+            <a:ext cx="12192000" cy="2404863"/>
+          </a:xfrm>
+        </p:spPr>
+        <p:txBody>
+          <a:bodyPr anchor="ctr">
             <a:normAutofit/>
           </a:bodyPr>
           <a:lstStyle/>
           <a:p>
-            <a:r>
-              <a:rPr lang="zh-CN" altLang="en-US" sz="4800" b="1" dirty="0">
-                <a:latin typeface="Microsoft JhengHei" panose="020B0604030504040204" pitchFamily="34" charset="-120"/>
-                <a:ea typeface="Microsoft JhengHei" panose="020B0604030504040204" pitchFamily="34" charset="-120"/>
-              </a:rPr>
-              <a:t>耶穌明白</a:t>
-            </a:r>
-            <a:endParaRPr lang="zh-TW" altLang="en-US" sz="4800" b="1" dirty="0">
-              <a:latin typeface="Microsoft JhengHei" panose="020B0604030504040204" pitchFamily="34" charset="-120"/>
-              <a:ea typeface="Microsoft JhengHei" panose="020B0604030504040204" pitchFamily="34" charset="-120"/>
+            <a:pPr lvl="0" algn="ctr">
+              <a:buNone/>
+            </a:pPr>
+            <a:r>
+              <a:rPr lang="zh-TW" altLang="en-US" sz="6400" b="1" dirty="0">
+                <a:solidFill>
+                  <a:srgbClr val="660033"/>
+                </a:solidFill>
+                <a:latin typeface="Microsoft JhengHei" pitchFamily="34" charset="-120"/>
+                <a:ea typeface="Microsoft JhengHei" pitchFamily="34" charset="-120"/>
+              </a:rPr>
+              <a:t>各等重擔 </a:t>
+            </a:r>
+            <a:r>
+              <a:rPr lang="zh-TW" altLang="en-US" sz="6400" b="1" dirty="0">
+                <a:solidFill>
+                  <a:srgbClr val="660033"/>
+                </a:solidFill>
+                <a:latin typeface="Microsoft JhengHei" pitchFamily="34" charset="-120"/>
+                <a:ea typeface="Microsoft JhengHei" pitchFamily="34" charset="-120"/>
+              </a:rPr>
+              <a:t> 主</a:t>
+            </a:r>
+            <a:r>
+              <a:rPr lang="zh-TW" altLang="en-US" sz="6400" b="1" dirty="0">
+                <a:solidFill>
+                  <a:srgbClr val="660033"/>
+                </a:solidFill>
+                <a:latin typeface="Microsoft JhengHei" pitchFamily="34" charset="-120"/>
+                <a:ea typeface="Microsoft JhengHei" pitchFamily="34" charset="-120"/>
+              </a:rPr>
+              <a:t>最樂意為你背</a:t>
+            </a:r>
+          </a:p>
+          <a:p>
+            <a:pPr algn="ctr">
+              <a:buNone/>
+            </a:pPr>
+            <a:r>
+              <a:rPr lang="zh-TW" altLang="en-US" sz="6400" b="1" dirty="0">
+                <a:solidFill>
+                  <a:srgbClr val="660033"/>
+                </a:solidFill>
+                <a:latin typeface="Microsoft JhengHei" pitchFamily="34" charset="-120"/>
+                <a:ea typeface="Microsoft JhengHei" pitchFamily="34" charset="-120"/>
+              </a:rPr>
+              <a:t>你的憂愁疲</a:t>
+            </a:r>
+            <a:r>
+              <a:rPr lang="zh-TW" altLang="en-US" sz="6400" b="1" dirty="0">
+                <a:solidFill>
+                  <a:srgbClr val="660033"/>
+                </a:solidFill>
+                <a:latin typeface="Microsoft JhengHei" pitchFamily="34" charset="-120"/>
+                <a:ea typeface="Microsoft JhengHei" pitchFamily="34" charset="-120"/>
+              </a:rPr>
+              <a:t>倦  耶</a:t>
+            </a:r>
+            <a:r>
+              <a:rPr lang="zh-TW" altLang="en-US" sz="6400" b="1" dirty="0">
+                <a:solidFill>
+                  <a:srgbClr val="660033"/>
+                </a:solidFill>
+                <a:latin typeface="Microsoft JhengHei" pitchFamily="34" charset="-120"/>
+                <a:ea typeface="Microsoft JhengHei" pitchFamily="34" charset="-120"/>
+              </a:rPr>
+              <a:t>穌肯安慰</a:t>
+            </a:r>
+            <a:endParaRPr lang="en-US" altLang="zh-TW" sz="6400" b="1" dirty="0">
+              <a:solidFill>
+                <a:srgbClr val="660033"/>
+              </a:solidFill>
+              <a:latin typeface="Microsoft JhengHei" pitchFamily="34" charset="-120"/>
+              <a:ea typeface="Microsoft JhengHei" pitchFamily="34" charset="-120"/>
             </a:endParaRPr>
           </a:p>
         </p:txBody>
       </p:sp>
       <p:sp>
         <p:nvSpPr>
-          <p:cNvPr id="5" name="內容版面配置區 4"/>
-          <p:cNvSpPr>
-            <a:spLocks noGrp="1"/>
-          </p:cNvSpPr>
-          <p:nvPr>
-            <p:ph idx="1"/>
-          </p:nvPr>
+          <p:cNvPr id="3" name="TextBox 2"/>
+          <p:cNvSpPr txBox="1"/>
+          <p:nvPr/>
         </p:nvSpPr>
         <p:spPr>
           <a:xfrm>
-            <a:off x="1981200" y="1600200"/>
-            <a:ext cx="8229600" cy="5257800"/>
+            <a:off x="0" y="5061181"/>
+            <a:ext cx="12192000" cy="666786"/>
           </a:xfrm>
+          <a:prstGeom prst="rect">
+            <a:avLst/>
+          </a:prstGeom>
+          <a:noFill/>
         </p:spPr>
         <p:txBody>
-          <a:bodyPr>
-            <a:normAutofit/>
+          <a:bodyPr wrap="square" rtlCol="0">
+            <a:spAutoFit/>
           </a:bodyPr>
           <a:lstStyle/>
           <a:p>
-            <a:pPr algn="ctr">
-              <a:buNone/>
-            </a:pPr>
-            <a:r>
-              <a:rPr lang="zh-TW" altLang="en-US" sz="5400" b="1" dirty="0">
-                <a:latin typeface="Microsoft JhengHei" panose="020B0604030504040204" pitchFamily="34" charset="-120"/>
-                <a:ea typeface="Microsoft JhengHei" panose="020B0604030504040204" pitchFamily="34" charset="-120"/>
-              </a:rPr>
-              <a:t>是</a:t>
-            </a:r>
-            <a:r>
-              <a:rPr lang="zh-CN" altLang="en-US" sz="5400" b="1" dirty="0">
-                <a:latin typeface="Microsoft JhengHei" panose="020B0604030504040204" pitchFamily="34" charset="-120"/>
-                <a:ea typeface="Microsoft JhengHei" panose="020B0604030504040204" pitchFamily="34" charset="-120"/>
-              </a:rPr>
-              <a:t>耶穌明白  </a:t>
-            </a:r>
-            <a:r>
-              <a:rPr lang="zh-TW" altLang="en-US" sz="5400" b="1" dirty="0">
-                <a:latin typeface="Microsoft JhengHei" panose="020B0604030504040204" pitchFamily="34" charset="-120"/>
-                <a:ea typeface="Microsoft JhengHei" panose="020B0604030504040204" pitchFamily="34" charset="-120"/>
-              </a:rPr>
-              <a:t>主路是最善</a:t>
-            </a:r>
-          </a:p>
-          <a:p>
-            <a:pPr algn="ctr">
-              <a:buNone/>
-            </a:pPr>
-            <a:r>
-              <a:rPr lang="zh-TW" altLang="en-US" sz="5400" b="1" dirty="0">
-                <a:latin typeface="Microsoft JhengHei" panose="020B0604030504040204" pitchFamily="34" charset="-120"/>
-                <a:ea typeface="Microsoft JhengHei" panose="020B0604030504040204" pitchFamily="34" charset="-120"/>
-              </a:rPr>
-              <a:t>聽主召你</a:t>
-            </a:r>
-            <a:r>
-              <a:rPr lang="zh-CN" altLang="en-US" sz="5400" b="1" dirty="0">
-                <a:latin typeface="Microsoft JhengHei" panose="020B0604030504040204" pitchFamily="34" charset="-120"/>
-                <a:ea typeface="Microsoft JhengHei" panose="020B0604030504040204" pitchFamily="34" charset="-120"/>
-              </a:rPr>
-              <a:t>說</a:t>
-            </a:r>
-            <a:endParaRPr lang="zh-TW" altLang="en-US" sz="5400" b="1" dirty="0">
-              <a:latin typeface="Microsoft JhengHei" panose="020B0604030504040204" pitchFamily="34" charset="-120"/>
-              <a:ea typeface="Microsoft JhengHei" panose="020B0604030504040204" pitchFamily="34" charset="-120"/>
+            <a:pPr algn="ctr"/>
+            <a:r>
+              <a:rPr lang="en-US" sz="3733" b="1" dirty="0">
+                <a:solidFill>
+                  <a:srgbClr val="660033"/>
+                </a:solidFill>
+              </a:rPr>
+              <a:t>( 2 / 4 )</a:t>
+            </a:r>
+            <a:endParaRPr lang="vi-VN" sz="3733" b="1" dirty="0">
+              <a:solidFill>
+                <a:srgbClr val="660033"/>
+              </a:solidFill>
             </a:endParaRPr>
           </a:p>
-          <a:p>
-            <a:pPr algn="ctr">
-              <a:buNone/>
-            </a:pPr>
-            <a:r>
-              <a:rPr lang="zh-TW" altLang="en-US" sz="5400" b="1" dirty="0">
-                <a:latin typeface="Microsoft JhengHei" panose="020B0604030504040204" pitchFamily="34" charset="-120"/>
-                <a:ea typeface="Microsoft JhengHei" panose="020B0604030504040204" pitchFamily="34" charset="-120"/>
-              </a:rPr>
-              <a:t>來 就我得安</a:t>
-            </a:r>
-          </a:p>
-          <a:p>
-            <a:pPr algn="ctr">
-              <a:buNone/>
-            </a:pPr>
-            <a:r>
-              <a:rPr lang="zh-TW" altLang="en-US" sz="5400" b="1" dirty="0">
-                <a:latin typeface="Microsoft JhengHei" panose="020B0604030504040204" pitchFamily="34" charset="-120"/>
-                <a:ea typeface="Microsoft JhengHei" panose="020B0604030504040204" pitchFamily="34" charset="-120"/>
-              </a:rPr>
-              <a:t>前途或順 或逆 全交主手裏</a:t>
-            </a:r>
-          </a:p>
-          <a:p>
-            <a:pPr algn="ctr">
-              <a:buNone/>
-            </a:pPr>
-            <a:r>
-              <a:rPr lang="zh-TW" altLang="en-US" sz="5400" b="1" dirty="0">
-                <a:latin typeface="Microsoft JhengHei" panose="020B0604030504040204" pitchFamily="34" charset="-120"/>
-                <a:ea typeface="Microsoft JhengHei" panose="020B0604030504040204" pitchFamily="34" charset="-120"/>
-              </a:rPr>
-              <a:t>或</a:t>
-            </a:r>
-            <a:r>
-              <a:rPr lang="zh-CN" altLang="en-US" sz="5400" b="1" dirty="0">
-                <a:latin typeface="Microsoft JhengHei" panose="020B0604030504040204" pitchFamily="34" charset="-120"/>
-                <a:ea typeface="Microsoft JhengHei" panose="020B0604030504040204" pitchFamily="34" charset="-120"/>
-              </a:rPr>
-              <a:t>者</a:t>
-            </a:r>
-            <a:r>
-              <a:rPr lang="zh-TW" altLang="en-US" sz="5400" b="1" dirty="0">
-                <a:latin typeface="Microsoft JhengHei" panose="020B0604030504040204" pitchFamily="34" charset="-120"/>
-                <a:ea typeface="Microsoft JhengHei" panose="020B0604030504040204" pitchFamily="34" charset="-120"/>
-              </a:rPr>
-              <a:t>憂愁 喜樂 耶穌是明白</a:t>
-            </a:r>
-          </a:p>
         </p:txBody>
       </p:sp>
     </p:spTree>
+    <p:extLst>
+      <p:ext uri="{BB962C8B-B14F-4D97-AF65-F5344CB8AC3E}">
+        <p14:creationId xmlns:p14="http://schemas.microsoft.com/office/powerpoint/2010/main" val="1893024058"/>
+      </p:ext>
+    </p:extLst>
   </p:cSld>
   <p:clrMapOvr>
     <a:masterClrMapping/>
   </p:clrMapOvr>
+  <p:timing>
+    <p:tnLst>
+      <p:par>
+        <p:cTn id="1" dur="indefinite" restart="never" nodeType="tmRoot"/>
+      </p:par>
+    </p:tnLst>
+  </p:timing>
 </p:sld>
 </file>
 
@@ -4153,110 +5550,153 @@
       </p:grpSpPr>
       <p:sp>
         <p:nvSpPr>
-          <p:cNvPr id="4" name="標題 3"/>
-          <p:cNvSpPr>
-            <a:spLocks noGrp="1"/>
-          </p:cNvSpPr>
-          <p:nvPr>
-            <p:ph type="title"/>
-          </p:nvPr>
-        </p:nvSpPr>
-        <p:spPr/>
-        <p:txBody>
-          <a:bodyPr>
+          <p:cNvPr id="5" name="內容版面配置區 4"/>
+          <p:cNvSpPr>
+            <a:spLocks noGrp="1"/>
+          </p:cNvSpPr>
+          <p:nvPr>
+            <p:ph idx="1"/>
+          </p:nvPr>
+        </p:nvSpPr>
+        <p:spPr>
+          <a:xfrm>
+            <a:off x="0" y="2084851"/>
+            <a:ext cx="12192000" cy="2404863"/>
+          </a:xfrm>
+        </p:spPr>
+        <p:txBody>
+          <a:bodyPr anchor="ctr">
             <a:normAutofit/>
           </a:bodyPr>
           <a:lstStyle/>
           <a:p>
-            <a:r>
-              <a:rPr lang="zh-CN" altLang="en-US" sz="4800" b="1" dirty="0">
-                <a:latin typeface="Microsoft JhengHei" panose="020B0604030504040204" pitchFamily="34" charset="-120"/>
-                <a:ea typeface="Microsoft JhengHei" panose="020B0604030504040204" pitchFamily="34" charset="-120"/>
-              </a:rPr>
-              <a:t>耶穌明白</a:t>
-            </a:r>
-            <a:endParaRPr lang="zh-TW" altLang="en-US" sz="4800" b="1" dirty="0">
-              <a:latin typeface="Microsoft JhengHei" panose="020B0604030504040204" pitchFamily="34" charset="-120"/>
-              <a:ea typeface="Microsoft JhengHei" panose="020B0604030504040204" pitchFamily="34" charset="-120"/>
+            <a:pPr algn="ctr">
+              <a:buNone/>
+            </a:pPr>
+            <a:r>
+              <a:rPr lang="zh-TW" altLang="en-US" sz="6400" b="1" dirty="0">
+                <a:solidFill>
+                  <a:srgbClr val="660033"/>
+                </a:solidFill>
+                <a:latin typeface="Microsoft JhengHei" pitchFamily="34" charset="-120"/>
+                <a:ea typeface="Microsoft JhengHei" pitchFamily="34" charset="-120"/>
+              </a:rPr>
+              <a:t>行路雖然艱難 </a:t>
+            </a:r>
+            <a:r>
+              <a:rPr lang="zh-TW" altLang="en-US" sz="6400" b="1" dirty="0">
+                <a:solidFill>
+                  <a:srgbClr val="660033"/>
+                </a:solidFill>
+                <a:latin typeface="Microsoft JhengHei" pitchFamily="34" charset="-120"/>
+                <a:ea typeface="Microsoft JhengHei" pitchFamily="34" charset="-120"/>
+              </a:rPr>
+              <a:t> 主</a:t>
+            </a:r>
+            <a:r>
+              <a:rPr lang="zh-TW" altLang="en-US" sz="6400" b="1" dirty="0">
+                <a:solidFill>
+                  <a:srgbClr val="660033"/>
+                </a:solidFill>
+                <a:latin typeface="Microsoft JhengHei" pitchFamily="34" charset="-120"/>
+                <a:ea typeface="Microsoft JhengHei" pitchFamily="34" charset="-120"/>
+              </a:rPr>
+              <a:t>必能扶助</a:t>
+            </a:r>
+          </a:p>
+          <a:p>
+            <a:pPr algn="ctr">
+              <a:buNone/>
+            </a:pPr>
+            <a:r>
+              <a:rPr lang="zh-TW" altLang="en-US" sz="6400" b="1" dirty="0">
+                <a:solidFill>
+                  <a:srgbClr val="660033"/>
+                </a:solidFill>
+                <a:latin typeface="Microsoft JhengHei" pitchFamily="34" charset="-120"/>
+                <a:ea typeface="Microsoft JhengHei" pitchFamily="34" charset="-120"/>
+              </a:rPr>
+              <a:t>勇往疲倦遠客 </a:t>
+            </a:r>
+            <a:r>
+              <a:rPr lang="zh-TW" altLang="en-US" sz="6400" b="1" dirty="0">
+                <a:solidFill>
+                  <a:srgbClr val="660033"/>
+                </a:solidFill>
+                <a:latin typeface="Microsoft JhengHei" pitchFamily="34" charset="-120"/>
+                <a:ea typeface="Microsoft JhengHei" pitchFamily="34" charset="-120"/>
+              </a:rPr>
+              <a:t> 耶</a:t>
+            </a:r>
+            <a:r>
+              <a:rPr lang="zh-TW" altLang="en-US" sz="6400" b="1" dirty="0">
+                <a:solidFill>
+                  <a:srgbClr val="660033"/>
+                </a:solidFill>
+                <a:latin typeface="Microsoft JhengHei" pitchFamily="34" charset="-120"/>
+                <a:ea typeface="Microsoft JhengHei" pitchFamily="34" charset="-120"/>
+              </a:rPr>
+              <a:t>穌是明白</a:t>
+            </a:r>
+          </a:p>
+        </p:txBody>
+      </p:sp>
+      <p:sp>
+        <p:nvSpPr>
+          <p:cNvPr id="3" name="TextBox 2"/>
+          <p:cNvSpPr txBox="1"/>
+          <p:nvPr/>
+        </p:nvSpPr>
+        <p:spPr>
+          <a:xfrm>
+            <a:off x="0" y="5061181"/>
+            <a:ext cx="12192000" cy="666786"/>
+          </a:xfrm>
+          <a:prstGeom prst="rect">
+            <a:avLst/>
+          </a:prstGeom>
+          <a:noFill/>
+        </p:spPr>
+        <p:txBody>
+          <a:bodyPr wrap="square" rtlCol="0">
+            <a:spAutoFit/>
+          </a:bodyPr>
+          <a:lstStyle/>
+          <a:p>
+            <a:pPr algn="ctr"/>
+            <a:r>
+              <a:rPr lang="en-US" sz="3733" b="1" dirty="0">
+                <a:solidFill>
+                  <a:srgbClr val="660033"/>
+                </a:solidFill>
+              </a:rPr>
+              <a:t>( 2 / 4 )</a:t>
+            </a:r>
+            <a:endParaRPr lang="vi-VN" sz="3733" b="1" dirty="0">
+              <a:solidFill>
+                <a:srgbClr val="660033"/>
+              </a:solidFill>
             </a:endParaRPr>
           </a:p>
         </p:txBody>
       </p:sp>
-      <p:sp>
-        <p:nvSpPr>
-          <p:cNvPr id="5" name="內容版面配置區 4"/>
-          <p:cNvSpPr>
-            <a:spLocks noGrp="1"/>
-          </p:cNvSpPr>
-          <p:nvPr>
-            <p:ph idx="1"/>
-          </p:nvPr>
-        </p:nvSpPr>
-        <p:spPr/>
-        <p:txBody>
-          <a:bodyPr>
-            <a:normAutofit/>
-          </a:bodyPr>
-          <a:lstStyle/>
-          <a:p>
-            <a:pPr lvl="0" algn="ctr">
-              <a:buNone/>
-            </a:pPr>
-            <a:r>
-              <a:rPr lang="zh-TW" altLang="en-US" sz="5400" b="1" dirty="0">
-                <a:latin typeface="Microsoft JhengHei" panose="020B0604030504040204" pitchFamily="34" charset="-120"/>
-                <a:ea typeface="Microsoft JhengHei" panose="020B0604030504040204" pitchFamily="34" charset="-120"/>
-              </a:rPr>
-              <a:t>疲倦人主召你來 可以得安</a:t>
-            </a:r>
-          </a:p>
-          <a:p>
-            <a:pPr algn="ctr">
-              <a:buNone/>
-            </a:pPr>
-            <a:r>
-              <a:rPr lang="zh-TW" altLang="en-US" sz="5400" b="1" dirty="0">
-                <a:latin typeface="Microsoft JhengHei" panose="020B0604030504040204" pitchFamily="34" charset="-120"/>
-                <a:ea typeface="Microsoft JhengHei" panose="020B0604030504040204" pitchFamily="34" charset="-120"/>
-              </a:rPr>
-              <a:t>路雖崎嶇不平 主必會同伴</a:t>
-            </a:r>
-            <a:endParaRPr lang="en-US" altLang="zh-TW" sz="5400" b="1" dirty="0">
-              <a:latin typeface="Microsoft JhengHei" panose="020B0604030504040204" pitchFamily="34" charset="-120"/>
-              <a:ea typeface="Microsoft JhengHei" panose="020B0604030504040204" pitchFamily="34" charset="-120"/>
-            </a:endParaRPr>
-          </a:p>
-          <a:p>
-            <a:pPr algn="ctr">
-              <a:buNone/>
-            </a:pPr>
-            <a:r>
-              <a:rPr lang="zh-TW" altLang="en-US" sz="5400" b="1" dirty="0">
-                <a:latin typeface="Microsoft JhengHei" panose="020B0604030504040204" pitchFamily="34" charset="-120"/>
-                <a:ea typeface="Microsoft JhengHei" panose="020B0604030504040204" pitchFamily="34" charset="-120"/>
-              </a:rPr>
-              <a:t>前途或順 或逆 全交主手裏</a:t>
-            </a:r>
-          </a:p>
-          <a:p>
-            <a:pPr algn="ctr">
-              <a:buNone/>
-            </a:pPr>
-            <a:r>
-              <a:rPr lang="zh-TW" altLang="en-US" sz="5400" b="1" dirty="0">
-                <a:latin typeface="Microsoft JhengHei" panose="020B0604030504040204" pitchFamily="34" charset="-120"/>
-                <a:ea typeface="Microsoft JhengHei" panose="020B0604030504040204" pitchFamily="34" charset="-120"/>
-              </a:rPr>
-              <a:t>或憂愁 或喜樂 耶穌是明白</a:t>
-            </a:r>
-          </a:p>
-        </p:txBody>
-      </p:sp>
     </p:spTree>
+    <p:extLst>
+      <p:ext uri="{BB962C8B-B14F-4D97-AF65-F5344CB8AC3E}">
+        <p14:creationId xmlns:p14="http://schemas.microsoft.com/office/powerpoint/2010/main" val="3610535300"/>
+      </p:ext>
+    </p:extLst>
   </p:cSld>
   <p:clrMapOvr>
     <a:masterClrMapping/>
   </p:clrMapOvr>
+  <p:timing>
+    <p:tnLst>
+      <p:par>
+        <p:cTn id="1" dur="indefinite" restart="never" nodeType="tmRoot"/>
+      </p:par>
+    </p:tnLst>
+  </p:timing>
 </p:sld>
 </file>
 
@@ -4279,78 +5719,56 @@
       </p:grpSpPr>
       <p:sp>
         <p:nvSpPr>
-          <p:cNvPr id="4" name="標題 3"/>
-          <p:cNvSpPr>
-            <a:spLocks noGrp="1"/>
-          </p:cNvSpPr>
-          <p:nvPr>
-            <p:ph type="title"/>
-          </p:nvPr>
-        </p:nvSpPr>
-        <p:spPr/>
-        <p:txBody>
-          <a:bodyPr>
+          <p:cNvPr id="5" name="內容版面配置區 4"/>
+          <p:cNvSpPr>
+            <a:spLocks noGrp="1"/>
+          </p:cNvSpPr>
+          <p:nvPr>
+            <p:ph idx="1"/>
+          </p:nvPr>
+        </p:nvSpPr>
+        <p:spPr>
+          <a:xfrm>
+            <a:off x="0" y="2084851"/>
+            <a:ext cx="12192000" cy="2404863"/>
+          </a:xfrm>
+        </p:spPr>
+        <p:txBody>
+          <a:bodyPr anchor="ctr">
             <a:normAutofit/>
           </a:bodyPr>
           <a:lstStyle/>
           <a:p>
-            <a:r>
-              <a:rPr lang="zh-CN" altLang="en-US" sz="4800" b="1" dirty="0">
-                <a:latin typeface="Microsoft JhengHei" panose="020B0604030504040204" pitchFamily="34" charset="-120"/>
-                <a:ea typeface="Microsoft JhengHei" panose="020B0604030504040204" pitchFamily="34" charset="-120"/>
-              </a:rPr>
-              <a:t>耶穌明白</a:t>
-            </a:r>
-            <a:endParaRPr lang="zh-TW" altLang="en-US" sz="4800" b="1" dirty="0">
-              <a:latin typeface="Microsoft JhengHei" panose="020B0604030504040204" pitchFamily="34" charset="-120"/>
-              <a:ea typeface="Microsoft JhengHei" panose="020B0604030504040204" pitchFamily="34" charset="-120"/>
-            </a:endParaRPr>
-          </a:p>
-        </p:txBody>
-      </p:sp>
-      <p:sp>
-        <p:nvSpPr>
-          <p:cNvPr id="5" name="內容版面配置區 4"/>
-          <p:cNvSpPr>
-            <a:spLocks noGrp="1"/>
-          </p:cNvSpPr>
-          <p:nvPr>
-            <p:ph idx="1"/>
-          </p:nvPr>
-        </p:nvSpPr>
-        <p:spPr>
-          <a:xfrm>
-            <a:off x="1981200" y="1600200"/>
-            <a:ext cx="8229600" cy="5257800"/>
-          </a:xfrm>
-        </p:spPr>
-        <p:txBody>
-          <a:bodyPr>
-            <a:normAutofit/>
-          </a:bodyPr>
-          <a:lstStyle/>
-          <a:p>
             <a:pPr algn="ctr">
               <a:buNone/>
             </a:pPr>
             <a:r>
-              <a:rPr lang="zh-TW" altLang="en-US" sz="5400" b="1" dirty="0">
-                <a:latin typeface="Microsoft JhengHei" panose="020B0604030504040204" pitchFamily="34" charset="-120"/>
-                <a:ea typeface="Microsoft JhengHei" panose="020B0604030504040204" pitchFamily="34" charset="-120"/>
+              <a:rPr lang="zh-TW" altLang="en-US" sz="6400" b="1" dirty="0">
+                <a:solidFill>
+                  <a:srgbClr val="660033"/>
+                </a:solidFill>
+                <a:latin typeface="Microsoft JhengHei" pitchFamily="34" charset="-120"/>
+                <a:ea typeface="Microsoft JhengHei" pitchFamily="34" charset="-120"/>
               </a:rPr>
               <a:t>是</a:t>
             </a:r>
             <a:r>
-              <a:rPr lang="zh-CN" altLang="en-US" sz="5400" b="1" dirty="0">
-                <a:latin typeface="Microsoft JhengHei" panose="020B0604030504040204" pitchFamily="34" charset="-120"/>
-                <a:ea typeface="Microsoft JhengHei" panose="020B0604030504040204" pitchFamily="34" charset="-120"/>
+              <a:rPr lang="zh-CN" altLang="en-US" sz="6400" b="1" dirty="0">
+                <a:solidFill>
+                  <a:srgbClr val="660033"/>
+                </a:solidFill>
+                <a:latin typeface="Microsoft JhengHei" pitchFamily="34" charset="-120"/>
+                <a:ea typeface="Microsoft JhengHei" pitchFamily="34" charset="-120"/>
               </a:rPr>
               <a:t>耶穌明白  </a:t>
             </a:r>
             <a:r>
-              <a:rPr lang="zh-TW" altLang="en-US" sz="5400" b="1" dirty="0">
-                <a:latin typeface="Microsoft JhengHei" panose="020B0604030504040204" pitchFamily="34" charset="-120"/>
-                <a:ea typeface="Microsoft JhengHei" panose="020B0604030504040204" pitchFamily="34" charset="-120"/>
+              <a:rPr lang="zh-TW" altLang="en-US" sz="6400" b="1" dirty="0">
+                <a:solidFill>
+                  <a:srgbClr val="660033"/>
+                </a:solidFill>
+                <a:latin typeface="Microsoft JhengHei" pitchFamily="34" charset="-120"/>
+                <a:ea typeface="Microsoft JhengHei" pitchFamily="34" charset="-120"/>
               </a:rPr>
               <a:t>主路是最善</a:t>
             </a:r>
@@ -4360,81 +5778,255 @@
               <a:buNone/>
             </a:pPr>
             <a:r>
-              <a:rPr lang="zh-TW" altLang="en-US" sz="5400" b="1" dirty="0">
-                <a:latin typeface="Microsoft JhengHei" panose="020B0604030504040204" pitchFamily="34" charset="-120"/>
-                <a:ea typeface="Microsoft JhengHei" panose="020B0604030504040204" pitchFamily="34" charset="-120"/>
+              <a:rPr lang="zh-TW" altLang="en-US" sz="6400" b="1" dirty="0">
+                <a:solidFill>
+                  <a:srgbClr val="660033"/>
+                </a:solidFill>
+                <a:latin typeface="Microsoft JhengHei" pitchFamily="34" charset="-120"/>
+                <a:ea typeface="Microsoft JhengHei" pitchFamily="34" charset="-120"/>
               </a:rPr>
               <a:t>聽主召你</a:t>
             </a:r>
             <a:r>
-              <a:rPr lang="zh-CN" altLang="en-US" sz="5400" b="1" dirty="0">
-                <a:latin typeface="Microsoft JhengHei" panose="020B0604030504040204" pitchFamily="34" charset="-120"/>
-                <a:ea typeface="Microsoft JhengHei" panose="020B0604030504040204" pitchFamily="34" charset="-120"/>
+              <a:rPr lang="zh-CN" altLang="en-US" sz="6400" b="1" dirty="0">
+                <a:solidFill>
+                  <a:srgbClr val="660033"/>
+                </a:solidFill>
+                <a:latin typeface="Microsoft JhengHei" pitchFamily="34" charset="-120"/>
+                <a:ea typeface="Microsoft JhengHei" pitchFamily="34" charset="-120"/>
               </a:rPr>
               <a:t>說</a:t>
             </a:r>
-            <a:endParaRPr lang="zh-TW" altLang="en-US" sz="5400" b="1" dirty="0">
-              <a:latin typeface="Microsoft JhengHei" panose="020B0604030504040204" pitchFamily="34" charset="-120"/>
-              <a:ea typeface="Microsoft JhengHei" panose="020B0604030504040204" pitchFamily="34" charset="-120"/>
-            </a:endParaRPr>
-          </a:p>
-          <a:p>
-            <a:pPr algn="ctr">
-              <a:buNone/>
-            </a:pPr>
-            <a:r>
-              <a:rPr lang="zh-TW" altLang="en-US" sz="5400" b="1" dirty="0">
-                <a:latin typeface="Microsoft JhengHei" panose="020B0604030504040204" pitchFamily="34" charset="-120"/>
-                <a:ea typeface="Microsoft JhengHei" panose="020B0604030504040204" pitchFamily="34" charset="-120"/>
-              </a:rPr>
-              <a:t>來 就我得安</a:t>
-            </a:r>
-          </a:p>
-          <a:p>
-            <a:pPr algn="ctr">
-              <a:buNone/>
-            </a:pPr>
-            <a:r>
-              <a:rPr lang="zh-TW" altLang="en-US" sz="5400" b="1" dirty="0">
-                <a:latin typeface="Microsoft JhengHei" panose="020B0604030504040204" pitchFamily="34" charset="-120"/>
-                <a:ea typeface="Microsoft JhengHei" panose="020B0604030504040204" pitchFamily="34" charset="-120"/>
-              </a:rPr>
-              <a:t>前途或順 或逆 全交主手裏</a:t>
-            </a:r>
-          </a:p>
-          <a:p>
-            <a:pPr algn="ctr">
-              <a:buNone/>
-            </a:pPr>
-            <a:r>
-              <a:rPr lang="zh-TW" altLang="en-US" sz="5400" b="1" dirty="0">
-                <a:latin typeface="Microsoft JhengHei" panose="020B0604030504040204" pitchFamily="34" charset="-120"/>
-                <a:ea typeface="Microsoft JhengHei" panose="020B0604030504040204" pitchFamily="34" charset="-120"/>
-              </a:rPr>
-              <a:t>或</a:t>
-            </a:r>
-            <a:r>
-              <a:rPr lang="zh-CN" altLang="en-US" sz="5400" b="1" dirty="0">
-                <a:latin typeface="Microsoft JhengHei" panose="020B0604030504040204" pitchFamily="34" charset="-120"/>
-                <a:ea typeface="Microsoft JhengHei" panose="020B0604030504040204" pitchFamily="34" charset="-120"/>
-              </a:rPr>
-              <a:t>者</a:t>
-            </a:r>
-            <a:r>
-              <a:rPr lang="zh-TW" altLang="en-US" sz="5400" b="1" dirty="0">
-                <a:latin typeface="Microsoft JhengHei" panose="020B0604030504040204" pitchFamily="34" charset="-120"/>
-                <a:ea typeface="Microsoft JhengHei" panose="020B0604030504040204" pitchFamily="34" charset="-120"/>
-              </a:rPr>
-              <a:t>憂愁 喜樂 耶穌是明白</a:t>
+            <a:r>
+              <a:rPr lang="zh-TW" altLang="en-US" sz="6400" b="1" dirty="0">
+                <a:solidFill>
+                  <a:srgbClr val="660033"/>
+                </a:solidFill>
+                <a:latin typeface="Microsoft JhengHei" pitchFamily="34" charset="-120"/>
+                <a:ea typeface="Microsoft JhengHei" pitchFamily="34" charset="-120"/>
+              </a:rPr>
+              <a:t>  來就</a:t>
+            </a:r>
+            <a:r>
+              <a:rPr lang="zh-TW" altLang="en-US" sz="6400" b="1" dirty="0">
+                <a:solidFill>
+                  <a:srgbClr val="660033"/>
+                </a:solidFill>
+                <a:latin typeface="Microsoft JhengHei" pitchFamily="34" charset="-120"/>
+                <a:ea typeface="Microsoft JhengHei" pitchFamily="34" charset="-120"/>
+              </a:rPr>
+              <a:t>我得安</a:t>
             </a:r>
           </a:p>
         </p:txBody>
       </p:sp>
     </p:spTree>
+    <p:extLst>
+      <p:ext uri="{BB962C8B-B14F-4D97-AF65-F5344CB8AC3E}">
+        <p14:creationId xmlns:p14="http://schemas.microsoft.com/office/powerpoint/2010/main" val="3863700731"/>
+      </p:ext>
+    </p:extLst>
   </p:cSld>
   <p:clrMapOvr>
     <a:masterClrMapping/>
   </p:clrMapOvr>
+  <p:timing>
+    <p:tnLst>
+      <p:par>
+        <p:cTn id="1" dur="indefinite" restart="never" nodeType="tmRoot"/>
+      </p:par>
+    </p:tnLst>
+  </p:timing>
+</p:sld>
+</file>
+
+<file path=ppt/slides/slide9.xml><?xml version="1.0" encoding="utf-8"?>
+<p:sld xmlns:a="http://schemas.openxmlformats.org/drawingml/2006/main" xmlns:r="http://schemas.openxmlformats.org/officeDocument/2006/relationships" xmlns:p="http://schemas.openxmlformats.org/presentationml/2006/main">
+  <p:cSld>
+    <p:spTree>
+      <p:nvGrpSpPr>
+        <p:cNvPr id="1" name=""/>
+        <p:cNvGrpSpPr/>
+        <p:nvPr/>
+      </p:nvGrpSpPr>
+      <p:grpSpPr>
+        <a:xfrm>
+          <a:off x="0" y="0"/>
+          <a:ext cx="0" cy="0"/>
+          <a:chOff x="0" y="0"/>
+          <a:chExt cx="0" cy="0"/>
+        </a:xfrm>
+      </p:grpSpPr>
+      <p:sp>
+        <p:nvSpPr>
+          <p:cNvPr id="5" name="內容版面配置區 4"/>
+          <p:cNvSpPr>
+            <a:spLocks noGrp="1"/>
+          </p:cNvSpPr>
+          <p:nvPr>
+            <p:ph idx="1"/>
+          </p:nvPr>
+        </p:nvSpPr>
+        <p:spPr>
+          <a:xfrm>
+            <a:off x="0" y="2084851"/>
+            <a:ext cx="12192000" cy="2404863"/>
+          </a:xfrm>
+        </p:spPr>
+        <p:txBody>
+          <a:bodyPr anchor="ctr">
+            <a:normAutofit/>
+          </a:bodyPr>
+          <a:lstStyle/>
+          <a:p>
+            <a:pPr algn="ctr">
+              <a:buNone/>
+            </a:pPr>
+            <a:r>
+              <a:rPr lang="zh-TW" altLang="en-US" sz="6400" b="1" dirty="0">
+                <a:solidFill>
+                  <a:srgbClr val="660033"/>
+                </a:solidFill>
+                <a:latin typeface="Microsoft JhengHei" pitchFamily="34" charset="-120"/>
+                <a:ea typeface="Microsoft JhengHei" pitchFamily="34" charset="-120"/>
+              </a:rPr>
+              <a:t>前途或順 </a:t>
+            </a:r>
+            <a:r>
+              <a:rPr lang="zh-TW" altLang="en-US" sz="6400" b="1" dirty="0">
+                <a:solidFill>
+                  <a:srgbClr val="660033"/>
+                </a:solidFill>
+                <a:latin typeface="Microsoft JhengHei" pitchFamily="34" charset="-120"/>
+                <a:ea typeface="Microsoft JhengHei" pitchFamily="34" charset="-120"/>
+              </a:rPr>
+              <a:t> 或</a:t>
+            </a:r>
+            <a:r>
+              <a:rPr lang="zh-TW" altLang="en-US" sz="6400" b="1" dirty="0">
+                <a:solidFill>
+                  <a:srgbClr val="660033"/>
+                </a:solidFill>
+                <a:latin typeface="Microsoft JhengHei" pitchFamily="34" charset="-120"/>
+                <a:ea typeface="Microsoft JhengHei" pitchFamily="34" charset="-120"/>
+              </a:rPr>
+              <a:t>逆 </a:t>
+            </a:r>
+            <a:r>
+              <a:rPr lang="zh-TW" altLang="en-US" sz="6400" b="1" dirty="0">
+                <a:solidFill>
+                  <a:srgbClr val="660033"/>
+                </a:solidFill>
+                <a:latin typeface="Microsoft JhengHei" pitchFamily="34" charset="-120"/>
+                <a:ea typeface="Microsoft JhengHei" pitchFamily="34" charset="-120"/>
+              </a:rPr>
+              <a:t> 全</a:t>
+            </a:r>
+            <a:r>
+              <a:rPr lang="zh-TW" altLang="en-US" sz="6400" b="1" dirty="0">
+                <a:solidFill>
+                  <a:srgbClr val="660033"/>
+                </a:solidFill>
+                <a:latin typeface="Microsoft JhengHei" pitchFamily="34" charset="-120"/>
+                <a:ea typeface="Microsoft JhengHei" pitchFamily="34" charset="-120"/>
+              </a:rPr>
+              <a:t>交主手裏</a:t>
+            </a:r>
+          </a:p>
+          <a:p>
+            <a:pPr algn="ctr">
+              <a:buNone/>
+            </a:pPr>
+            <a:r>
+              <a:rPr lang="zh-TW" altLang="en-US" sz="6400" b="1" dirty="0">
+                <a:solidFill>
+                  <a:srgbClr val="660033"/>
+                </a:solidFill>
+                <a:latin typeface="Microsoft JhengHei" pitchFamily="34" charset="-120"/>
+                <a:ea typeface="Microsoft JhengHei" pitchFamily="34" charset="-120"/>
+              </a:rPr>
+              <a:t>或</a:t>
+            </a:r>
+            <a:r>
+              <a:rPr lang="zh-CN" altLang="en-US" sz="6400" b="1" dirty="0">
+                <a:solidFill>
+                  <a:srgbClr val="660033"/>
+                </a:solidFill>
+                <a:latin typeface="Microsoft JhengHei" pitchFamily="34" charset="-120"/>
+                <a:ea typeface="Microsoft JhengHei" pitchFamily="34" charset="-120"/>
+              </a:rPr>
+              <a:t>者</a:t>
+            </a:r>
+            <a:r>
+              <a:rPr lang="zh-TW" altLang="en-US" sz="6400" b="1" dirty="0">
+                <a:solidFill>
+                  <a:srgbClr val="660033"/>
+                </a:solidFill>
+                <a:latin typeface="Microsoft JhengHei" pitchFamily="34" charset="-120"/>
+                <a:ea typeface="Microsoft JhengHei" pitchFamily="34" charset="-120"/>
+              </a:rPr>
+              <a:t>憂愁 </a:t>
+            </a:r>
+            <a:r>
+              <a:rPr lang="zh-TW" altLang="en-US" sz="6400" b="1" dirty="0">
+                <a:solidFill>
+                  <a:srgbClr val="660033"/>
+                </a:solidFill>
+                <a:latin typeface="Microsoft JhengHei" pitchFamily="34" charset="-120"/>
+                <a:ea typeface="Microsoft JhengHei" pitchFamily="34" charset="-120"/>
+              </a:rPr>
+              <a:t> 喜</a:t>
+            </a:r>
+            <a:r>
+              <a:rPr lang="zh-TW" altLang="en-US" sz="6400" b="1" dirty="0">
+                <a:solidFill>
+                  <a:srgbClr val="660033"/>
+                </a:solidFill>
+                <a:latin typeface="Microsoft JhengHei" pitchFamily="34" charset="-120"/>
+                <a:ea typeface="Microsoft JhengHei" pitchFamily="34" charset="-120"/>
+              </a:rPr>
+              <a:t>樂 </a:t>
+            </a:r>
+            <a:r>
+              <a:rPr lang="zh-TW" altLang="en-US" sz="6400" b="1" dirty="0">
+                <a:solidFill>
+                  <a:srgbClr val="660033"/>
+                </a:solidFill>
+                <a:latin typeface="Microsoft JhengHei" pitchFamily="34" charset="-120"/>
+                <a:ea typeface="Microsoft JhengHei" pitchFamily="34" charset="-120"/>
+              </a:rPr>
+              <a:t> 耶</a:t>
+            </a:r>
+            <a:r>
+              <a:rPr lang="zh-TW" altLang="en-US" sz="6400" b="1" dirty="0">
+                <a:solidFill>
+                  <a:srgbClr val="660033"/>
+                </a:solidFill>
+                <a:latin typeface="Microsoft JhengHei" pitchFamily="34" charset="-120"/>
+                <a:ea typeface="Microsoft JhengHei" pitchFamily="34" charset="-120"/>
+              </a:rPr>
+              <a:t>穌是明白</a:t>
+            </a:r>
+          </a:p>
+        </p:txBody>
+      </p:sp>
+    </p:spTree>
+    <p:extLst>
+      <p:ext uri="{BB962C8B-B14F-4D97-AF65-F5344CB8AC3E}">
+        <p14:creationId xmlns:p14="http://schemas.microsoft.com/office/powerpoint/2010/main" val="2571722154"/>
+      </p:ext>
+    </p:extLst>
+  </p:cSld>
+  <p:clrMapOvr>
+    <a:masterClrMapping/>
+  </p:clrMapOvr>
+  <p:timing>
+    <p:tnLst>
+      <p:par>
+        <p:cTn id="1" dur="indefinite" restart="never" nodeType="tmRoot"/>
+      </p:par>
+    </p:tnLst>
+  </p:timing>
 </p:sld>
 </file>
 
